--- a/docs/dns-tutorial-lacnic-cap01-00.pptx
+++ b/docs/dns-tutorial-lacnic-cap01-00.pptx
@@ -9,10 +9,10 @@
     <p:sldMasterId id="2147483653" r:id="rId5"/>
   </p:sldMasterIdLst>
   <p:notesMasterIdLst>
-    <p:notesMasterId r:id="rId54"/>
+    <p:notesMasterId r:id="rId56"/>
   </p:notesMasterIdLst>
   <p:handoutMasterIdLst>
-    <p:handoutMasterId r:id="rId55"/>
+    <p:handoutMasterId r:id="rId57"/>
   </p:handoutMasterIdLst>
   <p:sldIdLst>
     <p:sldId id="344" r:id="rId6"/>
@@ -26,43 +26,45 @@
     <p:sldId id="293" r:id="rId14"/>
     <p:sldId id="331" r:id="rId15"/>
     <p:sldId id="292" r:id="rId16"/>
-    <p:sldId id="332" r:id="rId17"/>
-    <p:sldId id="333" r:id="rId18"/>
-    <p:sldId id="295" r:id="rId19"/>
-    <p:sldId id="334" r:id="rId20"/>
-    <p:sldId id="335" r:id="rId21"/>
-    <p:sldId id="348" r:id="rId22"/>
-    <p:sldId id="294" r:id="rId23"/>
-    <p:sldId id="296" r:id="rId24"/>
-    <p:sldId id="298" r:id="rId25"/>
-    <p:sldId id="342" r:id="rId26"/>
-    <p:sldId id="297" r:id="rId27"/>
-    <p:sldId id="341" r:id="rId28"/>
-    <p:sldId id="336" r:id="rId29"/>
-    <p:sldId id="346" r:id="rId30"/>
-    <p:sldId id="299" r:id="rId31"/>
-    <p:sldId id="347" r:id="rId32"/>
-    <p:sldId id="300" r:id="rId33"/>
-    <p:sldId id="301" r:id="rId34"/>
-    <p:sldId id="302" r:id="rId35"/>
-    <p:sldId id="340" r:id="rId36"/>
-    <p:sldId id="303" r:id="rId37"/>
-    <p:sldId id="304" r:id="rId38"/>
-    <p:sldId id="305" r:id="rId39"/>
-    <p:sldId id="339" r:id="rId40"/>
-    <p:sldId id="307" r:id="rId41"/>
-    <p:sldId id="308" r:id="rId42"/>
-    <p:sldId id="309" r:id="rId43"/>
-    <p:sldId id="343" r:id="rId44"/>
-    <p:sldId id="310" r:id="rId45"/>
-    <p:sldId id="311" r:id="rId46"/>
-    <p:sldId id="312" r:id="rId47"/>
-    <p:sldId id="313" r:id="rId48"/>
-    <p:sldId id="314" r:id="rId49"/>
-    <p:sldId id="315" r:id="rId50"/>
-    <p:sldId id="316" r:id="rId51"/>
-    <p:sldId id="317" r:id="rId52"/>
-    <p:sldId id="345" r:id="rId53"/>
+    <p:sldId id="349" r:id="rId17"/>
+    <p:sldId id="332" r:id="rId18"/>
+    <p:sldId id="333" r:id="rId19"/>
+    <p:sldId id="295" r:id="rId20"/>
+    <p:sldId id="334" r:id="rId21"/>
+    <p:sldId id="335" r:id="rId22"/>
+    <p:sldId id="348" r:id="rId23"/>
+    <p:sldId id="294" r:id="rId24"/>
+    <p:sldId id="296" r:id="rId25"/>
+    <p:sldId id="298" r:id="rId26"/>
+    <p:sldId id="342" r:id="rId27"/>
+    <p:sldId id="297" r:id="rId28"/>
+    <p:sldId id="341" r:id="rId29"/>
+    <p:sldId id="336" r:id="rId30"/>
+    <p:sldId id="346" r:id="rId31"/>
+    <p:sldId id="299" r:id="rId32"/>
+    <p:sldId id="350" r:id="rId33"/>
+    <p:sldId id="347" r:id="rId34"/>
+    <p:sldId id="300" r:id="rId35"/>
+    <p:sldId id="301" r:id="rId36"/>
+    <p:sldId id="302" r:id="rId37"/>
+    <p:sldId id="340" r:id="rId38"/>
+    <p:sldId id="303" r:id="rId39"/>
+    <p:sldId id="304" r:id="rId40"/>
+    <p:sldId id="305" r:id="rId41"/>
+    <p:sldId id="339" r:id="rId42"/>
+    <p:sldId id="307" r:id="rId43"/>
+    <p:sldId id="308" r:id="rId44"/>
+    <p:sldId id="309" r:id="rId45"/>
+    <p:sldId id="343" r:id="rId46"/>
+    <p:sldId id="310" r:id="rId47"/>
+    <p:sldId id="311" r:id="rId48"/>
+    <p:sldId id="312" r:id="rId49"/>
+    <p:sldId id="313" r:id="rId50"/>
+    <p:sldId id="314" r:id="rId51"/>
+    <p:sldId id="315" r:id="rId52"/>
+    <p:sldId id="316" r:id="rId53"/>
+    <p:sldId id="317" r:id="rId54"/>
+    <p:sldId id="345" r:id="rId55"/>
   </p:sldIdLst>
   <p:sldSz cx="10072688" cy="7556500"/>
   <p:notesSz cx="6858000" cy="9144000"/>
@@ -215,6 +217,22 @@
       </a:defRPr>
     </a:lvl9pPr>
   </p:defaultTextStyle>
+  <p:extLst>
+    <p:ext uri="{EFAFB233-063F-42B5-8137-9DF3F51BA10A}">
+      <p15:sldGuideLst xmlns:p15="http://schemas.microsoft.com/office/powerpoint/2012/main">
+        <p15:guide id="1" orient="horz" pos="2380">
+          <p15:clr>
+            <a:srgbClr val="A4A3A4"/>
+          </p15:clr>
+        </p15:guide>
+        <p15:guide id="2" pos="3172">
+          <p15:clr>
+            <a:srgbClr val="A4A3A4"/>
+          </p15:clr>
+        </p15:guide>
+      </p15:sldGuideLst>
+    </p:ext>
+  </p:extLst>
 </p:presentation>
 </file>
 
@@ -300,7 +318,7 @@
           <a:p>
             <a:fld id="{2769549F-D399-2D4F-92CE-6D8A529E941E}" type="datetimeFigureOut">
               <a:rPr lang="en-US" smtClean="0"/>
-              <a:t>6/21/11</a:t>
+              <a:t>12/12/17</a:t>
             </a:fld>
             <a:endParaRPr lang="en-US"/>
           </a:p>
@@ -465,7 +483,7 @@
           <a:p>
             <a:fld id="{C37BDBB9-8A3A-7349-A064-4239E74CD27D}" type="datetimeFigureOut">
               <a:rPr lang="en-US" smtClean="0"/>
-              <a:t>6/21/11</a:t>
+              <a:t>12/12/17</a:t>
             </a:fld>
             <a:endParaRPr lang="en-US"/>
           </a:p>
@@ -1011,7 +1029,7 @@
           <a:p>
             <a:fld id="{4B9C0BE9-73FD-4F46-A735-22AD7DDA21C9}" type="slidenum">
               <a:rPr lang="en-US" smtClean="0"/>
-              <a:t>19</a:t>
+              <a:t>20</a:t>
             </a:fld>
             <a:endParaRPr lang="en-US"/>
           </a:p>
@@ -1150,7 +1168,7 @@
   <p:clrMapOvr>
     <a:masterClrMapping/>
   </p:clrMapOvr>
-  <p:transition xmlns:p14="http://schemas.microsoft.com/office/powerpoint/2010/main"/>
+  <p:transition/>
 </p:sldLayout>
 </file>
 
@@ -1256,7 +1274,7 @@
   <p:clrMapOvr>
     <a:masterClrMapping/>
   </p:clrMapOvr>
-  <p:transition xmlns:p14="http://schemas.microsoft.com/office/powerpoint/2010/main"/>
+  <p:transition/>
 </p:sldLayout>
 </file>
 
@@ -1372,7 +1390,7 @@
   <p:clrMapOvr>
     <a:masterClrMapping/>
   </p:clrMapOvr>
-  <p:transition xmlns:p14="http://schemas.microsoft.com/office/powerpoint/2010/main"/>
+  <p:transition/>
 </p:sldLayout>
 </file>
 
@@ -1526,7 +1544,7 @@
   <p:clrMapOvr>
     <a:masterClrMapping/>
   </p:clrMapOvr>
-  <p:transition xmlns:p14="http://schemas.microsoft.com/office/powerpoint/2010/main"/>
+  <p:transition/>
 </p:sldLayout>
 </file>
 
@@ -1662,7 +1680,7 @@
   <p:clrMapOvr>
     <a:masterClrMapping/>
   </p:clrMapOvr>
-  <p:transition xmlns:p14="http://schemas.microsoft.com/office/powerpoint/2010/main"/>
+  <p:transition/>
 </p:sldLayout>
 </file>
 
@@ -1820,7 +1838,7 @@
   <p:clrMapOvr>
     <a:masterClrMapping/>
   </p:clrMapOvr>
-  <p:transition xmlns:p14="http://schemas.microsoft.com/office/powerpoint/2010/main"/>
+  <p:transition/>
 </p:sldLayout>
 </file>
 
@@ -2074,7 +2092,7 @@
   <p:clrMapOvr>
     <a:masterClrMapping/>
   </p:clrMapOvr>
-  <p:transition xmlns:p14="http://schemas.microsoft.com/office/powerpoint/2010/main"/>
+  <p:transition/>
 </p:sldLayout>
 </file>
 
@@ -2467,7 +2485,7 @@
   <p:clrMapOvr>
     <a:masterClrMapping/>
   </p:clrMapOvr>
-  <p:transition xmlns:p14="http://schemas.microsoft.com/office/powerpoint/2010/main"/>
+  <p:transition/>
 </p:sldLayout>
 </file>
 
@@ -2551,7 +2569,7 @@
   <p:clrMapOvr>
     <a:masterClrMapping/>
   </p:clrMapOvr>
-  <p:transition xmlns:p14="http://schemas.microsoft.com/office/powerpoint/2010/main"/>
+  <p:transition/>
 </p:sldLayout>
 </file>
 
@@ -2612,7 +2630,7 @@
   <p:clrMapOvr>
     <a:masterClrMapping/>
   </p:clrMapOvr>
-  <p:transition xmlns:p14="http://schemas.microsoft.com/office/powerpoint/2010/main"/>
+  <p:transition/>
 </p:sldLayout>
 </file>
 
@@ -2855,7 +2873,7 @@
   <p:clrMapOvr>
     <a:masterClrMapping/>
   </p:clrMapOvr>
-  <p:transition xmlns:p14="http://schemas.microsoft.com/office/powerpoint/2010/main"/>
+  <p:transition/>
 </p:sldLayout>
 </file>
 
@@ -2961,7 +2979,7 @@
   <p:clrMapOvr>
     <a:masterClrMapping/>
   </p:clrMapOvr>
-  <p:transition xmlns:p14="http://schemas.microsoft.com/office/powerpoint/2010/main"/>
+  <p:transition/>
 </p:sldLayout>
 </file>
 
@@ -3183,7 +3201,7 @@
   <p:clrMapOvr>
     <a:masterClrMapping/>
   </p:clrMapOvr>
-  <p:transition xmlns:p14="http://schemas.microsoft.com/office/powerpoint/2010/main"/>
+  <p:transition/>
 </p:sldLayout>
 </file>
 
@@ -3319,7 +3337,7 @@
   <p:clrMapOvr>
     <a:masterClrMapping/>
   </p:clrMapOvr>
-  <p:transition xmlns:p14="http://schemas.microsoft.com/office/powerpoint/2010/main"/>
+  <p:transition/>
 </p:sldLayout>
 </file>
 
@@ -3465,7 +3483,7 @@
   <p:clrMapOvr>
     <a:masterClrMapping/>
   </p:clrMapOvr>
-  <p:transition xmlns:p14="http://schemas.microsoft.com/office/powerpoint/2010/main"/>
+  <p:transition/>
 </p:sldLayout>
 </file>
 
@@ -3589,7 +3607,7 @@
   <p:clrMapOvr>
     <a:masterClrMapping/>
   </p:clrMapOvr>
-  <p:transition xmlns:p14="http://schemas.microsoft.com/office/powerpoint/2010/main"/>
+  <p:transition/>
 </p:sldLayout>
 </file>
 
@@ -3695,7 +3713,7 @@
   <p:clrMapOvr>
     <a:masterClrMapping/>
   </p:clrMapOvr>
-  <p:transition xmlns:p14="http://schemas.microsoft.com/office/powerpoint/2010/main"/>
+  <p:transition/>
 </p:sldLayout>
 </file>
 
@@ -3823,7 +3841,7 @@
   <p:clrMapOvr>
     <a:masterClrMapping/>
   </p:clrMapOvr>
-  <p:transition xmlns:p14="http://schemas.microsoft.com/office/powerpoint/2010/main"/>
+  <p:transition/>
 </p:sldLayout>
 </file>
 
@@ -4047,7 +4065,7 @@
   <p:clrMapOvr>
     <a:masterClrMapping/>
   </p:clrMapOvr>
-  <p:transition xmlns:p14="http://schemas.microsoft.com/office/powerpoint/2010/main"/>
+  <p:transition/>
 </p:sldLayout>
 </file>
 
@@ -4410,7 +4428,7 @@
   <p:clrMapOvr>
     <a:masterClrMapping/>
   </p:clrMapOvr>
-  <p:transition xmlns:p14="http://schemas.microsoft.com/office/powerpoint/2010/main"/>
+  <p:transition/>
 </p:sldLayout>
 </file>
 
@@ -4464,7 +4482,7 @@
   <p:clrMapOvr>
     <a:masterClrMapping/>
   </p:clrMapOvr>
-  <p:transition xmlns:p14="http://schemas.microsoft.com/office/powerpoint/2010/main"/>
+  <p:transition/>
 </p:sldLayout>
 </file>
 
@@ -4495,7 +4513,7 @@
   <p:clrMapOvr>
     <a:masterClrMapping/>
   </p:clrMapOvr>
-  <p:transition xmlns:p14="http://schemas.microsoft.com/office/powerpoint/2010/main"/>
+  <p:transition/>
 </p:sldLayout>
 </file>
 
@@ -4623,7 +4641,7 @@
   <p:clrMapOvr>
     <a:masterClrMapping/>
   </p:clrMapOvr>
-  <p:transition xmlns:p14="http://schemas.microsoft.com/office/powerpoint/2010/main"/>
+  <p:transition/>
 </p:sldLayout>
 </file>
 
@@ -4836,7 +4854,7 @@
   <p:clrMapOvr>
     <a:masterClrMapping/>
   </p:clrMapOvr>
-  <p:transition xmlns:p14="http://schemas.microsoft.com/office/powerpoint/2010/main"/>
+  <p:transition/>
 </p:sldLayout>
 </file>
 
@@ -5028,7 +5046,7 @@
   <p:clrMapOvr>
     <a:masterClrMapping/>
   </p:clrMapOvr>
-  <p:transition xmlns:p14="http://schemas.microsoft.com/office/powerpoint/2010/main"/>
+  <p:transition/>
 </p:sldLayout>
 </file>
 
@@ -5134,7 +5152,7 @@
   <p:clrMapOvr>
     <a:masterClrMapping/>
   </p:clrMapOvr>
-  <p:transition xmlns:p14="http://schemas.microsoft.com/office/powerpoint/2010/main"/>
+  <p:transition/>
 </p:sldLayout>
 </file>
 
@@ -5250,7 +5268,7 @@
   <p:clrMapOvr>
     <a:masterClrMapping/>
   </p:clrMapOvr>
-  <p:transition xmlns:p14="http://schemas.microsoft.com/office/powerpoint/2010/main"/>
+  <p:transition/>
 </p:sldLayout>
 </file>
 
@@ -5374,7 +5392,7 @@
   <p:clrMapOvr>
     <a:masterClrMapping/>
   </p:clrMapOvr>
-  <p:transition xmlns:p14="http://schemas.microsoft.com/office/powerpoint/2010/main"/>
+  <p:transition/>
 </p:sldLayout>
 </file>
 
@@ -5480,7 +5498,7 @@
   <p:clrMapOvr>
     <a:masterClrMapping/>
   </p:clrMapOvr>
-  <p:transition xmlns:p14="http://schemas.microsoft.com/office/powerpoint/2010/main"/>
+  <p:transition/>
 </p:sldLayout>
 </file>
 
@@ -5608,7 +5626,7 @@
   <p:clrMapOvr>
     <a:masterClrMapping/>
   </p:clrMapOvr>
-  <p:transition xmlns:p14="http://schemas.microsoft.com/office/powerpoint/2010/main"/>
+  <p:transition/>
 </p:sldLayout>
 </file>
 
@@ -5832,7 +5850,7 @@
   <p:clrMapOvr>
     <a:masterClrMapping/>
   </p:clrMapOvr>
-  <p:transition xmlns:p14="http://schemas.microsoft.com/office/powerpoint/2010/main"/>
+  <p:transition/>
 </p:sldLayout>
 </file>
 
@@ -6195,7 +6213,7 @@
   <p:clrMapOvr>
     <a:masterClrMapping/>
   </p:clrMapOvr>
-  <p:transition xmlns:p14="http://schemas.microsoft.com/office/powerpoint/2010/main"/>
+  <p:transition/>
 </p:sldLayout>
 </file>
 
@@ -6249,7 +6267,7 @@
   <p:clrMapOvr>
     <a:masterClrMapping/>
   </p:clrMapOvr>
-  <p:transition xmlns:p14="http://schemas.microsoft.com/office/powerpoint/2010/main"/>
+  <p:transition/>
 </p:sldLayout>
 </file>
 
@@ -6473,7 +6491,7 @@
   <p:clrMapOvr>
     <a:masterClrMapping/>
   </p:clrMapOvr>
-  <p:transition xmlns:p14="http://schemas.microsoft.com/office/powerpoint/2010/main"/>
+  <p:transition/>
 </p:sldLayout>
 </file>
 
@@ -6504,7 +6522,7 @@
   <p:clrMapOvr>
     <a:masterClrMapping/>
   </p:clrMapOvr>
-  <p:transition xmlns:p14="http://schemas.microsoft.com/office/powerpoint/2010/main"/>
+  <p:transition/>
 </p:sldLayout>
 </file>
 
@@ -6717,7 +6735,7 @@
   <p:clrMapOvr>
     <a:masterClrMapping/>
   </p:clrMapOvr>
-  <p:transition xmlns:p14="http://schemas.microsoft.com/office/powerpoint/2010/main"/>
+  <p:transition/>
 </p:sldLayout>
 </file>
 
@@ -6909,7 +6927,7 @@
   <p:clrMapOvr>
     <a:masterClrMapping/>
   </p:clrMapOvr>
-  <p:transition xmlns:p14="http://schemas.microsoft.com/office/powerpoint/2010/main"/>
+  <p:transition/>
 </p:sldLayout>
 </file>
 
@@ -7015,7 +7033,7 @@
   <p:clrMapOvr>
     <a:masterClrMapping/>
   </p:clrMapOvr>
-  <p:transition xmlns:p14="http://schemas.microsoft.com/office/powerpoint/2010/main"/>
+  <p:transition/>
 </p:sldLayout>
 </file>
 
@@ -7131,7 +7149,7 @@
   <p:clrMapOvr>
     <a:masterClrMapping/>
   </p:clrMapOvr>
-  <p:transition xmlns:p14="http://schemas.microsoft.com/office/powerpoint/2010/main"/>
+  <p:transition/>
 </p:sldLayout>
 </file>
 
@@ -7255,7 +7273,7 @@
   <p:clrMapOvr>
     <a:masterClrMapping/>
   </p:clrMapOvr>
-  <p:transition xmlns:p14="http://schemas.microsoft.com/office/powerpoint/2010/main"/>
+  <p:transition/>
 </p:sldLayout>
 </file>
 
@@ -7361,7 +7379,7 @@
   <p:clrMapOvr>
     <a:masterClrMapping/>
   </p:clrMapOvr>
-  <p:transition xmlns:p14="http://schemas.microsoft.com/office/powerpoint/2010/main"/>
+  <p:transition/>
 </p:sldLayout>
 </file>
 
@@ -7489,7 +7507,7 @@
   <p:clrMapOvr>
     <a:masterClrMapping/>
   </p:clrMapOvr>
-  <p:transition xmlns:p14="http://schemas.microsoft.com/office/powerpoint/2010/main"/>
+  <p:transition/>
 </p:sldLayout>
 </file>
 
@@ -7713,7 +7731,7 @@
   <p:clrMapOvr>
     <a:masterClrMapping/>
   </p:clrMapOvr>
-  <p:transition xmlns:p14="http://schemas.microsoft.com/office/powerpoint/2010/main"/>
+  <p:transition/>
 </p:sldLayout>
 </file>
 
@@ -8076,7 +8094,7 @@
   <p:clrMapOvr>
     <a:masterClrMapping/>
   </p:clrMapOvr>
-  <p:transition xmlns:p14="http://schemas.microsoft.com/office/powerpoint/2010/main"/>
+  <p:transition/>
 </p:sldLayout>
 </file>
 
@@ -8439,7 +8457,7 @@
   <p:clrMapOvr>
     <a:masterClrMapping/>
   </p:clrMapOvr>
-  <p:transition xmlns:p14="http://schemas.microsoft.com/office/powerpoint/2010/main"/>
+  <p:transition/>
 </p:sldLayout>
 </file>
 
@@ -8493,7 +8511,7 @@
   <p:clrMapOvr>
     <a:masterClrMapping/>
   </p:clrMapOvr>
-  <p:transition xmlns:p14="http://schemas.microsoft.com/office/powerpoint/2010/main"/>
+  <p:transition/>
 </p:sldLayout>
 </file>
 
@@ -8524,7 +8542,7 @@
   <p:clrMapOvr>
     <a:masterClrMapping/>
   </p:clrMapOvr>
-  <p:transition xmlns:p14="http://schemas.microsoft.com/office/powerpoint/2010/main"/>
+  <p:transition/>
 </p:sldLayout>
 </file>
 
@@ -8737,7 +8755,7 @@
   <p:clrMapOvr>
     <a:masterClrMapping/>
   </p:clrMapOvr>
-  <p:transition xmlns:p14="http://schemas.microsoft.com/office/powerpoint/2010/main"/>
+  <p:transition/>
 </p:sldLayout>
 </file>
 
@@ -8929,7 +8947,7 @@
   <p:clrMapOvr>
     <a:masterClrMapping/>
   </p:clrMapOvr>
-  <p:transition xmlns:p14="http://schemas.microsoft.com/office/powerpoint/2010/main"/>
+  <p:transition/>
 </p:sldLayout>
 </file>
 
@@ -9035,7 +9053,7 @@
   <p:clrMapOvr>
     <a:masterClrMapping/>
   </p:clrMapOvr>
-  <p:transition xmlns:p14="http://schemas.microsoft.com/office/powerpoint/2010/main"/>
+  <p:transition/>
 </p:sldLayout>
 </file>
 
@@ -9151,7 +9169,7 @@
   <p:clrMapOvr>
     <a:masterClrMapping/>
   </p:clrMapOvr>
-  <p:transition xmlns:p14="http://schemas.microsoft.com/office/powerpoint/2010/main"/>
+  <p:transition/>
 </p:sldLayout>
 </file>
 
@@ -9205,7 +9223,7 @@
   <p:clrMapOvr>
     <a:masterClrMapping/>
   </p:clrMapOvr>
-  <p:transition xmlns:p14="http://schemas.microsoft.com/office/powerpoint/2010/main"/>
+  <p:transition/>
 </p:sldLayout>
 </file>
 
@@ -9236,7 +9254,7 @@
   <p:clrMapOvr>
     <a:masterClrMapping/>
   </p:clrMapOvr>
-  <p:transition xmlns:p14="http://schemas.microsoft.com/office/powerpoint/2010/main"/>
+  <p:transition/>
 </p:sldLayout>
 </file>
 
@@ -9449,7 +9467,7 @@
   <p:clrMapOvr>
     <a:masterClrMapping/>
   </p:clrMapOvr>
-  <p:transition xmlns:p14="http://schemas.microsoft.com/office/powerpoint/2010/main"/>
+  <p:transition/>
 </p:sldLayout>
 </file>
 
@@ -9641,7 +9659,7 @@
   <p:clrMapOvr>
     <a:masterClrMapping/>
   </p:clrMapOvr>
-  <p:transition xmlns:p14="http://schemas.microsoft.com/office/powerpoint/2010/main"/>
+  <p:transition/>
 </p:sldLayout>
 </file>
 
@@ -9697,15 +9715,18 @@
             <a:noFill/>
           </a:ln>
           <a:extLst>
+            <a:ext uri="{FAA26D3D-D897-4be2-8F04-BA451C77F1D7}">
+              <ma14:placeholderFlag xmlns:ma14="http://schemas.microsoft.com/office/mac/drawingml/2011/main" val="1"/>
+            </a:ext>
             <a:ext uri="{909E8E84-426E-40dd-AFC4-6F175D3DCCD1}">
-              <a14:hiddenFill xmlns:a14="http://schemas.microsoft.com/office/drawing/2010/main">
+              <a14:hiddenFill xmlns:a14="http://schemas.microsoft.com/office/drawing/2010/main" xmlns="">
                 <a:solidFill>
                   <a:srgbClr val="FFFFFF"/>
                 </a:solidFill>
               </a14:hiddenFill>
             </a:ext>
             <a:ext uri="{91240B29-F687-4f45-9708-019B960494DF}">
-              <a14:hiddenLine xmlns:a14="http://schemas.microsoft.com/office/drawing/2010/main" w="12700">
+              <a14:hiddenLine xmlns:a14="http://schemas.microsoft.com/office/drawing/2010/main" xmlns="" w="12700">
                 <a:solidFill>
                   <a:srgbClr val="000000"/>
                 </a:solidFill>
@@ -9713,9 +9734,6 @@
                 <a:headEnd/>
                 <a:tailEnd/>
               </a14:hiddenLine>
-            </a:ext>
-            <a:ext uri="{FAA26D3D-D897-4be2-8F04-BA451C77F1D7}">
-              <ma14:placeholderFlag xmlns:ma14="http://schemas.microsoft.com/office/mac/drawingml/2011/main" val="1"/>
             </a:ext>
           </a:extLst>
         </p:spPr>
@@ -9796,15 +9814,18 @@
             <a:noFill/>
           </a:ln>
           <a:extLst>
+            <a:ext uri="{FAA26D3D-D897-4be2-8F04-BA451C77F1D7}">
+              <ma14:placeholderFlag xmlns:ma14="http://schemas.microsoft.com/office/mac/drawingml/2011/main" val="1"/>
+            </a:ext>
             <a:ext uri="{909E8E84-426E-40dd-AFC4-6F175D3DCCD1}">
-              <a14:hiddenFill xmlns:a14="http://schemas.microsoft.com/office/drawing/2010/main">
+              <a14:hiddenFill xmlns:a14="http://schemas.microsoft.com/office/drawing/2010/main" xmlns="">
                 <a:solidFill>
                   <a:srgbClr val="FFFFFF"/>
                 </a:solidFill>
               </a14:hiddenFill>
             </a:ext>
             <a:ext uri="{91240B29-F687-4f45-9708-019B960494DF}">
-              <a14:hiddenLine xmlns:a14="http://schemas.microsoft.com/office/drawing/2010/main" w="12700">
+              <a14:hiddenLine xmlns:a14="http://schemas.microsoft.com/office/drawing/2010/main" xmlns="" w="12700">
                 <a:solidFill>
                   <a:srgbClr val="000000"/>
                 </a:solidFill>
@@ -9812,9 +9833,6 @@
                 <a:headEnd/>
                 <a:tailEnd/>
               </a14:hiddenLine>
-            </a:ext>
-            <a:ext uri="{FAA26D3D-D897-4be2-8F04-BA451C77F1D7}">
-              <ma14:placeholderFlag xmlns:ma14="http://schemas.microsoft.com/office/mac/drawingml/2011/main" val="1"/>
             </a:ext>
           </a:extLst>
         </p:spPr>
@@ -9852,7 +9870,7 @@
     <p:sldLayoutId id="2147483663" r:id="rId10"/>
     <p:sldLayoutId id="2147483664" r:id="rId11"/>
   </p:sldLayoutIdLst>
-  <p:transition xmlns:p14="http://schemas.microsoft.com/office/powerpoint/2010/main"/>
+  <p:transition/>
   <p:txStyles>
     <p:titleStyle>
       <a:lvl1pPr algn="ctr" rtl="0" eaLnBrk="0" fontAlgn="base" hangingPunct="0">
@@ -10342,15 +10360,18 @@
             <a:noFill/>
           </a:ln>
           <a:extLst>
+            <a:ext uri="{FAA26D3D-D897-4be2-8F04-BA451C77F1D7}">
+              <ma14:placeholderFlag xmlns:ma14="http://schemas.microsoft.com/office/mac/drawingml/2011/main" val="1"/>
+            </a:ext>
             <a:ext uri="{909E8E84-426E-40dd-AFC4-6F175D3DCCD1}">
-              <a14:hiddenFill xmlns:a14="http://schemas.microsoft.com/office/drawing/2010/main">
+              <a14:hiddenFill xmlns:a14="http://schemas.microsoft.com/office/drawing/2010/main" xmlns="">
                 <a:solidFill>
                   <a:srgbClr val="FFFFFF"/>
                 </a:solidFill>
               </a14:hiddenFill>
             </a:ext>
             <a:ext uri="{91240B29-F687-4f45-9708-019B960494DF}">
-              <a14:hiddenLine xmlns:a14="http://schemas.microsoft.com/office/drawing/2010/main" w="12700">
+              <a14:hiddenLine xmlns:a14="http://schemas.microsoft.com/office/drawing/2010/main" xmlns="" w="12700">
                 <a:solidFill>
                   <a:srgbClr val="000000"/>
                 </a:solidFill>
@@ -10358,9 +10379,6 @@
                 <a:headEnd/>
                 <a:tailEnd/>
               </a14:hiddenLine>
-            </a:ext>
-            <a:ext uri="{FAA26D3D-D897-4be2-8F04-BA451C77F1D7}">
-              <ma14:placeholderFlag xmlns:ma14="http://schemas.microsoft.com/office/mac/drawingml/2011/main" val="1"/>
             </a:ext>
           </a:extLst>
         </p:spPr>
@@ -10405,15 +10423,18 @@
             <a:noFill/>
           </a:ln>
           <a:extLst>
+            <a:ext uri="{FAA26D3D-D897-4be2-8F04-BA451C77F1D7}">
+              <ma14:placeholderFlag xmlns:ma14="http://schemas.microsoft.com/office/mac/drawingml/2011/main" val="1"/>
+            </a:ext>
             <a:ext uri="{909E8E84-426E-40dd-AFC4-6F175D3DCCD1}">
-              <a14:hiddenFill xmlns:a14="http://schemas.microsoft.com/office/drawing/2010/main">
+              <a14:hiddenFill xmlns:a14="http://schemas.microsoft.com/office/drawing/2010/main" xmlns="">
                 <a:solidFill>
                   <a:srgbClr val="FFFFFF"/>
                 </a:solidFill>
               </a14:hiddenFill>
             </a:ext>
             <a:ext uri="{91240B29-F687-4f45-9708-019B960494DF}">
-              <a14:hiddenLine xmlns:a14="http://schemas.microsoft.com/office/drawing/2010/main" w="12700">
+              <a14:hiddenLine xmlns:a14="http://schemas.microsoft.com/office/drawing/2010/main" xmlns="" w="12700">
                 <a:solidFill>
                   <a:srgbClr val="000000"/>
                 </a:solidFill>
@@ -10421,9 +10442,6 @@
                 <a:headEnd/>
                 <a:tailEnd/>
               </a14:hiddenLine>
-            </a:ext>
-            <a:ext uri="{FAA26D3D-D897-4be2-8F04-BA451C77F1D7}">
-              <ma14:placeholderFlag xmlns:ma14="http://schemas.microsoft.com/office/mac/drawingml/2011/main" val="1"/>
             </a:ext>
           </a:extLst>
         </p:spPr>
@@ -10555,7 +10573,7 @@
     <p:sldLayoutId id="2147483674" r:id="rId10"/>
     <p:sldLayoutId id="2147483675" r:id="rId11"/>
   </p:sldLayoutIdLst>
-  <p:transition xmlns:p14="http://schemas.microsoft.com/office/powerpoint/2010/main"/>
+  <p:transition/>
   <p:hf hdr="0" ftr="0" dt="0"/>
   <p:txStyles>
     <p:titleStyle>
@@ -11112,15 +11130,18 @@
             <a:noFill/>
           </a:ln>
           <a:extLst>
+            <a:ext uri="{FAA26D3D-D897-4be2-8F04-BA451C77F1D7}">
+              <ma14:placeholderFlag xmlns:ma14="http://schemas.microsoft.com/office/mac/drawingml/2011/main" val="1"/>
+            </a:ext>
             <a:ext uri="{909E8E84-426E-40dd-AFC4-6F175D3DCCD1}">
-              <a14:hiddenFill xmlns:a14="http://schemas.microsoft.com/office/drawing/2010/main">
+              <a14:hiddenFill xmlns:a14="http://schemas.microsoft.com/office/drawing/2010/main" xmlns="">
                 <a:solidFill>
                   <a:srgbClr val="FFFFFF"/>
                 </a:solidFill>
               </a14:hiddenFill>
             </a:ext>
             <a:ext uri="{91240B29-F687-4f45-9708-019B960494DF}">
-              <a14:hiddenLine xmlns:a14="http://schemas.microsoft.com/office/drawing/2010/main" w="12700">
+              <a14:hiddenLine xmlns:a14="http://schemas.microsoft.com/office/drawing/2010/main" xmlns="" w="12700">
                 <a:solidFill>
                   <a:srgbClr val="000000"/>
                 </a:solidFill>
@@ -11128,9 +11149,6 @@
                 <a:headEnd/>
                 <a:tailEnd/>
               </a14:hiddenLine>
-            </a:ext>
-            <a:ext uri="{FAA26D3D-D897-4be2-8F04-BA451C77F1D7}">
-              <ma14:placeholderFlag xmlns:ma14="http://schemas.microsoft.com/office/mac/drawingml/2011/main" val="1"/>
             </a:ext>
           </a:extLst>
         </p:spPr>
@@ -11211,15 +11229,18 @@
             <a:noFill/>
           </a:ln>
           <a:extLst>
+            <a:ext uri="{FAA26D3D-D897-4be2-8F04-BA451C77F1D7}">
+              <ma14:placeholderFlag xmlns:ma14="http://schemas.microsoft.com/office/mac/drawingml/2011/main" val="1"/>
+            </a:ext>
             <a:ext uri="{909E8E84-426E-40dd-AFC4-6F175D3DCCD1}">
-              <a14:hiddenFill xmlns:a14="http://schemas.microsoft.com/office/drawing/2010/main">
+              <a14:hiddenFill xmlns:a14="http://schemas.microsoft.com/office/drawing/2010/main" xmlns="">
                 <a:solidFill>
                   <a:srgbClr val="FFFFFF"/>
                 </a:solidFill>
               </a14:hiddenFill>
             </a:ext>
             <a:ext uri="{91240B29-F687-4f45-9708-019B960494DF}">
-              <a14:hiddenLine xmlns:a14="http://schemas.microsoft.com/office/drawing/2010/main" w="12700">
+              <a14:hiddenLine xmlns:a14="http://schemas.microsoft.com/office/drawing/2010/main" xmlns="" w="12700">
                 <a:solidFill>
                   <a:srgbClr val="000000"/>
                 </a:solidFill>
@@ -11227,9 +11248,6 @@
                 <a:headEnd/>
                 <a:tailEnd/>
               </a14:hiddenLine>
-            </a:ext>
-            <a:ext uri="{FAA26D3D-D897-4be2-8F04-BA451C77F1D7}">
-              <ma14:placeholderFlag xmlns:ma14="http://schemas.microsoft.com/office/mac/drawingml/2011/main" val="1"/>
             </a:ext>
           </a:extLst>
         </p:spPr>
@@ -11267,7 +11285,7 @@
     <p:sldLayoutId id="2147483696" r:id="rId10"/>
     <p:sldLayoutId id="2147483697" r:id="rId11"/>
   </p:sldLayoutIdLst>
-  <p:transition xmlns:p14="http://schemas.microsoft.com/office/powerpoint/2010/main"/>
+  <p:transition/>
   <p:txStyles>
     <p:titleStyle>
       <a:lvl1pPr algn="ctr" rtl="0" eaLnBrk="0" fontAlgn="base" hangingPunct="0">
@@ -11730,15 +11748,18 @@
             <a:noFill/>
           </a:ln>
           <a:extLst>
+            <a:ext uri="{FAA26D3D-D897-4be2-8F04-BA451C77F1D7}">
+              <ma14:placeholderFlag xmlns:ma14="http://schemas.microsoft.com/office/mac/drawingml/2011/main" val="1"/>
+            </a:ext>
             <a:ext uri="{909E8E84-426E-40dd-AFC4-6F175D3DCCD1}">
-              <a14:hiddenFill xmlns:a14="http://schemas.microsoft.com/office/drawing/2010/main">
+              <a14:hiddenFill xmlns:a14="http://schemas.microsoft.com/office/drawing/2010/main" xmlns="">
                 <a:solidFill>
                   <a:srgbClr val="FFFFFF"/>
                 </a:solidFill>
               </a14:hiddenFill>
             </a:ext>
             <a:ext uri="{91240B29-F687-4f45-9708-019B960494DF}">
-              <a14:hiddenLine xmlns:a14="http://schemas.microsoft.com/office/drawing/2010/main" w="12700">
+              <a14:hiddenLine xmlns:a14="http://schemas.microsoft.com/office/drawing/2010/main" xmlns="" w="12700">
                 <a:solidFill>
                   <a:srgbClr val="000000"/>
                 </a:solidFill>
@@ -11746,9 +11767,6 @@
                 <a:headEnd/>
                 <a:tailEnd/>
               </a14:hiddenLine>
-            </a:ext>
-            <a:ext uri="{FAA26D3D-D897-4be2-8F04-BA451C77F1D7}">
-              <ma14:placeholderFlag xmlns:ma14="http://schemas.microsoft.com/office/mac/drawingml/2011/main" val="1"/>
             </a:ext>
           </a:extLst>
         </p:spPr>
@@ -11793,15 +11811,18 @@
             <a:noFill/>
           </a:ln>
           <a:extLst>
+            <a:ext uri="{FAA26D3D-D897-4be2-8F04-BA451C77F1D7}">
+              <ma14:placeholderFlag xmlns:ma14="http://schemas.microsoft.com/office/mac/drawingml/2011/main" val="1"/>
+            </a:ext>
             <a:ext uri="{909E8E84-426E-40dd-AFC4-6F175D3DCCD1}">
-              <a14:hiddenFill xmlns:a14="http://schemas.microsoft.com/office/drawing/2010/main">
+              <a14:hiddenFill xmlns:a14="http://schemas.microsoft.com/office/drawing/2010/main" xmlns="">
                 <a:solidFill>
                   <a:srgbClr val="FFFFFF"/>
                 </a:solidFill>
               </a14:hiddenFill>
             </a:ext>
             <a:ext uri="{91240B29-F687-4f45-9708-019B960494DF}">
-              <a14:hiddenLine xmlns:a14="http://schemas.microsoft.com/office/drawing/2010/main" w="12700">
+              <a14:hiddenLine xmlns:a14="http://schemas.microsoft.com/office/drawing/2010/main" xmlns="" w="12700">
                 <a:solidFill>
                   <a:srgbClr val="000000"/>
                 </a:solidFill>
@@ -11809,9 +11830,6 @@
                 <a:headEnd/>
                 <a:tailEnd/>
               </a14:hiddenLine>
-            </a:ext>
-            <a:ext uri="{FAA26D3D-D897-4be2-8F04-BA451C77F1D7}">
-              <ma14:placeholderFlag xmlns:ma14="http://schemas.microsoft.com/office/mac/drawingml/2011/main" val="1"/>
             </a:ext>
           </a:extLst>
         </p:spPr>
@@ -11885,7 +11903,7 @@
     <p:sldLayoutId id="2147483707" r:id="rId10"/>
     <p:sldLayoutId id="2147483708" r:id="rId11"/>
   </p:sldLayoutIdLst>
-  <p:transition xmlns:p14="http://schemas.microsoft.com/office/powerpoint/2010/main"/>
+  <p:transition/>
   <p:txStyles>
     <p:titleStyle>
       <a:lvl1pPr algn="l" rtl="0" eaLnBrk="0" fontAlgn="base" hangingPunct="0">
@@ -12402,15 +12420,18 @@
             <a:noFill/>
           </a:ln>
           <a:extLst>
+            <a:ext uri="{FAA26D3D-D897-4be2-8F04-BA451C77F1D7}">
+              <ma14:placeholderFlag xmlns:ma14="http://schemas.microsoft.com/office/mac/drawingml/2011/main" val="1"/>
+            </a:ext>
             <a:ext uri="{909E8E84-426E-40dd-AFC4-6F175D3DCCD1}">
-              <a14:hiddenFill xmlns:a14="http://schemas.microsoft.com/office/drawing/2010/main">
+              <a14:hiddenFill xmlns:a14="http://schemas.microsoft.com/office/drawing/2010/main" xmlns="">
                 <a:solidFill>
                   <a:srgbClr val="FFFFFF"/>
                 </a:solidFill>
               </a14:hiddenFill>
             </a:ext>
             <a:ext uri="{91240B29-F687-4f45-9708-019B960494DF}">
-              <a14:hiddenLine xmlns:a14="http://schemas.microsoft.com/office/drawing/2010/main" w="12700">
+              <a14:hiddenLine xmlns:a14="http://schemas.microsoft.com/office/drawing/2010/main" xmlns="" w="12700">
                 <a:solidFill>
                   <a:srgbClr val="000000"/>
                 </a:solidFill>
@@ -12418,9 +12439,6 @@
                 <a:headEnd/>
                 <a:tailEnd/>
               </a14:hiddenLine>
-            </a:ext>
-            <a:ext uri="{FAA26D3D-D897-4be2-8F04-BA451C77F1D7}">
-              <ma14:placeholderFlag xmlns:ma14="http://schemas.microsoft.com/office/mac/drawingml/2011/main" val="1"/>
             </a:ext>
           </a:extLst>
         </p:spPr>
@@ -12465,15 +12483,18 @@
             <a:noFill/>
           </a:ln>
           <a:extLst>
+            <a:ext uri="{FAA26D3D-D897-4be2-8F04-BA451C77F1D7}">
+              <ma14:placeholderFlag xmlns:ma14="http://schemas.microsoft.com/office/mac/drawingml/2011/main" val="1"/>
+            </a:ext>
             <a:ext uri="{909E8E84-426E-40dd-AFC4-6F175D3DCCD1}">
-              <a14:hiddenFill xmlns:a14="http://schemas.microsoft.com/office/drawing/2010/main">
+              <a14:hiddenFill xmlns:a14="http://schemas.microsoft.com/office/drawing/2010/main" xmlns="">
                 <a:solidFill>
                   <a:srgbClr val="FFFFFF"/>
                 </a:solidFill>
               </a14:hiddenFill>
             </a:ext>
             <a:ext uri="{91240B29-F687-4f45-9708-019B960494DF}">
-              <a14:hiddenLine xmlns:a14="http://schemas.microsoft.com/office/drawing/2010/main" w="12700">
+              <a14:hiddenLine xmlns:a14="http://schemas.microsoft.com/office/drawing/2010/main" xmlns="" w="12700">
                 <a:solidFill>
                   <a:srgbClr val="000000"/>
                 </a:solidFill>
@@ -12481,9 +12502,6 @@
                 <a:headEnd/>
                 <a:tailEnd/>
               </a14:hiddenLine>
-            </a:ext>
-            <a:ext uri="{FAA26D3D-D897-4be2-8F04-BA451C77F1D7}">
-              <ma14:placeholderFlag xmlns:ma14="http://schemas.microsoft.com/office/mac/drawingml/2011/main" val="1"/>
             </a:ext>
           </a:extLst>
         </p:spPr>
@@ -12557,7 +12575,7 @@
     <p:sldLayoutId id="2147483718" r:id="rId10"/>
     <p:sldLayoutId id="2147483719" r:id="rId11"/>
   </p:sldLayoutIdLst>
-  <p:transition xmlns:p14="http://schemas.microsoft.com/office/powerpoint/2010/main"/>
+  <p:transition/>
   <p:txStyles>
     <p:titleStyle>
       <a:lvl1pPr algn="l" rtl="0" eaLnBrk="0" fontAlgn="base" hangingPunct="0">
@@ -13061,14 +13079,14 @@
           </a:ln>
           <a:extLst>
             <a:ext uri="{909E8E84-426E-40dd-AFC4-6F175D3DCCD1}">
-              <a14:hiddenFill xmlns:a14="http://schemas.microsoft.com/office/drawing/2010/main">
+              <a14:hiddenFill xmlns:a14="http://schemas.microsoft.com/office/drawing/2010/main" xmlns="">
                 <a:solidFill>
                   <a:srgbClr val="FFFFFF"/>
                 </a:solidFill>
               </a14:hiddenFill>
             </a:ext>
             <a:ext uri="{91240B29-F687-4f45-9708-019B960494DF}">
-              <a14:hiddenLine xmlns:a14="http://schemas.microsoft.com/office/drawing/2010/main" w="12700">
+              <a14:hiddenLine xmlns:a14="http://schemas.microsoft.com/office/drawing/2010/main" xmlns="" w="12700">
                 <a:solidFill>
                   <a:srgbClr val="000000"/>
                 </a:solidFill>
@@ -13253,14 +13271,14 @@
           </a:ln>
           <a:extLst>
             <a:ext uri="{909E8E84-426E-40dd-AFC4-6F175D3DCCD1}">
-              <a14:hiddenFill xmlns:a14="http://schemas.microsoft.com/office/drawing/2010/main">
+              <a14:hiddenFill xmlns:a14="http://schemas.microsoft.com/office/drawing/2010/main" xmlns="">
                 <a:solidFill>
                   <a:srgbClr val="FFFFFF"/>
                 </a:solidFill>
               </a14:hiddenFill>
             </a:ext>
             <a:ext uri="{91240B29-F687-4f45-9708-019B960494DF}">
-              <a14:hiddenLine xmlns:a14="http://schemas.microsoft.com/office/drawing/2010/main" w="12700">
+              <a14:hiddenLine xmlns:a14="http://schemas.microsoft.com/office/drawing/2010/main" xmlns="" w="12700">
                 <a:solidFill>
                   <a:srgbClr val="000000"/>
                 </a:solidFill>
@@ -13565,11 +13583,11 @@
   <p:clrMapOvr>
     <a:masterClrMapping/>
   </p:clrMapOvr>
-  <p:transition xmlns:p14="http://schemas.microsoft.com/office/powerpoint/2010/main"/>
+  <p:transition/>
   <p:timing>
     <p:tnLst>
       <p:par>
-        <p:cTn xmlns:p14="http://schemas.microsoft.com/office/powerpoint/2010/main" id="1" dur="indefinite" restart="never" nodeType="tmRoot"/>
+        <p:cTn id="1" dur="indefinite" restart="never" nodeType="tmRoot"/>
       </p:par>
     </p:tnLst>
   </p:timing>
@@ -13673,11 +13691,11 @@
   <p:clrMapOvr>
     <a:masterClrMapping/>
   </p:clrMapOvr>
-  <p:transition xmlns:p14="http://schemas.microsoft.com/office/powerpoint/2010/main"/>
+  <p:transition/>
   <p:timing>
     <p:tnLst>
       <p:par>
-        <p:cTn xmlns:p14="http://schemas.microsoft.com/office/powerpoint/2010/main" id="1" dur="indefinite" restart="never" nodeType="tmRoot"/>
+        <p:cTn id="1" dur="indefinite" restart="never" nodeType="tmRoot"/>
       </p:par>
     </p:tnLst>
   </p:timing>
@@ -13744,7 +13762,7 @@
         </p:spPr>
         <p:txBody>
           <a:bodyPr>
-            <a:normAutofit fontScale="85000" lnSpcReduction="20000"/>
+            <a:normAutofit fontScale="77500" lnSpcReduction="20000"/>
           </a:bodyPr>
           <a:lstStyle/>
           <a:p>
@@ -13775,7 +13793,19 @@
             <a:pPr lvl="1"/>
             <a:r>
               <a:rPr lang="es-AR" noProof="0" dirty="0" smtClean="0"/>
-              <a:t>Los niveles del árbol reflejan las divisiones administrativas</a:t>
+              <a:t>Los niveles del árbol </a:t>
+            </a:r>
+            <a:r>
+              <a:rPr lang="es-AR" i="1" noProof="0" dirty="0" smtClean="0"/>
+              <a:t>generalmente</a:t>
+            </a:r>
+            <a:r>
+              <a:rPr lang="es-AR" noProof="0" dirty="0" smtClean="0"/>
+              <a:t> las </a:t>
+            </a:r>
+            <a:r>
+              <a:rPr lang="es-AR" noProof="0" dirty="0" smtClean="0"/>
+              <a:t>divisiones administrativas</a:t>
             </a:r>
           </a:p>
           <a:p>
@@ -14401,11 +14431,11 @@
   <p:clrMapOvr>
     <a:masterClrMapping/>
   </p:clrMapOvr>
-  <p:transition xmlns:p14="http://schemas.microsoft.com/office/powerpoint/2010/main"/>
+  <p:transition/>
   <p:timing>
     <p:tnLst>
       <p:par>
-        <p:cTn xmlns:p14="http://schemas.microsoft.com/office/powerpoint/2010/main" id="1" dur="indefinite" restart="never" nodeType="tmRoot"/>
+        <p:cTn id="1" dur="indefinite" restart="never" nodeType="tmRoot"/>
       </p:par>
     </p:tnLst>
   </p:timing>
@@ -14441,16 +14471,716 @@
         </p:nvSpPr>
         <p:spPr/>
         <p:txBody>
+          <a:bodyPr>
+            <a:normAutofit/>
+          </a:bodyPr>
+          <a:lstStyle/>
+          <a:p>
+            <a:r>
+              <a:rPr lang="es-AR" noProof="0" dirty="0" smtClean="0"/>
+              <a:t>Corte de zona (</a:t>
+            </a:r>
+            <a:r>
+              <a:rPr lang="es-AR" i="1" noProof="0" dirty="0" smtClean="0"/>
+              <a:t>zone cut)</a:t>
+            </a:r>
+            <a:endParaRPr lang="es-AR" noProof="0" dirty="0"/>
+          </a:p>
+        </p:txBody>
+      </p:sp>
+      <p:sp>
+        <p:nvSpPr>
+          <p:cNvPr id="3" name="Content Placeholder 2"/>
+          <p:cNvSpPr>
+            <a:spLocks noGrp="1"/>
+          </p:cNvSpPr>
+          <p:nvPr>
+            <p:ph idx="1"/>
+          </p:nvPr>
+        </p:nvSpPr>
+        <p:spPr>
+          <a:xfrm>
+            <a:off x="503635" y="1259416"/>
+            <a:ext cx="9065419" cy="5709356"/>
+          </a:xfrm>
+        </p:spPr>
+        <p:txBody>
+          <a:bodyPr>
+            <a:normAutofit lnSpcReduction="10000"/>
+          </a:bodyPr>
+          <a:lstStyle/>
+          <a:p>
+            <a:endParaRPr lang="es-AR" noProof="0" dirty="0" smtClean="0"/>
+          </a:p>
+          <a:p>
+            <a:endParaRPr lang="es-AR" noProof="0" dirty="0" smtClean="0"/>
+          </a:p>
+          <a:p>
+            <a:endParaRPr lang="es-AR" noProof="0" dirty="0" smtClean="0"/>
+          </a:p>
+          <a:p>
+            <a:endParaRPr lang="es-AR" noProof="0" dirty="0" smtClean="0"/>
+          </a:p>
+          <a:p>
+            <a:endParaRPr lang="es-AR" noProof="0" dirty="0" smtClean="0"/>
+          </a:p>
+          <a:p>
+            <a:endParaRPr lang="es-AR" noProof="0" dirty="0" smtClean="0"/>
+          </a:p>
+          <a:p>
+            <a:r>
+              <a:rPr lang="es-AR" noProof="0" dirty="0" smtClean="0"/>
+              <a:t>Comentarios:</a:t>
+            </a:r>
+          </a:p>
+          <a:p>
+            <a:pPr lvl="1"/>
+            <a:r>
+              <a:rPr lang="es-AR" noProof="0" dirty="0" smtClean="0"/>
+              <a:t>Cada etiqueta puede ser un “corte de zona” o no, es decir, un punto donde se delega o ser simplemente un nombre</a:t>
+            </a:r>
+            <a:endParaRPr lang="es-AR" noProof="0" dirty="0" smtClean="0"/>
+          </a:p>
+        </p:txBody>
+      </p:sp>
+      <p:sp>
+        <p:nvSpPr>
+          <p:cNvPr id="4" name="TextBox 3"/>
+          <p:cNvSpPr txBox="1"/>
+          <p:nvPr/>
+        </p:nvSpPr>
+        <p:spPr>
+          <a:xfrm>
+            <a:off x="2197720" y="2290250"/>
+            <a:ext cx="6799064" cy="911936"/>
+          </a:xfrm>
+          <a:prstGeom prst="rect">
+            <a:avLst/>
+          </a:prstGeom>
+          <a:noFill/>
+        </p:spPr>
+        <p:txBody>
+          <a:bodyPr wrap="square" lIns="100730" tIns="50365" rIns="100730" bIns="50365" rtlCol="0">
+            <a:spAutoFit/>
+          </a:bodyPr>
+          <a:lstStyle/>
+          <a:p>
+            <a:pPr algn="ctr"/>
+            <a:r>
+              <a:rPr lang="en-US" sz="4000" b="1" dirty="0" err="1" smtClean="0">
+                <a:solidFill>
+                  <a:srgbClr val="3C8C93"/>
+                </a:solidFill>
+                <a:latin typeface="Courier New" pitchFamily="49" charset="0"/>
+                <a:cs typeface="Courier New" pitchFamily="49" charset="0"/>
+              </a:rPr>
+              <a:t>www.adinet.com.uy</a:t>
+            </a:r>
+            <a:r>
+              <a:rPr lang="en-US" sz="4000" b="1" dirty="0" smtClean="0">
+                <a:solidFill>
+                  <a:srgbClr val="3C8C93"/>
+                </a:solidFill>
+                <a:latin typeface="Courier New" pitchFamily="49" charset="0"/>
+                <a:cs typeface="Courier New" pitchFamily="49" charset="0"/>
+              </a:rPr>
+              <a:t>   </a:t>
+            </a:r>
+            <a:r>
+              <a:rPr lang="en-US" sz="5400" b="1" dirty="0" smtClean="0">
+                <a:solidFill>
+                  <a:srgbClr val="FF6600"/>
+                </a:solidFill>
+                <a:latin typeface="Courier New" pitchFamily="49" charset="0"/>
+                <a:cs typeface="Courier New" pitchFamily="49" charset="0"/>
+              </a:rPr>
+              <a:t>.</a:t>
+            </a:r>
+            <a:endParaRPr lang="en-US" sz="4000" b="1" dirty="0">
+              <a:solidFill>
+                <a:srgbClr val="FF6600"/>
+              </a:solidFill>
+              <a:latin typeface="Courier New" pitchFamily="49" charset="0"/>
+              <a:cs typeface="Courier New" pitchFamily="49" charset="0"/>
+            </a:endParaRPr>
+          </a:p>
+        </p:txBody>
+      </p:sp>
+      <p:sp>
+        <p:nvSpPr>
+          <p:cNvPr id="5" name="Right Arrow 4"/>
+          <p:cNvSpPr/>
+          <p:nvPr/>
+        </p:nvSpPr>
+        <p:spPr>
+          <a:xfrm rot="10800000">
+            <a:off x="1007268" y="2015067"/>
+            <a:ext cx="8277547" cy="755650"/>
+          </a:xfrm>
+          <a:prstGeom prst="rightArrow">
+            <a:avLst/>
+          </a:prstGeom>
+          <a:solidFill>
+            <a:schemeClr val="accent1">
+              <a:lumMod val="50000"/>
+              <a:alpha val="51000"/>
+            </a:schemeClr>
+          </a:solidFill>
+          <a:ln>
+            <a:noFill/>
+          </a:ln>
+          <a:scene3d>
+            <a:camera prst="orthographicFront"/>
+            <a:lightRig rig="threePt" dir="t"/>
+          </a:scene3d>
+          <a:sp3d>
+            <a:bevelT/>
+          </a:sp3d>
+        </p:spPr>
+        <p:style>
+          <a:lnRef idx="2">
+            <a:schemeClr val="accent1">
+              <a:shade val="50000"/>
+            </a:schemeClr>
+          </a:lnRef>
+          <a:fillRef idx="1">
+            <a:schemeClr val="accent1"/>
+          </a:fillRef>
+          <a:effectRef idx="0">
+            <a:schemeClr val="accent1"/>
+          </a:effectRef>
+          <a:fontRef idx="minor">
+            <a:schemeClr val="lt1"/>
+          </a:fontRef>
+        </p:style>
+        <p:txBody>
+          <a:bodyPr lIns="100730" tIns="50365" rIns="100730" bIns="50365" rtlCol="0" anchor="ctr"/>
+          <a:lstStyle/>
+          <a:p>
+            <a:pPr algn="ctr"/>
+            <a:endParaRPr lang="en-US"/>
+          </a:p>
+        </p:txBody>
+      </p:sp>
+      <p:sp>
+        <p:nvSpPr>
+          <p:cNvPr id="6" name="TextBox 5"/>
+          <p:cNvSpPr txBox="1"/>
+          <p:nvPr/>
+        </p:nvSpPr>
+        <p:spPr>
+          <a:xfrm>
+            <a:off x="1007268" y="2182989"/>
+            <a:ext cx="8277548" cy="401796"/>
+          </a:xfrm>
+          <a:prstGeom prst="rect">
+            <a:avLst/>
+          </a:prstGeom>
+          <a:noFill/>
+        </p:spPr>
+        <p:txBody>
+          <a:bodyPr wrap="square" lIns="100730" tIns="50365" rIns="100730" bIns="50365" rtlCol="0">
+            <a:spAutoFit/>
+          </a:bodyPr>
+          <a:lstStyle/>
+          <a:p>
+            <a:pPr algn="r"/>
+            <a:r>
+              <a:rPr lang="en-US" dirty="0" smtClean="0">
+                <a:solidFill>
+                  <a:srgbClr val="3366FF"/>
+                </a:solidFill>
+              </a:rPr>
+              <a:t>4to </a:t>
+            </a:r>
+            <a:r>
+              <a:rPr lang="en-US" dirty="0" err="1" smtClean="0">
+                <a:solidFill>
+                  <a:srgbClr val="3366FF"/>
+                </a:solidFill>
+              </a:rPr>
+              <a:t>nivel</a:t>
+            </a:r>
+            <a:r>
+              <a:rPr lang="en-US" dirty="0" smtClean="0">
+                <a:solidFill>
+                  <a:srgbClr val="3366FF"/>
+                </a:solidFill>
+              </a:rPr>
+              <a:t>     |     3er </a:t>
+            </a:r>
+            <a:r>
+              <a:rPr lang="en-US" dirty="0" err="1" smtClean="0">
+                <a:solidFill>
+                  <a:srgbClr val="3366FF"/>
+                </a:solidFill>
+              </a:rPr>
+              <a:t>nivel</a:t>
+            </a:r>
+            <a:r>
+              <a:rPr lang="en-US" dirty="0" smtClean="0">
+                <a:solidFill>
+                  <a:srgbClr val="3366FF"/>
+                </a:solidFill>
+              </a:rPr>
+              <a:t>      |    2do </a:t>
+            </a:r>
+            <a:r>
+              <a:rPr lang="en-US" dirty="0" err="1" smtClean="0">
+                <a:solidFill>
+                  <a:srgbClr val="3366FF"/>
+                </a:solidFill>
+              </a:rPr>
+              <a:t>nivel</a:t>
+            </a:r>
+            <a:r>
+              <a:rPr lang="en-US" dirty="0" smtClean="0">
+                <a:solidFill>
+                  <a:srgbClr val="3366FF"/>
+                </a:solidFill>
+              </a:rPr>
+              <a:t>      |      1er </a:t>
+            </a:r>
+            <a:r>
+              <a:rPr lang="en-US" dirty="0" err="1" smtClean="0">
+                <a:solidFill>
+                  <a:srgbClr val="3366FF"/>
+                </a:solidFill>
+              </a:rPr>
+              <a:t>nivel</a:t>
+            </a:r>
+            <a:r>
+              <a:rPr lang="en-US" dirty="0" smtClean="0">
+                <a:solidFill>
+                  <a:srgbClr val="3366FF"/>
+                </a:solidFill>
+              </a:rPr>
+              <a:t>    |     </a:t>
+            </a:r>
+            <a:r>
+              <a:rPr lang="en-US" dirty="0" err="1" smtClean="0">
+                <a:solidFill>
+                  <a:srgbClr val="3366FF"/>
+                </a:solidFill>
+              </a:rPr>
+              <a:t>Raíz</a:t>
+            </a:r>
+            <a:r>
+              <a:rPr lang="en-US" dirty="0" smtClean="0">
+                <a:solidFill>
+                  <a:srgbClr val="3366FF"/>
+                </a:solidFill>
+              </a:rPr>
+              <a:t>   </a:t>
+            </a:r>
+            <a:endParaRPr lang="en-US" dirty="0">
+              <a:solidFill>
+                <a:srgbClr val="3366FF"/>
+              </a:solidFill>
+            </a:endParaRPr>
+          </a:p>
+        </p:txBody>
+      </p:sp>
+      <p:sp>
+        <p:nvSpPr>
+          <p:cNvPr id="8" name="Line Callout 1 7"/>
+          <p:cNvSpPr/>
+          <p:nvPr/>
+        </p:nvSpPr>
+        <p:spPr>
+          <a:xfrm>
+            <a:off x="7700640" y="3850258"/>
+            <a:ext cx="2160240" cy="863807"/>
+          </a:xfrm>
+          <a:prstGeom prst="borderCallout1">
+            <a:avLst>
+              <a:gd name="adj1" fmla="val 18750"/>
+              <a:gd name="adj2" fmla="val -8333"/>
+              <a:gd name="adj3" fmla="val -96454"/>
+              <a:gd name="adj4" fmla="val 34180"/>
+            </a:avLst>
+          </a:prstGeom>
+          <a:ln>
+            <a:headEnd type="none" w="med" len="med"/>
+            <a:tailEnd type="triangle" w="med" len="med"/>
+          </a:ln>
+        </p:spPr>
+        <p:style>
+          <a:lnRef idx="2">
+            <a:schemeClr val="accent1">
+              <a:shade val="50000"/>
+            </a:schemeClr>
+          </a:lnRef>
+          <a:fillRef idx="1">
+            <a:schemeClr val="accent1"/>
+          </a:fillRef>
+          <a:effectRef idx="0">
+            <a:schemeClr val="accent1"/>
+          </a:effectRef>
+          <a:fontRef idx="minor">
+            <a:schemeClr val="lt1"/>
+          </a:fontRef>
+        </p:style>
+        <p:txBody>
+          <a:bodyPr lIns="100730" tIns="50365" rIns="100730" bIns="50365" rtlCol="0" anchor="ctr"/>
+          <a:lstStyle/>
+          <a:p>
+            <a:pPr algn="ctr"/>
+            <a:r>
+              <a:rPr lang="en-US" dirty="0" err="1" smtClean="0">
+                <a:solidFill>
+                  <a:srgbClr val="1E4649"/>
+                </a:solidFill>
+              </a:rPr>
+              <a:t>Raíz</a:t>
+            </a:r>
+            <a:r>
+              <a:rPr lang="en-US" dirty="0" smtClean="0">
+                <a:solidFill>
+                  <a:srgbClr val="1E4649"/>
+                </a:solidFill>
+              </a:rPr>
+              <a:t> del </a:t>
+            </a:r>
+            <a:r>
+              <a:rPr lang="en-US" dirty="0" err="1" smtClean="0">
+                <a:solidFill>
+                  <a:srgbClr val="1E4649"/>
+                </a:solidFill>
+              </a:rPr>
+              <a:t>árbol</a:t>
+            </a:r>
+            <a:endParaRPr lang="en-US" dirty="0" smtClean="0">
+              <a:solidFill>
+                <a:srgbClr val="1E4649"/>
+              </a:solidFill>
+            </a:endParaRPr>
+          </a:p>
+          <a:p>
+            <a:pPr algn="ctr"/>
+            <a:r>
+              <a:rPr lang="en-US" dirty="0" smtClean="0">
+                <a:solidFill>
+                  <a:srgbClr val="1E4649"/>
+                </a:solidFill>
+              </a:rPr>
+              <a:t>DNS</a:t>
+            </a:r>
+          </a:p>
+          <a:p>
+            <a:pPr algn="ctr"/>
+            <a:endParaRPr lang="en-US" dirty="0">
+              <a:solidFill>
+                <a:srgbClr val="1E4649"/>
+              </a:solidFill>
+            </a:endParaRPr>
+          </a:p>
+        </p:txBody>
+      </p:sp>
+      <p:sp>
+        <p:nvSpPr>
+          <p:cNvPr id="9" name="Line Callout 1 8"/>
+          <p:cNvSpPr/>
+          <p:nvPr/>
+        </p:nvSpPr>
+        <p:spPr>
+          <a:xfrm>
+            <a:off x="5684416" y="4138290"/>
+            <a:ext cx="755452" cy="503767"/>
+          </a:xfrm>
+          <a:prstGeom prst="borderCallout1">
+            <a:avLst>
+              <a:gd name="adj1" fmla="val 21417"/>
+              <a:gd name="adj2" fmla="val 107000"/>
+              <a:gd name="adj3" fmla="val -191149"/>
+              <a:gd name="adj4" fmla="val 193792"/>
+            </a:avLst>
+          </a:prstGeom>
+          <a:ln>
+            <a:headEnd type="none" w="med" len="med"/>
+            <a:tailEnd type="triangle" w="med" len="med"/>
+          </a:ln>
+        </p:spPr>
+        <p:style>
+          <a:lnRef idx="2">
+            <a:schemeClr val="accent1">
+              <a:shade val="50000"/>
+            </a:schemeClr>
+          </a:lnRef>
+          <a:fillRef idx="1">
+            <a:schemeClr val="accent1"/>
+          </a:fillRef>
+          <a:effectRef idx="0">
+            <a:schemeClr val="accent1"/>
+          </a:effectRef>
+          <a:fontRef idx="minor">
+            <a:schemeClr val="lt1"/>
+          </a:fontRef>
+        </p:style>
+        <p:txBody>
+          <a:bodyPr lIns="100730" tIns="50365" rIns="100730" bIns="50365" rtlCol="0" anchor="ctr"/>
+          <a:lstStyle/>
+          <a:p>
+            <a:pPr algn="ctr"/>
+            <a:r>
+              <a:rPr lang="en-US" dirty="0" smtClean="0">
+                <a:solidFill>
+                  <a:srgbClr val="1E4649"/>
+                </a:solidFill>
+              </a:rPr>
+              <a:t>TLD</a:t>
+            </a:r>
+            <a:endParaRPr lang="en-US" dirty="0">
+              <a:solidFill>
+                <a:srgbClr val="1E4649"/>
+              </a:solidFill>
+            </a:endParaRPr>
+          </a:p>
+        </p:txBody>
+      </p:sp>
+      <p:sp>
+        <p:nvSpPr>
+          <p:cNvPr id="10" name="Line Callout 1 9"/>
+          <p:cNvSpPr/>
+          <p:nvPr/>
+        </p:nvSpPr>
+        <p:spPr>
+          <a:xfrm>
+            <a:off x="3956224" y="3994274"/>
+            <a:ext cx="755452" cy="503767"/>
+          </a:xfrm>
+          <a:prstGeom prst="borderCallout1">
+            <a:avLst>
+              <a:gd name="adj1" fmla="val 21417"/>
+              <a:gd name="adj2" fmla="val 107000"/>
+              <a:gd name="adj3" fmla="val -171538"/>
+              <a:gd name="adj4" fmla="val 265654"/>
+            </a:avLst>
+          </a:prstGeom>
+          <a:ln>
+            <a:headEnd type="none" w="med" len="med"/>
+            <a:tailEnd type="triangle" w="med" len="med"/>
+          </a:ln>
+        </p:spPr>
+        <p:style>
+          <a:lnRef idx="2">
+            <a:schemeClr val="accent1">
+              <a:shade val="50000"/>
+            </a:schemeClr>
+          </a:lnRef>
+          <a:fillRef idx="1">
+            <a:schemeClr val="accent1"/>
+          </a:fillRef>
+          <a:effectRef idx="0">
+            <a:schemeClr val="accent1"/>
+          </a:effectRef>
+          <a:fontRef idx="minor">
+            <a:schemeClr val="lt1"/>
+          </a:fontRef>
+        </p:style>
+        <p:txBody>
+          <a:bodyPr lIns="100730" tIns="50365" rIns="100730" bIns="50365" rtlCol="0" anchor="ctr"/>
+          <a:lstStyle/>
+          <a:p>
+            <a:pPr algn="ctr"/>
+            <a:r>
+              <a:rPr lang="en-US" dirty="0" smtClean="0">
+                <a:solidFill>
+                  <a:srgbClr val="1E4649"/>
+                </a:solidFill>
+              </a:rPr>
+              <a:t>2do</a:t>
+            </a:r>
+            <a:endParaRPr lang="en-US" dirty="0">
+              <a:solidFill>
+                <a:srgbClr val="1E4649"/>
+              </a:solidFill>
+            </a:endParaRPr>
+          </a:p>
+        </p:txBody>
+      </p:sp>
+      <p:sp>
+        <p:nvSpPr>
+          <p:cNvPr id="11" name="Line Callout 1 10"/>
+          <p:cNvSpPr/>
+          <p:nvPr/>
+        </p:nvSpPr>
+        <p:spPr>
+          <a:xfrm>
+            <a:off x="419695" y="3694289"/>
+            <a:ext cx="1510903" cy="503767"/>
+          </a:xfrm>
+          <a:prstGeom prst="borderCallout1">
+            <a:avLst>
+              <a:gd name="adj1" fmla="val 21417"/>
+              <a:gd name="adj2" fmla="val 107000"/>
+              <a:gd name="adj3" fmla="val -76833"/>
+              <a:gd name="adj4" fmla="val 157085"/>
+            </a:avLst>
+          </a:prstGeom>
+          <a:ln>
+            <a:headEnd type="none" w="med" len="med"/>
+            <a:tailEnd type="triangle" w="med" len="med"/>
+          </a:ln>
+        </p:spPr>
+        <p:style>
+          <a:lnRef idx="2">
+            <a:schemeClr val="accent1">
+              <a:shade val="50000"/>
+            </a:schemeClr>
+          </a:lnRef>
+          <a:fillRef idx="1">
+            <a:schemeClr val="accent1"/>
+          </a:fillRef>
+          <a:effectRef idx="0">
+            <a:schemeClr val="accent1"/>
+          </a:effectRef>
+          <a:fontRef idx="minor">
+            <a:schemeClr val="lt1"/>
+          </a:fontRef>
+        </p:style>
+        <p:txBody>
+          <a:bodyPr lIns="100730" tIns="50365" rIns="100730" bIns="50365" rtlCol="0" anchor="ctr"/>
+          <a:lstStyle/>
+          <a:p>
+            <a:pPr algn="ctr"/>
+            <a:r>
+              <a:rPr lang="en-US" dirty="0" smtClean="0">
+                <a:solidFill>
+                  <a:schemeClr val="accent1">
+                    <a:lumMod val="25000"/>
+                  </a:schemeClr>
+                </a:solidFill>
+              </a:rPr>
+              <a:t>Hostname</a:t>
+            </a:r>
+            <a:endParaRPr lang="en-US" dirty="0">
+              <a:solidFill>
+                <a:schemeClr val="accent1">
+                  <a:lumMod val="25000"/>
+                </a:schemeClr>
+              </a:solidFill>
+            </a:endParaRPr>
+          </a:p>
+        </p:txBody>
+      </p:sp>
+      <p:sp>
+        <p:nvSpPr>
+          <p:cNvPr id="12" name="Line Callout 1 11"/>
+          <p:cNvSpPr/>
+          <p:nvPr/>
+        </p:nvSpPr>
+        <p:spPr>
+          <a:xfrm>
+            <a:off x="2588072" y="3850258"/>
+            <a:ext cx="755452" cy="503767"/>
+          </a:xfrm>
+          <a:prstGeom prst="borderCallout1">
+            <a:avLst>
+              <a:gd name="adj1" fmla="val 21417"/>
+              <a:gd name="adj2" fmla="val 107000"/>
+              <a:gd name="adj3" fmla="val -140670"/>
+              <a:gd name="adj4" fmla="val 229630"/>
+            </a:avLst>
+          </a:prstGeom>
+          <a:ln>
+            <a:headEnd type="none" w="med" len="med"/>
+            <a:tailEnd type="triangle" w="med" len="med"/>
+          </a:ln>
+        </p:spPr>
+        <p:style>
+          <a:lnRef idx="2">
+            <a:schemeClr val="accent1">
+              <a:shade val="50000"/>
+            </a:schemeClr>
+          </a:lnRef>
+          <a:fillRef idx="1">
+            <a:schemeClr val="accent1"/>
+          </a:fillRef>
+          <a:effectRef idx="0">
+            <a:schemeClr val="accent1"/>
+          </a:effectRef>
+          <a:fontRef idx="minor">
+            <a:schemeClr val="lt1"/>
+          </a:fontRef>
+        </p:style>
+        <p:txBody>
+          <a:bodyPr lIns="100730" tIns="50365" rIns="100730" bIns="50365" rtlCol="0" anchor="ctr"/>
+          <a:lstStyle/>
+          <a:p>
+            <a:pPr algn="ctr"/>
+            <a:r>
+              <a:rPr lang="en-US" dirty="0" smtClean="0">
+                <a:solidFill>
+                  <a:srgbClr val="1E4649"/>
+                </a:solidFill>
+              </a:rPr>
+              <a:t>2er</a:t>
+            </a:r>
+            <a:endParaRPr lang="en-US" dirty="0">
+              <a:solidFill>
+                <a:srgbClr val="1E4649"/>
+              </a:solidFill>
+            </a:endParaRPr>
+          </a:p>
+        </p:txBody>
+      </p:sp>
+    </p:spTree>
+    <p:extLst>
+      <p:ext uri="{BB962C8B-B14F-4D97-AF65-F5344CB8AC3E}">
+        <p14:creationId xmlns:p14="http://schemas.microsoft.com/office/powerpoint/2010/main" val="345319885"/>
+      </p:ext>
+    </p:extLst>
+  </p:cSld>
+  <p:clrMapOvr>
+    <a:masterClrMapping/>
+  </p:clrMapOvr>
+  <p:transition/>
+  <p:timing>
+    <p:tnLst>
+      <p:par>
+        <p:cTn id="1" dur="indefinite" restart="never" nodeType="tmRoot"/>
+      </p:par>
+    </p:tnLst>
+  </p:timing>
+</p:sld>
+</file>
+
+<file path=ppt/slides/slide13.xml><?xml version="1.0" encoding="utf-8"?>
+<p:sld xmlns:a="http://schemas.openxmlformats.org/drawingml/2006/main" xmlns:r="http://schemas.openxmlformats.org/officeDocument/2006/relationships" xmlns:p="http://schemas.openxmlformats.org/presentationml/2006/main">
+  <p:cSld>
+    <p:spTree>
+      <p:nvGrpSpPr>
+        <p:cNvPr id="1" name=""/>
+        <p:cNvGrpSpPr/>
+        <p:nvPr/>
+      </p:nvGrpSpPr>
+      <p:grpSpPr>
+        <a:xfrm>
+          <a:off x="0" y="0"/>
+          <a:ext cx="0" cy="0"/>
+          <a:chOff x="0" y="0"/>
+          <a:chExt cx="0" cy="0"/>
+        </a:xfrm>
+      </p:grpSpPr>
+      <p:sp>
+        <p:nvSpPr>
+          <p:cNvPr id="2" name="Title 1"/>
+          <p:cNvSpPr>
+            <a:spLocks noGrp="1"/>
+          </p:cNvSpPr>
+          <p:nvPr>
+            <p:ph type="title"/>
+          </p:nvPr>
+        </p:nvSpPr>
+        <p:spPr/>
+        <p:txBody>
           <a:bodyPr/>
           <a:lstStyle/>
           <a:p>
             <a:r>
               <a:rPr lang="en-US" dirty="0" err="1" smtClean="0"/>
-              <a:t>Divisi</a:t>
-            </a:r>
-            <a:r>
-              <a:rPr lang="en-US" dirty="0" err="1" smtClean="0"/>
-              <a:t>ón</a:t>
+              <a:t>División</a:t>
             </a:r>
             <a:r>
               <a:rPr lang="en-US" dirty="0" smtClean="0"/>
@@ -14580,7 +15310,7 @@
             <a:fld id="{3EC16F56-31A1-8849-B716-24606A27C39E}" type="slidenum">
               <a:rPr lang="en-US" smtClean="0"/>
               <a:pPr/>
-              <a:t>12</a:t>
+              <a:t>13</a:t>
             </a:fld>
             <a:endParaRPr lang="en-US"/>
           </a:p>
@@ -14629,18 +15359,18 @@
   <p:clrMapOvr>
     <a:masterClrMapping/>
   </p:clrMapOvr>
-  <p:transition xmlns:p14="http://schemas.microsoft.com/office/powerpoint/2010/main"/>
+  <p:transition/>
   <p:timing>
     <p:tnLst>
       <p:par>
-        <p:cTn xmlns:p14="http://schemas.microsoft.com/office/powerpoint/2010/main" id="1" dur="indefinite" restart="never" nodeType="tmRoot"/>
+        <p:cTn id="1" dur="indefinite" restart="never" nodeType="tmRoot"/>
       </p:par>
     </p:tnLst>
   </p:timing>
 </p:sld>
 </file>
 
-<file path=ppt/slides/slide13.xml><?xml version="1.0" encoding="utf-8"?>
+<file path=ppt/slides/slide14.xml><?xml version="1.0" encoding="utf-8"?>
 <p:sld xmlns:a="http://schemas.openxmlformats.org/drawingml/2006/main" xmlns:r="http://schemas.openxmlformats.org/officeDocument/2006/relationships" xmlns:p="http://schemas.openxmlformats.org/presentationml/2006/main">
   <p:cSld>
     <p:spTree>
@@ -14673,24 +15403,8 @@
           <a:lstStyle/>
           <a:p>
             <a:r>
-              <a:rPr lang="en-US" dirty="0" err="1" smtClean="0"/>
-              <a:t>Divisi</a:t>
-            </a:r>
-            <a:r>
-              <a:rPr lang="en-US" dirty="0" err="1" smtClean="0"/>
-              <a:t>ón</a:t>
-            </a:r>
-            <a:r>
-              <a:rPr lang="en-US" dirty="0" smtClean="0"/>
-              <a:t> </a:t>
-            </a:r>
-            <a:r>
-              <a:rPr lang="en-US" dirty="0" err="1" smtClean="0"/>
-              <a:t>administrativa</a:t>
-            </a:r>
-            <a:r>
-              <a:rPr lang="en-US" dirty="0" smtClean="0"/>
-              <a:t> (ii)</a:t>
+              <a:rPr lang="en-US" smtClean="0"/>
+              <a:t>División administrativa (ii)</a:t>
             </a:r>
             <a:endParaRPr lang="en-US" dirty="0"/>
           </a:p>
@@ -14723,8 +15437,12 @@
           <a:p>
             <a:pPr lvl="1"/>
             <a:r>
+              <a:rPr lang="en-US" dirty="0" smtClean="0"/>
+              <a:t>Sistema </a:t>
+            </a:r>
+            <a:r>
               <a:rPr lang="en-US" dirty="0" err="1" smtClean="0"/>
-              <a:t>Sistema</a:t>
+              <a:t>dividido</a:t>
             </a:r>
             <a:r>
               <a:rPr lang="en-US" dirty="0" smtClean="0"/>
@@ -14732,11 +15450,11 @@
             </a:r>
             <a:r>
               <a:rPr lang="en-US" dirty="0" err="1" smtClean="0"/>
-              <a:t>dividido</a:t>
+              <a:t>en</a:t>
             </a:r>
             <a:r>
               <a:rPr lang="en-US" dirty="0" smtClean="0"/>
-              <a:t> en “</a:t>
+              <a:t> “</a:t>
             </a:r>
             <a:r>
               <a:rPr lang="en-US" dirty="0" err="1" smtClean="0"/>
@@ -14751,15 +15469,7 @@
             <a:pPr lvl="2"/>
             <a:r>
               <a:rPr lang="en-US" dirty="0" smtClean="0"/>
-              <a:t>“</a:t>
-            </a:r>
-            <a:r>
-              <a:rPr lang="en-US" dirty="0" err="1" smtClean="0"/>
-              <a:t>Zonas</a:t>
-            </a:r>
-            <a:r>
-              <a:rPr lang="en-US" dirty="0" smtClean="0"/>
-              <a:t>”</a:t>
+              <a:t>“Zonas”</a:t>
             </a:r>
           </a:p>
           <a:p>
@@ -14781,15 +15491,7 @@
             </a:r>
             <a:r>
               <a:rPr lang="en-US" dirty="0" smtClean="0"/>
-              <a:t> </a:t>
-            </a:r>
-            <a:r>
-              <a:rPr lang="en-US" dirty="0" err="1" smtClean="0"/>
-              <a:t>zona</a:t>
-            </a:r>
-            <a:r>
-              <a:rPr lang="en-US" dirty="0" smtClean="0"/>
-              <a:t>?</a:t>
+              <a:t> zona?</a:t>
             </a:r>
           </a:p>
           <a:p>
@@ -14840,59 +15542,31 @@
             </a:r>
             <a:r>
               <a:rPr lang="en-US" dirty="0" smtClean="0"/>
-              <a:t> </a:t>
+              <a:t> zona </a:t>
             </a:r>
             <a:r>
               <a:rPr lang="en-US" dirty="0" err="1" smtClean="0"/>
-              <a:t>zona</a:t>
+              <a:t>tiene</a:t>
             </a:r>
             <a:r>
               <a:rPr lang="en-US" dirty="0" smtClean="0"/>
-              <a:t> </a:t>
-            </a:r>
-            <a:r>
-              <a:rPr lang="en-US" b="1" dirty="0" err="1" smtClean="0"/>
-              <a:t>tiene</a:t>
-            </a:r>
-            <a:r>
-              <a:rPr lang="en-US" b="1" dirty="0" smtClean="0"/>
               <a:t> el </a:t>
             </a:r>
             <a:r>
-              <a:rPr lang="en-US" b="1" dirty="0" err="1" smtClean="0"/>
+              <a:rPr lang="en-US" dirty="0" err="1" smtClean="0"/>
               <a:t>potencial</a:t>
             </a:r>
             <a:r>
-              <a:rPr lang="en-US" b="1" dirty="0" smtClean="0"/>
+              <a:rPr lang="en-US" dirty="0" smtClean="0"/>
               <a:t> de “</a:t>
             </a:r>
             <a:r>
-              <a:rPr lang="en-US" b="1" dirty="0" err="1" smtClean="0"/>
+              <a:rPr lang="en-US" dirty="0" err="1" smtClean="0"/>
               <a:t>delegar</a:t>
             </a:r>
             <a:r>
-              <a:rPr lang="en-US" b="1" dirty="0" smtClean="0"/>
-              <a:t>”</a:t>
-            </a:r>
-            <a:r>
               <a:rPr lang="en-US" dirty="0" smtClean="0"/>
-              <a:t> a </a:t>
-            </a:r>
-            <a:r>
-              <a:rPr lang="en-US" dirty="0" err="1" smtClean="0"/>
-              <a:t>las</a:t>
-            </a:r>
-            <a:r>
-              <a:rPr lang="en-US" dirty="0" smtClean="0"/>
-              <a:t> </a:t>
-            </a:r>
-            <a:r>
-              <a:rPr lang="en-US" dirty="0" err="1" smtClean="0"/>
-              <a:t>zonas</a:t>
-            </a:r>
-            <a:r>
-              <a:rPr lang="en-US" dirty="0" smtClean="0"/>
-              <a:t> </a:t>
+              <a:t>” a las zonas </a:t>
             </a:r>
             <a:r>
               <a:rPr lang="en-US" dirty="0" err="1" smtClean="0"/>
@@ -14920,7 +15594,7 @@
             <a:fld id="{3EC16F56-31A1-8849-B716-24606A27C39E}" type="slidenum">
               <a:rPr lang="en-US" smtClean="0"/>
               <a:pPr/>
-              <a:t>13</a:t>
+              <a:t>14</a:t>
             </a:fld>
             <a:endParaRPr lang="en-US"/>
           </a:p>
@@ -14943,7 +15617,7 @@
         </p:blipFill>
         <p:spPr bwMode="auto">
           <a:xfrm>
-            <a:off x="6997040" y="1978050"/>
+            <a:off x="6997040" y="3130178"/>
             <a:ext cx="3075648" cy="2240187"/>
           </a:xfrm>
           <a:prstGeom prst="rect">
@@ -14969,18 +15643,18 @@
   <p:clrMapOvr>
     <a:masterClrMapping/>
   </p:clrMapOvr>
-  <p:transition xmlns:p14="http://schemas.microsoft.com/office/powerpoint/2010/main"/>
+  <p:transition/>
   <p:timing>
     <p:tnLst>
       <p:par>
-        <p:cTn xmlns:p14="http://schemas.microsoft.com/office/powerpoint/2010/main" id="1" dur="indefinite" restart="never" nodeType="tmRoot"/>
+        <p:cTn id="1" dur="indefinite" restart="never" nodeType="tmRoot"/>
       </p:par>
     </p:tnLst>
   </p:timing>
 </p:sld>
 </file>
 
-<file path=ppt/slides/slide14.xml><?xml version="1.0" encoding="utf-8"?>
+<file path=ppt/slides/slide15.xml><?xml version="1.0" encoding="utf-8"?>
 <p:sld xmlns:a="http://schemas.openxmlformats.org/drawingml/2006/main" xmlns:r="http://schemas.openxmlformats.org/officeDocument/2006/relationships" xmlns:p="http://schemas.openxmlformats.org/presentationml/2006/main">
   <p:cSld>
     <p:spTree>
@@ -15014,8 +15688,8 @@
         </p:blipFill>
         <p:spPr bwMode="auto">
           <a:xfrm>
-            <a:off x="5745838" y="2434873"/>
-            <a:ext cx="4326850" cy="3151516"/>
+            <a:off x="6080603" y="3202186"/>
+            <a:ext cx="3767688" cy="2744243"/>
           </a:xfrm>
           <a:prstGeom prst="rect">
             <a:avLst/>
@@ -15163,18 +15837,18 @@
   <p:clrMapOvr>
     <a:masterClrMapping/>
   </p:clrMapOvr>
-  <p:transition xmlns:p14="http://schemas.microsoft.com/office/powerpoint/2010/main"/>
+  <p:transition/>
   <p:timing>
     <p:tnLst>
       <p:par>
-        <p:cTn xmlns:p14="http://schemas.microsoft.com/office/powerpoint/2010/main" id="1" dur="indefinite" restart="never" nodeType="tmRoot"/>
+        <p:cTn id="1" dur="indefinite" restart="never" nodeType="tmRoot"/>
       </p:par>
     </p:tnLst>
   </p:timing>
 </p:sld>
 </file>
 
-<file path=ppt/slides/slide15.xml><?xml version="1.0" encoding="utf-8"?>
+<file path=ppt/slides/slide16.xml><?xml version="1.0" encoding="utf-8"?>
 <p:sld xmlns:a="http://schemas.openxmlformats.org/drawingml/2006/main" xmlns:r="http://schemas.openxmlformats.org/officeDocument/2006/relationships" xmlns:p="http://schemas.openxmlformats.org/presentationml/2006/main">
   <p:cSld>
     <p:spTree>
@@ -15443,7 +16117,7 @@
             <a:fld id="{3EC16F56-31A1-8849-B716-24606A27C39E}" type="slidenum">
               <a:rPr lang="en-US" smtClean="0"/>
               <a:pPr/>
-              <a:t>15</a:t>
+              <a:t>16</a:t>
             </a:fld>
             <a:endParaRPr lang="en-US"/>
           </a:p>
@@ -15492,18 +16166,18 @@
   <p:clrMapOvr>
     <a:masterClrMapping/>
   </p:clrMapOvr>
-  <p:transition xmlns:p14="http://schemas.microsoft.com/office/powerpoint/2010/main"/>
+  <p:transition/>
   <p:timing>
     <p:tnLst>
       <p:par>
-        <p:cTn xmlns:p14="http://schemas.microsoft.com/office/powerpoint/2010/main" id="1" dur="indefinite" restart="never" nodeType="tmRoot"/>
+        <p:cTn id="1" dur="indefinite" restart="never" nodeType="tmRoot"/>
       </p:par>
     </p:tnLst>
   </p:timing>
 </p:sld>
 </file>
 
-<file path=ppt/slides/slide16.xml><?xml version="1.0" encoding="utf-8"?>
+<file path=ppt/slides/slide17.xml><?xml version="1.0" encoding="utf-8"?>
 <p:sld xmlns:a="http://schemas.openxmlformats.org/drawingml/2006/main" xmlns:r="http://schemas.openxmlformats.org/officeDocument/2006/relationships" xmlns:p="http://schemas.openxmlformats.org/presentationml/2006/main">
   <p:cSld>
     <p:spTree>
@@ -15817,7 +16491,7 @@
             <a:fld id="{3EC16F56-31A1-8849-B716-24606A27C39E}" type="slidenum">
               <a:rPr lang="en-US" smtClean="0"/>
               <a:pPr/>
-              <a:t>16</a:t>
+              <a:t>17</a:t>
             </a:fld>
             <a:endParaRPr lang="en-US"/>
           </a:p>
@@ -15833,18 +16507,18 @@
   <p:clrMapOvr>
     <a:masterClrMapping/>
   </p:clrMapOvr>
-  <p:transition xmlns:p14="http://schemas.microsoft.com/office/powerpoint/2010/main"/>
+  <p:transition/>
   <p:timing>
     <p:tnLst>
       <p:par>
-        <p:cTn xmlns:p14="http://schemas.microsoft.com/office/powerpoint/2010/main" id="1" dur="indefinite" restart="never" nodeType="tmRoot"/>
+        <p:cTn id="1" dur="indefinite" restart="never" nodeType="tmRoot"/>
       </p:par>
     </p:tnLst>
   </p:timing>
 </p:sld>
 </file>
 
-<file path=ppt/slides/slide17.xml><?xml version="1.0" encoding="utf-8"?>
+<file path=ppt/slides/slide18.xml><?xml version="1.0" encoding="utf-8"?>
 <p:sld xmlns:a="http://schemas.openxmlformats.org/drawingml/2006/main" xmlns:r="http://schemas.openxmlformats.org/officeDocument/2006/relationships" xmlns:p="http://schemas.openxmlformats.org/presentationml/2006/main">
   <p:cSld>
     <p:spTree>
@@ -16312,7 +16986,7 @@
           <a:graphicData uri="http://schemas.openxmlformats.org/presentationml/2006/ole">
             <mc:AlternateContent xmlns:mc="http://schemas.openxmlformats.org/markup-compatibility/2006">
               <mc:Choice xmlns:v="urn:schemas-microsoft-com:vml" Requires="v">
-                <p:oleObj spid="_x0000_s1033" name="Visio" r:id="rId3" imgW="5472913" imgH="3891874" progId="Visio.Drawing.11">
+                <p:oleObj spid="_x0000_s1038" name="Visio" r:id="rId3" imgW="5472913" imgH="3891874" progId="Visio.Drawing.11">
                   <p:embed/>
                 </p:oleObj>
               </mc:Choice>
@@ -16355,14 +17029,14 @@
                       <a:effectLst/>
                       <a:extLst>
                         <a:ext uri="{909E8E84-426E-40dd-AFC4-6F175D3DCCD1}">
-                          <a14:hiddenFill xmlns:a14="http://schemas.microsoft.com/office/drawing/2010/main">
+                          <a14:hiddenFill xmlns:a14="http://schemas.microsoft.com/office/drawing/2010/main" xmlns="">
                             <a:solidFill>
                               <a:schemeClr val="accent1"/>
                             </a:solidFill>
                           </a14:hiddenFill>
                         </a:ext>
                         <a:ext uri="{91240B29-F687-4f45-9708-019B960494DF}">
-                          <a14:hiddenLine xmlns:a14="http://schemas.microsoft.com/office/drawing/2010/main" w="9525">
+                          <a14:hiddenLine xmlns:a14="http://schemas.microsoft.com/office/drawing/2010/main" xmlns="" w="9525">
                             <a:solidFill>
                               <a:schemeClr val="tx1"/>
                             </a:solidFill>
@@ -16372,7 +17046,7 @@
                           </a14:hiddenLine>
                         </a:ext>
                         <a:ext uri="{AF507438-7753-43e0-B8FC-AC1667EBCBE1}">
-                          <a14:hiddenEffects xmlns:a14="http://schemas.microsoft.com/office/drawing/2010/main">
+                          <a14:hiddenEffects xmlns:a14="http://schemas.microsoft.com/office/drawing/2010/main" xmlns="">
                             <a:effectLst>
                               <a:outerShdw blurRad="63500" dist="38099" dir="2700000" algn="ctr" rotWithShape="0">
                                 <a:schemeClr val="bg2">
@@ -16413,7 +17087,7 @@
           <a:graphicData uri="http://schemas.openxmlformats.org/presentationml/2006/ole">
             <mc:AlternateContent xmlns:mc="http://schemas.openxmlformats.org/markup-compatibility/2006">
               <mc:Choice xmlns:v="urn:schemas-microsoft-com:vml" Requires="v">
-                <p:oleObj spid="_x0000_s1034" name="Worksheet" r:id="rId5" imgW="4622800" imgH="2184400" progId="Excel.Sheet.8">
+                <p:oleObj spid="_x0000_s1039" name="Worksheet" r:id="rId5" imgW="4622800" imgH="2184400" progId="Excel.Sheet.8">
                   <p:embed/>
                 </p:oleObj>
               </mc:Choice>
@@ -16446,7 +17120,7 @@
                       <a:noFill/>
                       <a:extLst>
                         <a:ext uri="{909E8E84-426E-40dd-AFC4-6F175D3DCCD1}">
-                          <a14:hiddenFill xmlns:a14="http://schemas.microsoft.com/office/drawing/2010/main">
+                          <a14:hiddenFill xmlns:a14="http://schemas.microsoft.com/office/drawing/2010/main" xmlns="">
                             <a:solidFill>
                               <a:srgbClr val="FFFFFF"/>
                             </a:solidFill>
@@ -16577,11 +17251,11 @@
   <p:clrMapOvr>
     <a:masterClrMapping/>
   </p:clrMapOvr>
-  <p:transition xmlns:p14="http://schemas.microsoft.com/office/powerpoint/2010/main"/>
+  <p:transition/>
   <p:timing>
     <p:tnLst>
       <p:par>
-        <p:cTn xmlns:p14="http://schemas.microsoft.com/office/powerpoint/2010/main" id="1" dur="indefinite" restart="never" nodeType="tmRoot">
+        <p:cTn id="1" dur="indefinite" restart="never" nodeType="tmRoot">
           <p:childTnLst>
             <p:seq concurrent="1" nextAc="seek">
               <p:cTn id="2" dur="indefinite" nodeType="mainSeq">
@@ -16759,7 +17433,7 @@
 </p:sld>
 </file>
 
-<file path=ppt/slides/slide18.xml><?xml version="1.0" encoding="utf-8"?>
+<file path=ppt/slides/slide19.xml><?xml version="1.0" encoding="utf-8"?>
 <p:sld xmlns:a="http://schemas.openxmlformats.org/drawingml/2006/main" xmlns:r="http://schemas.openxmlformats.org/officeDocument/2006/relationships" xmlns:p="http://schemas.openxmlformats.org/presentationml/2006/main">
   <p:cSld>
     <p:spTree>
@@ -16840,139 +17514,11 @@
   <p:clrMapOvr>
     <a:masterClrMapping/>
   </p:clrMapOvr>
-  <p:transition xmlns:p14="http://schemas.microsoft.com/office/powerpoint/2010/main"/>
+  <p:transition/>
   <p:timing>
     <p:tnLst>
       <p:par>
-        <p:cTn xmlns:p14="http://schemas.microsoft.com/office/powerpoint/2010/main" id="1" dur="indefinite" restart="never" nodeType="tmRoot"/>
-      </p:par>
-    </p:tnLst>
-  </p:timing>
-</p:sld>
-</file>
-
-<file path=ppt/slides/slide19.xml><?xml version="1.0" encoding="utf-8"?>
-<p:sld xmlns:a="http://schemas.openxmlformats.org/drawingml/2006/main" xmlns:r="http://schemas.openxmlformats.org/officeDocument/2006/relationships" xmlns:p="http://schemas.openxmlformats.org/presentationml/2006/main">
-  <p:cSld>
-    <p:spTree>
-      <p:nvGrpSpPr>
-        <p:cNvPr id="1" name=""/>
-        <p:cNvGrpSpPr/>
-        <p:nvPr/>
-      </p:nvGrpSpPr>
-      <p:grpSpPr>
-        <a:xfrm>
-          <a:off x="0" y="0"/>
-          <a:ext cx="0" cy="0"/>
-          <a:chOff x="0" y="0"/>
-          <a:chExt cx="0" cy="0"/>
-        </a:xfrm>
-      </p:grpSpPr>
-      <p:sp>
-        <p:nvSpPr>
-          <p:cNvPr id="2" name="Title 1"/>
-          <p:cNvSpPr>
-            <a:spLocks noGrp="1"/>
-          </p:cNvSpPr>
-          <p:nvPr>
-            <p:ph type="title"/>
-          </p:nvPr>
-        </p:nvSpPr>
-        <p:spPr/>
-        <p:txBody>
-          <a:bodyPr>
-            <a:normAutofit/>
-          </a:bodyPr>
-          <a:lstStyle/>
-          <a:p>
-            <a:r>
-              <a:rPr lang="es-AR" noProof="0" dirty="0" smtClean="0"/>
-              <a:t>Resource Records</a:t>
-            </a:r>
-            <a:br>
-              <a:rPr lang="es-AR" noProof="0" dirty="0" smtClean="0"/>
-            </a:br>
-            <a:endParaRPr lang="es-AR" noProof="0" dirty="0"/>
-          </a:p>
-        </p:txBody>
-      </p:sp>
-      <p:sp>
-        <p:nvSpPr>
-          <p:cNvPr id="3" name="Content Placeholder 2"/>
-          <p:cNvSpPr>
-            <a:spLocks noGrp="1"/>
-          </p:cNvSpPr>
-          <p:nvPr>
-            <p:ph idx="1"/>
-          </p:nvPr>
-        </p:nvSpPr>
-        <p:spPr>
-          <a:xfrm>
-            <a:off x="504825" y="1906042"/>
-            <a:ext cx="9234488" cy="5459412"/>
-          </a:xfrm>
-        </p:spPr>
-        <p:txBody>
-          <a:bodyPr/>
-          <a:lstStyle/>
-          <a:p>
-            <a:r>
-              <a:rPr lang="es-AR" dirty="0" smtClean="0"/>
-              <a:t>La información en la base de datos del DNS está estructurada en un conjunto de </a:t>
-            </a:r>
-            <a:r>
-              <a:rPr lang="es-AR" i="1" dirty="0" smtClean="0"/>
-              <a:t>resource records</a:t>
-            </a:r>
-            <a:r>
-              <a:rPr lang="es-AR" dirty="0" smtClean="0"/>
-              <a:t>:</a:t>
-            </a:r>
-          </a:p>
-          <a:p>
-            <a:pPr lvl="1"/>
-            <a:r>
-              <a:rPr lang="es-AR" dirty="0" smtClean="0"/>
-              <a:t>SOA, A, NS, MX, PTR, TXT, etc.</a:t>
-            </a:r>
-          </a:p>
-          <a:p>
-            <a:r>
-              <a:rPr lang="es-AR" dirty="0" smtClean="0"/>
-              <a:t>Cada RR representa un ítem de información en la base de datos de DNS que puede ser consultado</a:t>
-            </a:r>
-          </a:p>
-          <a:p>
-            <a:r>
-              <a:rPr lang="es-AR" dirty="0" smtClean="0"/>
-              <a:t>Un RR está definido por cinco campos</a:t>
-            </a:r>
-            <a:endParaRPr lang="es-AR" dirty="0"/>
-          </a:p>
-          <a:p>
-            <a:pPr lvl="1"/>
-            <a:r>
-              <a:rPr lang="es-AR" dirty="0" smtClean="0"/>
-              <a:t>Class, Type, Value, Name, TTL</a:t>
-            </a:r>
-          </a:p>
-        </p:txBody>
-      </p:sp>
-    </p:spTree>
-    <p:extLst>
-      <p:ext uri="{BB962C8B-B14F-4D97-AF65-F5344CB8AC3E}">
-        <p14:creationId xmlns:p14="http://schemas.microsoft.com/office/powerpoint/2010/main" val="1286760235"/>
-      </p:ext>
-    </p:extLst>
-  </p:cSld>
-  <p:clrMapOvr>
-    <a:masterClrMapping/>
-  </p:clrMapOvr>
-  <p:transition xmlns:p14="http://schemas.microsoft.com/office/powerpoint/2010/main"/>
-  <p:timing>
-    <p:tnLst>
-      <p:par>
-        <p:cTn xmlns:p14="http://schemas.microsoft.com/office/powerpoint/2010/main" id="1" dur="indefinite" restart="never" nodeType="tmRoot"/>
+        <p:cTn id="1" dur="indefinite" restart="never" nodeType="tmRoot"/>
       </p:par>
     </p:tnLst>
   </p:timing>
@@ -17123,11 +17669,11 @@
   <p:clrMapOvr>
     <a:masterClrMapping/>
   </p:clrMapOvr>
-  <p:transition xmlns:p14="http://schemas.microsoft.com/office/powerpoint/2010/main"/>
+  <p:transition/>
   <p:timing>
     <p:tnLst>
       <p:par>
-        <p:cTn xmlns:p14="http://schemas.microsoft.com/office/powerpoint/2010/main" id="1" dur="indefinite" restart="never" nodeType="tmRoot"/>
+        <p:cTn id="1" dur="indefinite" restart="never" nodeType="tmRoot"/>
       </p:par>
     </p:tnLst>
   </p:timing>
@@ -17135,6 +17681,134 @@
 </file>
 
 <file path=ppt/slides/slide20.xml><?xml version="1.0" encoding="utf-8"?>
+<p:sld xmlns:a="http://schemas.openxmlformats.org/drawingml/2006/main" xmlns:r="http://schemas.openxmlformats.org/officeDocument/2006/relationships" xmlns:p="http://schemas.openxmlformats.org/presentationml/2006/main">
+  <p:cSld>
+    <p:spTree>
+      <p:nvGrpSpPr>
+        <p:cNvPr id="1" name=""/>
+        <p:cNvGrpSpPr/>
+        <p:nvPr/>
+      </p:nvGrpSpPr>
+      <p:grpSpPr>
+        <a:xfrm>
+          <a:off x="0" y="0"/>
+          <a:ext cx="0" cy="0"/>
+          <a:chOff x="0" y="0"/>
+          <a:chExt cx="0" cy="0"/>
+        </a:xfrm>
+      </p:grpSpPr>
+      <p:sp>
+        <p:nvSpPr>
+          <p:cNvPr id="2" name="Title 1"/>
+          <p:cNvSpPr>
+            <a:spLocks noGrp="1"/>
+          </p:cNvSpPr>
+          <p:nvPr>
+            <p:ph type="title"/>
+          </p:nvPr>
+        </p:nvSpPr>
+        <p:spPr/>
+        <p:txBody>
+          <a:bodyPr>
+            <a:normAutofit/>
+          </a:bodyPr>
+          <a:lstStyle/>
+          <a:p>
+            <a:r>
+              <a:rPr lang="es-AR" noProof="0" dirty="0" smtClean="0"/>
+              <a:t>Resource Records</a:t>
+            </a:r>
+            <a:br>
+              <a:rPr lang="es-AR" noProof="0" dirty="0" smtClean="0"/>
+            </a:br>
+            <a:endParaRPr lang="es-AR" noProof="0" dirty="0"/>
+          </a:p>
+        </p:txBody>
+      </p:sp>
+      <p:sp>
+        <p:nvSpPr>
+          <p:cNvPr id="3" name="Content Placeholder 2"/>
+          <p:cNvSpPr>
+            <a:spLocks noGrp="1"/>
+          </p:cNvSpPr>
+          <p:nvPr>
+            <p:ph idx="1"/>
+          </p:nvPr>
+        </p:nvSpPr>
+        <p:spPr>
+          <a:xfrm>
+            <a:off x="504825" y="1906042"/>
+            <a:ext cx="9234488" cy="5459412"/>
+          </a:xfrm>
+        </p:spPr>
+        <p:txBody>
+          <a:bodyPr/>
+          <a:lstStyle/>
+          <a:p>
+            <a:r>
+              <a:rPr lang="es-AR" dirty="0" smtClean="0"/>
+              <a:t>La información en la base de datos del DNS está estructurada en un conjunto de </a:t>
+            </a:r>
+            <a:r>
+              <a:rPr lang="es-AR" i="1" dirty="0" smtClean="0"/>
+              <a:t>resource records</a:t>
+            </a:r>
+            <a:r>
+              <a:rPr lang="es-AR" dirty="0" smtClean="0"/>
+              <a:t>:</a:t>
+            </a:r>
+          </a:p>
+          <a:p>
+            <a:pPr lvl="1"/>
+            <a:r>
+              <a:rPr lang="es-AR" dirty="0" smtClean="0"/>
+              <a:t>SOA, A, NS, MX, PTR, TXT, etc.</a:t>
+            </a:r>
+          </a:p>
+          <a:p>
+            <a:r>
+              <a:rPr lang="es-AR" dirty="0" smtClean="0"/>
+              <a:t>Cada RR representa un ítem de información en la base de datos de DNS que puede ser consultado</a:t>
+            </a:r>
+          </a:p>
+          <a:p>
+            <a:r>
+              <a:rPr lang="es-AR" dirty="0" smtClean="0"/>
+              <a:t>Un RR está definido por cinco campos</a:t>
+            </a:r>
+            <a:endParaRPr lang="es-AR" dirty="0"/>
+          </a:p>
+          <a:p>
+            <a:pPr lvl="1"/>
+            <a:r>
+              <a:rPr lang="es-AR" dirty="0" smtClean="0"/>
+              <a:t>Class, Type, Value, Name, TTL</a:t>
+            </a:r>
+          </a:p>
+        </p:txBody>
+      </p:sp>
+    </p:spTree>
+    <p:extLst>
+      <p:ext uri="{BB962C8B-B14F-4D97-AF65-F5344CB8AC3E}">
+        <p14:creationId xmlns:p14="http://schemas.microsoft.com/office/powerpoint/2010/main" val="1286760235"/>
+      </p:ext>
+    </p:extLst>
+  </p:cSld>
+  <p:clrMapOvr>
+    <a:masterClrMapping/>
+  </p:clrMapOvr>
+  <p:transition/>
+  <p:timing>
+    <p:tnLst>
+      <p:par>
+        <p:cTn id="1" dur="indefinite" restart="never" nodeType="tmRoot"/>
+      </p:par>
+    </p:tnLst>
+  </p:timing>
+</p:sld>
+</file>
+
+<file path=ppt/slides/slide21.xml><?xml version="1.0" encoding="utf-8"?>
 <p:sld xmlns:a="http://schemas.openxmlformats.org/drawingml/2006/main" xmlns:r="http://schemas.openxmlformats.org/officeDocument/2006/relationships" xmlns:p="http://schemas.openxmlformats.org/presentationml/2006/main">
   <p:cSld>
     <p:spTree>
@@ -17455,216 +18129,11 @@
   <p:clrMapOvr>
     <a:masterClrMapping/>
   </p:clrMapOvr>
-  <p:transition xmlns:p14="http://schemas.microsoft.com/office/powerpoint/2010/main"/>
+  <p:transition/>
   <p:timing>
     <p:tnLst>
       <p:par>
-        <p:cTn xmlns:p14="http://schemas.microsoft.com/office/powerpoint/2010/main" id="1" dur="indefinite" restart="never" nodeType="tmRoot"/>
-      </p:par>
-    </p:tnLst>
-  </p:timing>
-</p:sld>
-</file>
-
-<file path=ppt/slides/slide21.xml><?xml version="1.0" encoding="utf-8"?>
-<p:sld xmlns:a="http://schemas.openxmlformats.org/drawingml/2006/main" xmlns:r="http://schemas.openxmlformats.org/officeDocument/2006/relationships" xmlns:p="http://schemas.openxmlformats.org/presentationml/2006/main">
-  <p:cSld>
-    <p:spTree>
-      <p:nvGrpSpPr>
-        <p:cNvPr id="1" name=""/>
-        <p:cNvGrpSpPr/>
-        <p:nvPr/>
-      </p:nvGrpSpPr>
-      <p:grpSpPr>
-        <a:xfrm>
-          <a:off x="0" y="0"/>
-          <a:ext cx="0" cy="0"/>
-          <a:chOff x="0" y="0"/>
-          <a:chExt cx="0" cy="0"/>
-        </a:xfrm>
-      </p:grpSpPr>
-      <p:sp>
-        <p:nvSpPr>
-          <p:cNvPr id="2" name="Title 1"/>
-          <p:cNvSpPr>
-            <a:spLocks noGrp="1"/>
-          </p:cNvSpPr>
-          <p:nvPr>
-            <p:ph type="title"/>
-          </p:nvPr>
-        </p:nvSpPr>
-        <p:spPr/>
-        <p:txBody>
-          <a:bodyPr/>
-          <a:lstStyle/>
-          <a:p>
-            <a:r>
-              <a:rPr lang="en-US" dirty="0" err="1" smtClean="0"/>
-              <a:t>Ejemplo</a:t>
-            </a:r>
-            <a:r>
-              <a:rPr lang="en-US" dirty="0" smtClean="0"/>
-              <a:t> de SOA</a:t>
-            </a:r>
-            <a:endParaRPr lang="en-US" dirty="0"/>
-          </a:p>
-        </p:txBody>
-      </p:sp>
-      <p:sp>
-        <p:nvSpPr>
-          <p:cNvPr id="3" name="Content Placeholder 2"/>
-          <p:cNvSpPr>
-            <a:spLocks noGrp="1"/>
-          </p:cNvSpPr>
-          <p:nvPr>
-            <p:ph idx="1"/>
-          </p:nvPr>
-        </p:nvSpPr>
-        <p:spPr>
-          <a:xfrm>
-            <a:off x="504825" y="2097088"/>
-            <a:ext cx="9234488" cy="4201442"/>
-          </a:xfrm>
-        </p:spPr>
-        <p:txBody>
-          <a:bodyPr/>
-          <a:lstStyle/>
-          <a:p>
-            <a:r>
-              <a:rPr lang="en-US" dirty="0" smtClean="0"/>
-              <a:t>RR SOA en BIND:</a:t>
-            </a:r>
-          </a:p>
-          <a:p>
-            <a:endParaRPr lang="en-US" dirty="0" smtClean="0"/>
-          </a:p>
-          <a:p>
-            <a:pPr marL="511175" lvl="1" indent="0">
-              <a:lnSpc>
-                <a:spcPct val="60000"/>
-              </a:lnSpc>
-              <a:buNone/>
-            </a:pPr>
-            <a:r>
-              <a:rPr lang="en-US" sz="1800" dirty="0">
-                <a:latin typeface="Monaco"/>
-                <a:cs typeface="Monaco"/>
-              </a:rPr>
-              <a:t>@       IN      SOA     tld1.    </a:t>
-            </a:r>
-            <a:r>
-              <a:rPr lang="en-US" sz="1800" dirty="0" err="1">
-                <a:latin typeface="Monaco"/>
-                <a:cs typeface="Monaco"/>
-              </a:rPr>
-              <a:t>root.localhost</a:t>
-            </a:r>
-            <a:r>
-              <a:rPr lang="en-US" sz="1800" dirty="0">
-                <a:latin typeface="Monaco"/>
-                <a:cs typeface="Monaco"/>
-              </a:rPr>
-              <a:t>. (</a:t>
-            </a:r>
-          </a:p>
-          <a:p>
-            <a:pPr marL="511175" lvl="1" indent="0">
-              <a:lnSpc>
-                <a:spcPct val="60000"/>
-              </a:lnSpc>
-              <a:buNone/>
-            </a:pPr>
-            <a:r>
-              <a:rPr lang="en-US" sz="1800" dirty="0">
-                <a:latin typeface="Monaco"/>
-                <a:cs typeface="Monaco"/>
-              </a:rPr>
-              <a:t>                              3         ; Serial</a:t>
-            </a:r>
-          </a:p>
-          <a:p>
-            <a:pPr marL="511175" lvl="1" indent="0">
-              <a:lnSpc>
-                <a:spcPct val="60000"/>
-              </a:lnSpc>
-              <a:buNone/>
-            </a:pPr>
-            <a:r>
-              <a:rPr lang="en-US" sz="1800" dirty="0">
-                <a:latin typeface="Monaco"/>
-                <a:cs typeface="Monaco"/>
-              </a:rPr>
-              <a:t>                         604800         ; Refresh</a:t>
-            </a:r>
-          </a:p>
-          <a:p>
-            <a:pPr marL="511175" lvl="1" indent="0">
-              <a:lnSpc>
-                <a:spcPct val="60000"/>
-              </a:lnSpc>
-              <a:buNone/>
-            </a:pPr>
-            <a:r>
-              <a:rPr lang="en-US" sz="1800" dirty="0">
-                <a:latin typeface="Monaco"/>
-                <a:cs typeface="Monaco"/>
-              </a:rPr>
-              <a:t>                          30            ; Retry</a:t>
-            </a:r>
-          </a:p>
-          <a:p>
-            <a:pPr marL="511175" lvl="1" indent="0">
-              <a:lnSpc>
-                <a:spcPct val="60000"/>
-              </a:lnSpc>
-              <a:buNone/>
-            </a:pPr>
-            <a:r>
-              <a:rPr lang="en-US" sz="1800" dirty="0">
-                <a:latin typeface="Monaco"/>
-                <a:cs typeface="Monaco"/>
-              </a:rPr>
-              <a:t>                        2419200         ; Expire</a:t>
-            </a:r>
-          </a:p>
-          <a:p>
-            <a:pPr marL="511175" lvl="1" indent="0">
-              <a:lnSpc>
-                <a:spcPct val="60000"/>
-              </a:lnSpc>
-              <a:buNone/>
-            </a:pPr>
-            <a:r>
-              <a:rPr lang="en-US" sz="1800" dirty="0">
-                <a:latin typeface="Monaco"/>
-                <a:cs typeface="Monaco"/>
-              </a:rPr>
-              <a:t>                          30     )      ; Negative Cache TTL</a:t>
-            </a:r>
-          </a:p>
-          <a:p>
-            <a:pPr marL="100012" indent="0">
-              <a:buNone/>
-            </a:pPr>
-            <a:endParaRPr lang="en-US" dirty="0"/>
-          </a:p>
-        </p:txBody>
-      </p:sp>
-    </p:spTree>
-    <p:extLst>
-      <p:ext uri="{BB962C8B-B14F-4D97-AF65-F5344CB8AC3E}">
-        <p14:creationId xmlns:p14="http://schemas.microsoft.com/office/powerpoint/2010/main" val="2459693308"/>
-      </p:ext>
-    </p:extLst>
-  </p:cSld>
-  <p:clrMapOvr>
-    <a:masterClrMapping/>
-  </p:clrMapOvr>
-  <p:transition xmlns:p14="http://schemas.microsoft.com/office/powerpoint/2010/main"/>
-  <p:timing>
-    <p:tnLst>
-      <p:par>
-        <p:cTn xmlns:p14="http://schemas.microsoft.com/office/powerpoint/2010/main" id="1" dur="indefinite" restart="never" nodeType="tmRoot"/>
+        <p:cTn id="1" dur="indefinite" restart="never" nodeType="tmRoot"/>
       </p:par>
     </p:tnLst>
   </p:timing>
@@ -17700,27 +18169,18 @@
         </p:nvSpPr>
         <p:spPr/>
         <p:txBody>
-          <a:bodyPr>
-            <a:normAutofit/>
-          </a:bodyPr>
+          <a:bodyPr/>
           <a:lstStyle/>
           <a:p>
             <a:r>
-              <a:rPr lang="es-AR" noProof="0" dirty="0" smtClean="0"/>
-              <a:t>Resource Records: </a:t>
-            </a:r>
-            <a:r>
-              <a:rPr lang="es-AR" i="1" noProof="0" dirty="0" smtClean="0"/>
-              <a:t>“A”</a:t>
-            </a:r>
-            <a:r>
-              <a:rPr lang="es-AR" noProof="0" dirty="0" smtClean="0"/>
-              <a:t/>
-            </a:r>
-            <a:br>
-              <a:rPr lang="es-AR" noProof="0" dirty="0" smtClean="0"/>
-            </a:br>
-            <a:endParaRPr lang="es-AR" noProof="0" dirty="0"/>
+              <a:rPr lang="en-US" dirty="0" err="1" smtClean="0"/>
+              <a:t>Ejemplo</a:t>
+            </a:r>
+            <a:r>
+              <a:rPr lang="en-US" dirty="0" smtClean="0"/>
+              <a:t> de SOA</a:t>
+            </a:r>
+            <a:endParaRPr lang="en-US" dirty="0"/>
           </a:p>
         </p:txBody>
       </p:sp>
@@ -17736,8 +18196,8 @@
         </p:nvSpPr>
         <p:spPr>
           <a:xfrm>
-            <a:off x="626392" y="1906042"/>
-            <a:ext cx="9234488" cy="4536504"/>
+            <a:off x="504825" y="2097088"/>
+            <a:ext cx="9234488" cy="4201442"/>
           </a:xfrm>
         </p:spPr>
         <p:txBody>
@@ -17745,72 +18205,140 @@
           <a:lstStyle/>
           <a:p>
             <a:r>
-              <a:rPr lang="es-AR" noProof="0" dirty="0" smtClean="0"/>
-              <a:t>RR “A”: </a:t>
-            </a:r>
-            <a:r>
-              <a:rPr lang="es-AR" i="1" noProof="0" dirty="0" err="1" smtClean="0"/>
-              <a:t>Address</a:t>
-            </a:r>
-            <a:endParaRPr lang="es-AR" noProof="0" dirty="0" smtClean="0"/>
-          </a:p>
-          <a:p>
-            <a:pPr lvl="1"/>
-            <a:r>
-              <a:rPr lang="es-AR" dirty="0" smtClean="0"/>
-              <a:t>Los registros A establecen las correspondencias entre direcciones IP y nombres de dominio</a:t>
-            </a:r>
-          </a:p>
-          <a:p>
-            <a:pPr lvl="1"/>
-            <a:r>
-              <a:rPr lang="es-AR" dirty="0" smtClean="0"/>
-              <a:t>Idem IPv6: “AAAA”</a:t>
-            </a:r>
-          </a:p>
-          <a:p>
-            <a:r>
-              <a:rPr lang="es-AR" dirty="0" smtClean="0"/>
-              <a:t>Formato “Zone File” de BIND</a:t>
-            </a:r>
-          </a:p>
-          <a:p>
-            <a:pPr lvl="1"/>
-            <a:r>
-              <a:rPr lang="es-AR" dirty="0" smtClean="0">
+              <a:rPr lang="en-US" dirty="0" smtClean="0"/>
+              <a:t>RR SOA en BIND:</a:t>
+            </a:r>
+          </a:p>
+          <a:p>
+            <a:endParaRPr lang="en-US" dirty="0" smtClean="0"/>
+          </a:p>
+          <a:p>
+            <a:pPr marL="511175" lvl="1" indent="0">
+              <a:lnSpc>
+                <a:spcPct val="60000"/>
+              </a:lnSpc>
+              <a:buNone/>
+            </a:pPr>
+            <a:r>
+              <a:rPr lang="en-US" sz="1800" dirty="0">
                 <a:latin typeface="Monaco"/>
                 <a:cs typeface="Monaco"/>
               </a:rPr>
-              <a:t>www IN A 200.7.85.220</a:t>
-            </a:r>
-          </a:p>
-          <a:p>
-            <a:pPr lvl="1"/>
-            <a:r>
-              <a:rPr lang="es-AR" dirty="0" smtClean="0">
+              <a:t>@       IN      SOA     tld1.    </a:t>
+            </a:r>
+            <a:r>
+              <a:rPr lang="en-US" sz="1800" dirty="0" err="1">
                 <a:latin typeface="Monaco"/>
                 <a:cs typeface="Monaco"/>
               </a:rPr>
-              <a:t>www IN AAAA 2001:13C7::2</a:t>
-            </a:r>
+              <a:t>root.localhost</a:t>
+            </a:r>
+            <a:r>
+              <a:rPr lang="en-US" sz="1800" dirty="0">
+                <a:latin typeface="Monaco"/>
+                <a:cs typeface="Monaco"/>
+              </a:rPr>
+              <a:t>. (</a:t>
+            </a:r>
+          </a:p>
+          <a:p>
+            <a:pPr marL="511175" lvl="1" indent="0">
+              <a:lnSpc>
+                <a:spcPct val="60000"/>
+              </a:lnSpc>
+              <a:buNone/>
+            </a:pPr>
+            <a:r>
+              <a:rPr lang="en-US" sz="1800" dirty="0">
+                <a:latin typeface="Monaco"/>
+                <a:cs typeface="Monaco"/>
+              </a:rPr>
+              <a:t>                              3         ; Serial</a:t>
+            </a:r>
+          </a:p>
+          <a:p>
+            <a:pPr marL="511175" lvl="1" indent="0">
+              <a:lnSpc>
+                <a:spcPct val="60000"/>
+              </a:lnSpc>
+              <a:buNone/>
+            </a:pPr>
+            <a:r>
+              <a:rPr lang="en-US" sz="1800" dirty="0">
+                <a:latin typeface="Monaco"/>
+                <a:cs typeface="Monaco"/>
+              </a:rPr>
+              <a:t>                         604800         ; Refresh</a:t>
+            </a:r>
+          </a:p>
+          <a:p>
+            <a:pPr marL="511175" lvl="1" indent="0">
+              <a:lnSpc>
+                <a:spcPct val="60000"/>
+              </a:lnSpc>
+              <a:buNone/>
+            </a:pPr>
+            <a:r>
+              <a:rPr lang="en-US" sz="1800" dirty="0">
+                <a:latin typeface="Monaco"/>
+                <a:cs typeface="Monaco"/>
+              </a:rPr>
+              <a:t>                          30            ; Retry</a:t>
+            </a:r>
+          </a:p>
+          <a:p>
+            <a:pPr marL="511175" lvl="1" indent="0">
+              <a:lnSpc>
+                <a:spcPct val="60000"/>
+              </a:lnSpc>
+              <a:buNone/>
+            </a:pPr>
+            <a:r>
+              <a:rPr lang="en-US" sz="1800" dirty="0">
+                <a:latin typeface="Monaco"/>
+                <a:cs typeface="Monaco"/>
+              </a:rPr>
+              <a:t>                        2419200         ; Expire</a:t>
+            </a:r>
+          </a:p>
+          <a:p>
+            <a:pPr marL="511175" lvl="1" indent="0">
+              <a:lnSpc>
+                <a:spcPct val="60000"/>
+              </a:lnSpc>
+              <a:buNone/>
+            </a:pPr>
+            <a:r>
+              <a:rPr lang="en-US" sz="1800" dirty="0">
+                <a:latin typeface="Monaco"/>
+                <a:cs typeface="Monaco"/>
+              </a:rPr>
+              <a:t>                          30     )      ; Negative Cache TTL</a:t>
+            </a:r>
+          </a:p>
+          <a:p>
+            <a:pPr marL="100012" indent="0">
+              <a:buNone/>
+            </a:pPr>
+            <a:endParaRPr lang="en-US" dirty="0"/>
           </a:p>
         </p:txBody>
       </p:sp>
     </p:spTree>
     <p:extLst>
       <p:ext uri="{BB962C8B-B14F-4D97-AF65-F5344CB8AC3E}">
-        <p14:creationId xmlns:p14="http://schemas.microsoft.com/office/powerpoint/2010/main" val="9736123"/>
+        <p14:creationId xmlns:p14="http://schemas.microsoft.com/office/powerpoint/2010/main" val="2459693308"/>
       </p:ext>
     </p:extLst>
   </p:cSld>
   <p:clrMapOvr>
     <a:masterClrMapping/>
   </p:clrMapOvr>
-  <p:transition xmlns:p14="http://schemas.microsoft.com/office/powerpoint/2010/main"/>
+  <p:transition/>
   <p:timing>
     <p:tnLst>
       <p:par>
-        <p:cTn xmlns:p14="http://schemas.microsoft.com/office/powerpoint/2010/main" id="1" dur="indefinite" restart="never" nodeType="tmRoot"/>
+        <p:cTn id="1" dur="indefinite" restart="never" nodeType="tmRoot"/>
       </p:par>
     </p:tnLst>
   </p:timing>
@@ -17855,17 +18383,17 @@
               <a:rPr lang="es-AR" noProof="0" dirty="0" smtClean="0"/>
               <a:t>Resource Records: </a:t>
             </a:r>
+            <a:r>
+              <a:rPr lang="es-AR" i="1" noProof="0" dirty="0" smtClean="0"/>
+              <a:t>“A”</a:t>
+            </a:r>
+            <a:r>
+              <a:rPr lang="es-AR" noProof="0" dirty="0" smtClean="0"/>
+              <a:t/>
+            </a:r>
             <a:br>
               <a:rPr lang="es-AR" noProof="0" dirty="0" smtClean="0"/>
             </a:br>
-            <a:r>
-              <a:rPr lang="es-AR" noProof="0" dirty="0" smtClean="0"/>
-              <a:t>“</a:t>
-            </a:r>
-            <a:r>
-              <a:rPr lang="es-AR" i="1" dirty="0" smtClean="0"/>
-              <a:t>CNAME”</a:t>
-            </a:r>
             <a:endParaRPr lang="es-AR" noProof="0" dirty="0"/>
           </a:p>
         </p:txBody>
@@ -17882,8 +18410,8 @@
         </p:nvSpPr>
         <p:spPr>
           <a:xfrm>
-            <a:off x="626392" y="1762026"/>
-            <a:ext cx="9234488" cy="5472608"/>
+            <a:off x="626392" y="1906042"/>
+            <a:ext cx="9234488" cy="4536504"/>
           </a:xfrm>
         </p:spPr>
         <p:txBody>
@@ -17891,97 +18419,72 @@
           <a:lstStyle/>
           <a:p>
             <a:r>
+              <a:rPr lang="es-AR" noProof="0" dirty="0" smtClean="0"/>
+              <a:t>RR “A”: </a:t>
+            </a:r>
+            <a:r>
+              <a:rPr lang="es-AR" i="1" noProof="0" dirty="0" err="1" smtClean="0"/>
+              <a:t>Address</a:t>
+            </a:r>
+            <a:endParaRPr lang="es-AR" noProof="0" dirty="0" smtClean="0"/>
+          </a:p>
+          <a:p>
+            <a:pPr lvl="1"/>
+            <a:r>
               <a:rPr lang="es-AR" dirty="0" smtClean="0"/>
-              <a:t>RR “CNAME”: </a:t>
-            </a:r>
-            <a:r>
-              <a:rPr lang="es-AR" i="1" dirty="0" smtClean="0"/>
-              <a:t>Canonical Name</a:t>
-            </a:r>
-            <a:endParaRPr lang="es-AR" dirty="0" smtClean="0"/>
+              <a:t>Los registros A establecen las correspondencias entre direcciones IP y nombres de dominio</a:t>
+            </a:r>
           </a:p>
           <a:p>
             <a:pPr lvl="1"/>
             <a:r>
               <a:rPr lang="es-AR" dirty="0" smtClean="0"/>
-              <a:t>Son el equivalente de los aliases o de los links simbólicos. </a:t>
-            </a:r>
-          </a:p>
-          <a:p>
-            <a:pPr lvl="2"/>
+              <a:t>Idem IPv6: “AAAA”</a:t>
+            </a:r>
+          </a:p>
+          <a:p>
             <a:r>
               <a:rPr lang="es-AR" dirty="0" smtClean="0"/>
-              <a:t>Establecen una correspondencia entre dos nombres</a:t>
+              <a:t>Formato “Zone File” de BIND</a:t>
             </a:r>
           </a:p>
           <a:p>
             <a:pPr lvl="1"/>
-            <a:r>
-              <a:rPr lang="es-AR" dirty="0" smtClean="0"/>
-              <a:t>Ejemplo:</a:t>
-            </a:r>
-          </a:p>
-          <a:p>
-            <a:pPr lvl="2"/>
-            <a:r>
-              <a:rPr lang="es-AR" dirty="0">
-                <a:latin typeface="Monaco"/>
-                <a:cs typeface="Monaco"/>
-              </a:rPr>
-              <a:t>www IN </a:t>
-            </a:r>
             <a:r>
               <a:rPr lang="es-AR" dirty="0" smtClean="0">
                 <a:latin typeface="Monaco"/>
                 <a:cs typeface="Monaco"/>
               </a:rPr>
-              <a:t>CNAME maquina.lacnic.net.</a:t>
-            </a:r>
-            <a:endParaRPr lang="es-AR" dirty="0" smtClean="0"/>
+              <a:t>www IN A 200.7.85.220</a:t>
+            </a:r>
           </a:p>
           <a:p>
             <a:pPr lvl="1"/>
             <a:r>
-              <a:rPr lang="es-AR" dirty="0" smtClean="0"/>
-              <a:t>En teoría para resolver completamente a la dirección hacen falta dos consultas</a:t>
-            </a:r>
-          </a:p>
-          <a:p>
-            <a:pPr lvl="2"/>
-            <a:r>
-              <a:rPr lang="es-AR" dirty="0" smtClean="0"/>
-              <a:t>En la práctica los servidores ya devuelven el “A” correspondiente en la sección </a:t>
-            </a:r>
-            <a:r>
-              <a:rPr lang="es-AR" i="1" u="sng" dirty="0" smtClean="0"/>
-              <a:t>Additional</a:t>
-            </a:r>
-            <a:r>
-              <a:rPr lang="es-AR" dirty="0" smtClean="0"/>
-              <a:t> de la consulta (ya lo vamos a ver)</a:t>
-            </a:r>
-          </a:p>
-          <a:p>
-            <a:pPr lvl="1"/>
-            <a:endParaRPr lang="es-AR" dirty="0" smtClean="0"/>
+              <a:rPr lang="es-AR" dirty="0" smtClean="0">
+                <a:latin typeface="Monaco"/>
+                <a:cs typeface="Monaco"/>
+              </a:rPr>
+              <a:t>www IN AAAA 2001:13C7::2</a:t>
+            </a:r>
           </a:p>
         </p:txBody>
       </p:sp>
     </p:spTree>
     <p:extLst>
       <p:ext uri="{BB962C8B-B14F-4D97-AF65-F5344CB8AC3E}">
-        <p14:creationId xmlns:p14="http://schemas.microsoft.com/office/powerpoint/2010/main" val="1301480237"/>
+        <p14:creationId xmlns:p14="http://schemas.microsoft.com/office/powerpoint/2010/main" val="9736123"/>
       </p:ext>
     </p:extLst>
   </p:cSld>
   <p:clrMapOvr>
     <a:masterClrMapping/>
   </p:clrMapOvr>
-  <p:transition xmlns:p14="http://schemas.microsoft.com/office/powerpoint/2010/main"/>
+  <p:transition/>
   <p:timing>
     <p:tnLst>
       <p:par>
-        <p:cTn xmlns:p14="http://schemas.microsoft.com/office/powerpoint/2010/main" id="1" dur="indefinite" restart="never" nodeType="tmRoot"/>
+        <p:cTn id="1" dur="indefinite" restart="never" nodeType="tmRoot"/>
       </p:par>
     </p:tnLst>
   </p:timing>
@@ -18017,18 +18520,27 @@
         </p:nvSpPr>
         <p:spPr/>
         <p:txBody>
-          <a:bodyPr/>
+          <a:bodyPr>
+            <a:normAutofit/>
+          </a:bodyPr>
           <a:lstStyle/>
           <a:p>
             <a:r>
-              <a:rPr lang="en-US" dirty="0" smtClean="0"/>
+              <a:rPr lang="es-AR" noProof="0" dirty="0" smtClean="0"/>
               <a:t>Resource Records: </a:t>
             </a:r>
-            <a:r>
-              <a:rPr lang="en-US" i="1" dirty="0" smtClean="0"/>
-              <a:t>“PTR”</a:t>
-            </a:r>
-            <a:endParaRPr lang="en-US" i="1" dirty="0"/>
+            <a:br>
+              <a:rPr lang="es-AR" noProof="0" dirty="0" smtClean="0"/>
+            </a:br>
+            <a:r>
+              <a:rPr lang="es-AR" noProof="0" dirty="0" smtClean="0"/>
+              <a:t>“</a:t>
+            </a:r>
+            <a:r>
+              <a:rPr lang="es-AR" i="1" dirty="0" smtClean="0"/>
+              <a:t>CNAME”</a:t>
+            </a:r>
+            <a:endParaRPr lang="es-AR" noProof="0" dirty="0"/>
           </a:p>
         </p:txBody>
       </p:sp>
@@ -18044,8 +18556,8 @@
         </p:nvSpPr>
         <p:spPr>
           <a:xfrm>
-            <a:off x="504825" y="1762026"/>
-            <a:ext cx="9234488" cy="5459412"/>
+            <a:off x="626392" y="1762026"/>
+            <a:ext cx="9234488" cy="5472608"/>
           </a:xfrm>
         </p:spPr>
         <p:txBody>
@@ -18053,49 +18565,27 @@
           <a:lstStyle/>
           <a:p>
             <a:r>
-              <a:rPr lang="es-AR" dirty="0"/>
-              <a:t>RR “PTR”: </a:t>
-            </a:r>
-            <a:r>
-              <a:rPr lang="es-AR" i="1" dirty="0"/>
-              <a:t>Pointer</a:t>
-            </a:r>
-            <a:endParaRPr lang="es-AR" dirty="0"/>
+              <a:rPr lang="es-AR" dirty="0" smtClean="0"/>
+              <a:t>RR “CNAME”: </a:t>
+            </a:r>
+            <a:r>
+              <a:rPr lang="es-AR" i="1" dirty="0" smtClean="0"/>
+              <a:t>Canonical Name</a:t>
+            </a:r>
+            <a:endParaRPr lang="es-AR" dirty="0" smtClean="0"/>
           </a:p>
           <a:p>
             <a:pPr lvl="1"/>
             <a:r>
-              <a:rPr lang="es-AR" dirty="0"/>
-              <a:t>Los registros PTR establecen enlaces o punteros entre nombres de DNS, es muy similar conceptualmente al CNAME</a:t>
+              <a:rPr lang="es-AR" dirty="0" smtClean="0"/>
+              <a:t>Son el equivalente de los aliases o de los links simbólicos. </a:t>
             </a:r>
           </a:p>
           <a:p>
             <a:pPr lvl="2"/>
             <a:r>
-              <a:rPr lang="es-AR" dirty="0"/>
-              <a:t>El principal uso es construir el dominio </a:t>
-            </a:r>
-            <a:r>
-              <a:rPr lang="es-AR" dirty="0">
-                <a:latin typeface="Courier New" pitchFamily="49" charset="0"/>
-                <a:cs typeface="Courier New" pitchFamily="49" charset="0"/>
-              </a:rPr>
-              <a:t>in-addr.arpa</a:t>
-            </a:r>
-            <a:r>
-              <a:rPr lang="es-AR" dirty="0"/>
-              <a:t> que contiene los </a:t>
-            </a:r>
-            <a:r>
               <a:rPr lang="es-AR" dirty="0" smtClean="0"/>
-              <a:t>reversos</a:t>
-            </a:r>
-          </a:p>
-          <a:p>
-            <a:pPr lvl="1"/>
-            <a:r>
-              <a:rPr lang="es-AR" dirty="0" smtClean="0"/>
-              <a:t>Los clientes DNS transforman una consulta por IP, asumiendo que es una reversa, por una consulta bajo “in-addr.arpa”</a:t>
+              <a:t>Establecen una correspondencia entre dos nombres</a:t>
             </a:r>
           </a:p>
           <a:p>
@@ -18107,75 +18597,65 @@
           </a:p>
           <a:p>
             <a:pPr lvl="2"/>
+            <a:r>
+              <a:rPr lang="es-AR" dirty="0">
+                <a:latin typeface="Monaco"/>
+                <a:cs typeface="Monaco"/>
+              </a:rPr>
+              <a:t>www IN </a:t>
+            </a:r>
             <a:r>
               <a:rPr lang="es-AR" dirty="0" smtClean="0">
                 <a:latin typeface="Monaco"/>
                 <a:cs typeface="Monaco"/>
               </a:rPr>
-              <a:t>220.85.7.200.in-addr.arpa. </a:t>
-            </a:r>
-            <a:r>
-              <a:rPr lang="es-AR" dirty="0">
-                <a:latin typeface="Monaco"/>
-                <a:cs typeface="Monaco"/>
-              </a:rPr>
-              <a:t>IN </a:t>
-            </a:r>
-            <a:r>
-              <a:rPr lang="es-AR" dirty="0" smtClean="0">
-                <a:latin typeface="Monaco"/>
-                <a:cs typeface="Monaco"/>
-              </a:rPr>
-              <a:t>PTR www.lacnic.net.</a:t>
-            </a:r>
-          </a:p>
-          <a:p>
-            <a:pPr marL="100012" indent="0">
-              <a:buNone/>
-            </a:pPr>
-            <a:endParaRPr lang="en-US" dirty="0"/>
-          </a:p>
-        </p:txBody>
-      </p:sp>
-      <p:sp>
-        <p:nvSpPr>
-          <p:cNvPr id="4" name="Slide Number Placeholder 3"/>
-          <p:cNvSpPr>
-            <a:spLocks noGrp="1"/>
-          </p:cNvSpPr>
-          <p:nvPr>
-            <p:ph type="sldNum" sz="quarter" idx="10"/>
-          </p:nvPr>
-        </p:nvSpPr>
-        <p:spPr/>
-        <p:txBody>
-          <a:bodyPr/>
-          <a:lstStyle/>
-          <a:p>
-            <a:fld id="{3EC16F56-31A1-8849-B716-24606A27C39E}" type="slidenum">
-              <a:rPr lang="en-US" smtClean="0"/>
-              <a:pPr/>
-              <a:t>24</a:t>
-            </a:fld>
-            <a:endParaRPr lang="en-US"/>
+              <a:t>CNAME maquina.lacnic.net.</a:t>
+            </a:r>
+            <a:endParaRPr lang="es-AR" dirty="0" smtClean="0"/>
+          </a:p>
+          <a:p>
+            <a:pPr lvl="1"/>
+            <a:r>
+              <a:rPr lang="es-AR" dirty="0" smtClean="0"/>
+              <a:t>En teoría para resolver completamente a la dirección hacen falta dos consultas</a:t>
+            </a:r>
+          </a:p>
+          <a:p>
+            <a:pPr lvl="2"/>
+            <a:r>
+              <a:rPr lang="es-AR" dirty="0" smtClean="0"/>
+              <a:t>En la práctica los servidores ya devuelven el “A” correspondiente en la sección </a:t>
+            </a:r>
+            <a:r>
+              <a:rPr lang="es-AR" i="1" u="sng" dirty="0" smtClean="0"/>
+              <a:t>Additional</a:t>
+            </a:r>
+            <a:r>
+              <a:rPr lang="es-AR" dirty="0" smtClean="0"/>
+              <a:t> de la consulta (ya lo vamos a ver)</a:t>
+            </a:r>
+          </a:p>
+          <a:p>
+            <a:pPr lvl="1"/>
+            <a:endParaRPr lang="es-AR" dirty="0" smtClean="0"/>
           </a:p>
         </p:txBody>
       </p:sp>
     </p:spTree>
     <p:extLst>
       <p:ext uri="{BB962C8B-B14F-4D97-AF65-F5344CB8AC3E}">
-        <p14:creationId xmlns:p14="http://schemas.microsoft.com/office/powerpoint/2010/main" val="3616362998"/>
+        <p14:creationId xmlns:p14="http://schemas.microsoft.com/office/powerpoint/2010/main" val="1301480237"/>
       </p:ext>
     </p:extLst>
   </p:cSld>
   <p:clrMapOvr>
     <a:masterClrMapping/>
   </p:clrMapOvr>
-  <p:transition xmlns:p14="http://schemas.microsoft.com/office/powerpoint/2010/main"/>
+  <p:transition/>
   <p:timing>
     <p:tnLst>
       <p:par>
-        <p:cTn xmlns:p14="http://schemas.microsoft.com/office/powerpoint/2010/main" id="1" dur="indefinite" restart="never" nodeType="tmRoot"/>
+        <p:cTn id="1" dur="indefinite" restart="never" nodeType="tmRoot"/>
       </p:par>
     </p:tnLst>
   </p:timing>
@@ -18220,6 +18700,200 @@
             </a:r>
             <a:r>
               <a:rPr lang="en-US" i="1" dirty="0" smtClean="0"/>
+              <a:t>“PTR”</a:t>
+            </a:r>
+            <a:endParaRPr lang="en-US" i="1" dirty="0"/>
+          </a:p>
+        </p:txBody>
+      </p:sp>
+      <p:sp>
+        <p:nvSpPr>
+          <p:cNvPr id="3" name="Content Placeholder 2"/>
+          <p:cNvSpPr>
+            <a:spLocks noGrp="1"/>
+          </p:cNvSpPr>
+          <p:nvPr>
+            <p:ph idx="1"/>
+          </p:nvPr>
+        </p:nvSpPr>
+        <p:spPr>
+          <a:xfrm>
+            <a:off x="504825" y="1762026"/>
+            <a:ext cx="9234488" cy="5459412"/>
+          </a:xfrm>
+        </p:spPr>
+        <p:txBody>
+          <a:bodyPr/>
+          <a:lstStyle/>
+          <a:p>
+            <a:r>
+              <a:rPr lang="es-AR" dirty="0"/>
+              <a:t>RR “PTR”: </a:t>
+            </a:r>
+            <a:r>
+              <a:rPr lang="es-AR" i="1" dirty="0"/>
+              <a:t>Pointer</a:t>
+            </a:r>
+            <a:endParaRPr lang="es-AR" dirty="0"/>
+          </a:p>
+          <a:p>
+            <a:pPr lvl="1"/>
+            <a:r>
+              <a:rPr lang="es-AR" dirty="0"/>
+              <a:t>Los registros PTR establecen enlaces o punteros entre nombres de DNS, es muy similar conceptualmente al CNAME</a:t>
+            </a:r>
+          </a:p>
+          <a:p>
+            <a:pPr lvl="2"/>
+            <a:r>
+              <a:rPr lang="es-AR" dirty="0"/>
+              <a:t>El principal uso es construir el dominio </a:t>
+            </a:r>
+            <a:r>
+              <a:rPr lang="es-AR" dirty="0">
+                <a:latin typeface="Courier New" pitchFamily="49" charset="0"/>
+                <a:cs typeface="Courier New" pitchFamily="49" charset="0"/>
+              </a:rPr>
+              <a:t>in-addr.arpa</a:t>
+            </a:r>
+            <a:r>
+              <a:rPr lang="es-AR" dirty="0"/>
+              <a:t> que contiene los </a:t>
+            </a:r>
+            <a:r>
+              <a:rPr lang="es-AR" dirty="0" smtClean="0"/>
+              <a:t>reversos</a:t>
+            </a:r>
+          </a:p>
+          <a:p>
+            <a:pPr lvl="1"/>
+            <a:r>
+              <a:rPr lang="es-AR" dirty="0" smtClean="0"/>
+              <a:t>Los clientes DNS transforman una consulta por IP, asumiendo que es una reversa, por una consulta bajo “in-addr.arpa”</a:t>
+            </a:r>
+          </a:p>
+          <a:p>
+            <a:pPr lvl="1"/>
+            <a:r>
+              <a:rPr lang="es-AR" dirty="0" smtClean="0"/>
+              <a:t>Ejemplo:</a:t>
+            </a:r>
+          </a:p>
+          <a:p>
+            <a:pPr lvl="2"/>
+            <a:r>
+              <a:rPr lang="es-AR" dirty="0" smtClean="0">
+                <a:latin typeface="Monaco"/>
+                <a:cs typeface="Monaco"/>
+              </a:rPr>
+              <a:t>220.85.7.200.in-addr.arpa. </a:t>
+            </a:r>
+            <a:r>
+              <a:rPr lang="es-AR" dirty="0">
+                <a:latin typeface="Monaco"/>
+                <a:cs typeface="Monaco"/>
+              </a:rPr>
+              <a:t>IN </a:t>
+            </a:r>
+            <a:r>
+              <a:rPr lang="es-AR" dirty="0" smtClean="0">
+                <a:latin typeface="Monaco"/>
+                <a:cs typeface="Monaco"/>
+              </a:rPr>
+              <a:t>PTR www.lacnic.net.</a:t>
+            </a:r>
+          </a:p>
+          <a:p>
+            <a:pPr marL="100012" indent="0">
+              <a:buNone/>
+            </a:pPr>
+            <a:endParaRPr lang="en-US" dirty="0"/>
+          </a:p>
+        </p:txBody>
+      </p:sp>
+      <p:sp>
+        <p:nvSpPr>
+          <p:cNvPr id="4" name="Slide Number Placeholder 3"/>
+          <p:cNvSpPr>
+            <a:spLocks noGrp="1"/>
+          </p:cNvSpPr>
+          <p:nvPr>
+            <p:ph type="sldNum" sz="quarter" idx="10"/>
+          </p:nvPr>
+        </p:nvSpPr>
+        <p:spPr/>
+        <p:txBody>
+          <a:bodyPr/>
+          <a:lstStyle/>
+          <a:p>
+            <a:fld id="{3EC16F56-31A1-8849-B716-24606A27C39E}" type="slidenum">
+              <a:rPr lang="en-US" smtClean="0"/>
+              <a:pPr/>
+              <a:t>25</a:t>
+            </a:fld>
+            <a:endParaRPr lang="en-US"/>
+          </a:p>
+        </p:txBody>
+      </p:sp>
+    </p:spTree>
+    <p:extLst>
+      <p:ext uri="{BB962C8B-B14F-4D97-AF65-F5344CB8AC3E}">
+        <p14:creationId xmlns:p14="http://schemas.microsoft.com/office/powerpoint/2010/main" val="3616362998"/>
+      </p:ext>
+    </p:extLst>
+  </p:cSld>
+  <p:clrMapOvr>
+    <a:masterClrMapping/>
+  </p:clrMapOvr>
+  <p:transition/>
+  <p:timing>
+    <p:tnLst>
+      <p:par>
+        <p:cTn id="1" dur="indefinite" restart="never" nodeType="tmRoot"/>
+      </p:par>
+    </p:tnLst>
+  </p:timing>
+</p:sld>
+</file>
+
+<file path=ppt/slides/slide26.xml><?xml version="1.0" encoding="utf-8"?>
+<p:sld xmlns:a="http://schemas.openxmlformats.org/drawingml/2006/main" xmlns:r="http://schemas.openxmlformats.org/officeDocument/2006/relationships" xmlns:p="http://schemas.openxmlformats.org/presentationml/2006/main">
+  <p:cSld>
+    <p:spTree>
+      <p:nvGrpSpPr>
+        <p:cNvPr id="1" name=""/>
+        <p:cNvGrpSpPr/>
+        <p:nvPr/>
+      </p:nvGrpSpPr>
+      <p:grpSpPr>
+        <a:xfrm>
+          <a:off x="0" y="0"/>
+          <a:ext cx="0" cy="0"/>
+          <a:chOff x="0" y="0"/>
+          <a:chExt cx="0" cy="0"/>
+        </a:xfrm>
+      </p:grpSpPr>
+      <p:sp>
+        <p:nvSpPr>
+          <p:cNvPr id="2" name="Title 1"/>
+          <p:cNvSpPr>
+            <a:spLocks noGrp="1"/>
+          </p:cNvSpPr>
+          <p:nvPr>
+            <p:ph type="title"/>
+          </p:nvPr>
+        </p:nvSpPr>
+        <p:spPr/>
+        <p:txBody>
+          <a:bodyPr/>
+          <a:lstStyle/>
+          <a:p>
+            <a:r>
+              <a:rPr lang="en-US" dirty="0" smtClean="0"/>
+              <a:t>Resource Records: </a:t>
+            </a:r>
+            <a:r>
+              <a:rPr lang="en-US" i="1" dirty="0" smtClean="0"/>
               <a:t>“MX”</a:t>
             </a:r>
             <a:endParaRPr lang="en-US" dirty="0"/>
@@ -18509,7 +19183,7 @@
             <a:fld id="{3EC16F56-31A1-8849-B716-24606A27C39E}" type="slidenum">
               <a:rPr lang="en-US" smtClean="0"/>
               <a:pPr/>
-              <a:t>25</a:t>
+              <a:t>26</a:t>
             </a:fld>
             <a:endParaRPr lang="en-US"/>
           </a:p>
@@ -18525,11 +19199,11 @@
   <p:clrMapOvr>
     <a:masterClrMapping/>
   </p:clrMapOvr>
-  <p:transition xmlns:p14="http://schemas.microsoft.com/office/powerpoint/2010/main"/>
+  <p:transition/>
 </p:sld>
 </file>
 
-<file path=ppt/slides/slide26.xml><?xml version="1.0" encoding="utf-8"?>
+<file path=ppt/slides/slide27.xml><?xml version="1.0" encoding="utf-8"?>
 <p:sld xmlns:a="http://schemas.openxmlformats.org/drawingml/2006/main" xmlns:r="http://schemas.openxmlformats.org/officeDocument/2006/relationships" xmlns:p="http://schemas.openxmlformats.org/presentationml/2006/main">
   <p:cSld>
     <p:spTree>
@@ -18995,18 +19669,412 @@
   <p:clrMapOvr>
     <a:masterClrMapping/>
   </p:clrMapOvr>
-  <p:transition xmlns:p14="http://schemas.microsoft.com/office/powerpoint/2010/main"/>
+  <p:transition/>
   <p:timing>
     <p:tnLst>
       <p:par>
-        <p:cTn xmlns:p14="http://schemas.microsoft.com/office/powerpoint/2010/main" id="1" dur="indefinite" restart="never" nodeType="tmRoot"/>
+        <p:cTn id="1" dur="indefinite" restart="never" nodeType="tmRoot"/>
       </p:par>
     </p:tnLst>
   </p:timing>
 </p:sld>
 </file>
 
-<file path=ppt/slides/slide27.xml><?xml version="1.0" encoding="utf-8"?>
+<file path=ppt/slides/slide28.xml><?xml version="1.0" encoding="utf-8"?>
+<p:sld xmlns:a="http://schemas.openxmlformats.org/drawingml/2006/main" xmlns:r="http://schemas.openxmlformats.org/officeDocument/2006/relationships" xmlns:p="http://schemas.openxmlformats.org/presentationml/2006/main">
+  <p:cSld>
+    <p:spTree>
+      <p:nvGrpSpPr>
+        <p:cNvPr id="1" name=""/>
+        <p:cNvGrpSpPr/>
+        <p:nvPr/>
+      </p:nvGrpSpPr>
+      <p:grpSpPr>
+        <a:xfrm>
+          <a:off x="0" y="0"/>
+          <a:ext cx="0" cy="0"/>
+          <a:chOff x="0" y="0"/>
+          <a:chExt cx="0" cy="0"/>
+        </a:xfrm>
+      </p:grpSpPr>
+      <p:sp>
+        <p:nvSpPr>
+          <p:cNvPr id="2" name="Title 1"/>
+          <p:cNvSpPr>
+            <a:spLocks noGrp="1"/>
+          </p:cNvSpPr>
+          <p:nvPr>
+            <p:ph type="title"/>
+          </p:nvPr>
+        </p:nvSpPr>
+        <p:spPr>
+          <a:xfrm>
+            <a:off x="2228032" y="321866"/>
+            <a:ext cx="7566025" cy="1025227"/>
+          </a:xfrm>
+        </p:spPr>
+        <p:txBody>
+          <a:bodyPr>
+            <a:normAutofit fontScale="90000"/>
+          </a:bodyPr>
+          <a:lstStyle/>
+          <a:p>
+            <a:r>
+              <a:rPr lang="en-US" dirty="0" smtClean="0"/>
+              <a:t/>
+            </a:r>
+            <a:br>
+              <a:rPr lang="en-US" dirty="0" smtClean="0"/>
+            </a:br>
+            <a:r>
+              <a:rPr lang="en-US" dirty="0" smtClean="0"/>
+              <a:t>Resource Records:</a:t>
+            </a:r>
+            <a:br>
+              <a:rPr lang="en-US" dirty="0" smtClean="0"/>
+            </a:br>
+            <a:r>
+              <a:rPr lang="en-US" dirty="0" smtClean="0"/>
+              <a:t>“NS” y </a:t>
+            </a:r>
+            <a:r>
+              <a:rPr lang="en-US" dirty="0" err="1" smtClean="0"/>
+              <a:t>delegación</a:t>
+            </a:r>
+            <a:endParaRPr lang="en-US" dirty="0"/>
+          </a:p>
+        </p:txBody>
+      </p:sp>
+      <p:sp>
+        <p:nvSpPr>
+          <p:cNvPr id="3" name="Content Placeholder 2"/>
+          <p:cNvSpPr>
+            <a:spLocks noGrp="1"/>
+          </p:cNvSpPr>
+          <p:nvPr>
+            <p:ph idx="1"/>
+          </p:nvPr>
+        </p:nvSpPr>
+        <p:spPr>
+          <a:xfrm>
+            <a:off x="503635" y="2122065"/>
+            <a:ext cx="9065419" cy="5182551"/>
+          </a:xfrm>
+        </p:spPr>
+        <p:txBody>
+          <a:bodyPr>
+            <a:normAutofit/>
+          </a:bodyPr>
+          <a:lstStyle/>
+          <a:p>
+            <a:r>
+              <a:rPr lang="en-US" dirty="0" smtClean="0"/>
+              <a:t>RR “NS”: </a:t>
+            </a:r>
+            <a:r>
+              <a:rPr lang="en-US" i="1" dirty="0" smtClean="0"/>
+              <a:t>Name Server</a:t>
+            </a:r>
+          </a:p>
+          <a:p>
+            <a:pPr lvl="1"/>
+            <a:r>
+              <a:rPr lang="en-US" i="1" dirty="0" smtClean="0">
+                <a:solidFill>
+                  <a:srgbClr val="3C8C93"/>
+                </a:solidFill>
+              </a:rPr>
+              <a:t>La </a:t>
+            </a:r>
+            <a:r>
+              <a:rPr lang="en-US" i="1" dirty="0" err="1" smtClean="0">
+                <a:solidFill>
+                  <a:srgbClr val="3C8C93"/>
+                </a:solidFill>
+              </a:rPr>
+              <a:t>presencia</a:t>
+            </a:r>
+            <a:r>
+              <a:rPr lang="en-US" i="1" dirty="0" smtClean="0">
+                <a:solidFill>
+                  <a:srgbClr val="3C8C93"/>
+                </a:solidFill>
+              </a:rPr>
+              <a:t> de un </a:t>
+            </a:r>
+            <a:r>
+              <a:rPr lang="en-US" i="1" dirty="0" err="1" smtClean="0">
+                <a:solidFill>
+                  <a:srgbClr val="3C8C93"/>
+                </a:solidFill>
+              </a:rPr>
+              <a:t>registro</a:t>
+            </a:r>
+            <a:r>
+              <a:rPr lang="en-US" i="1" dirty="0" smtClean="0">
+                <a:solidFill>
+                  <a:srgbClr val="3C8C93"/>
+                </a:solidFill>
+              </a:rPr>
+              <a:t> NS </a:t>
+            </a:r>
+            <a:r>
+              <a:rPr lang="en-US" i="1" dirty="0" err="1" smtClean="0">
+                <a:solidFill>
+                  <a:srgbClr val="3C8C93"/>
+                </a:solidFill>
+              </a:rPr>
+              <a:t>es</a:t>
+            </a:r>
+            <a:r>
+              <a:rPr lang="en-US" i="1" dirty="0" smtClean="0">
+                <a:solidFill>
+                  <a:srgbClr val="3C8C93"/>
+                </a:solidFill>
+              </a:rPr>
+              <a:t> un “</a:t>
+            </a:r>
+            <a:r>
+              <a:rPr lang="en-US" i="1" dirty="0" err="1" smtClean="0">
+                <a:solidFill>
+                  <a:srgbClr val="3C8C93"/>
+                </a:solidFill>
+              </a:rPr>
+              <a:t>corte</a:t>
+            </a:r>
+            <a:r>
+              <a:rPr lang="en-US" i="1" dirty="0" smtClean="0">
+                <a:solidFill>
+                  <a:srgbClr val="3C8C93"/>
+                </a:solidFill>
+              </a:rPr>
+              <a:t> de zona”, de </a:t>
+            </a:r>
+            <a:r>
+              <a:rPr lang="en-US" i="1" dirty="0" err="1" smtClean="0">
+                <a:solidFill>
+                  <a:srgbClr val="3C8C93"/>
+                </a:solidFill>
+              </a:rPr>
+              <a:t>ahí</a:t>
+            </a:r>
+            <a:r>
+              <a:rPr lang="en-US" i="1" dirty="0" smtClean="0">
+                <a:solidFill>
+                  <a:srgbClr val="3C8C93"/>
+                </a:solidFill>
+              </a:rPr>
+              <a:t> </a:t>
+            </a:r>
+            <a:r>
+              <a:rPr lang="en-US" i="1" dirty="0" err="1" smtClean="0">
+                <a:solidFill>
+                  <a:srgbClr val="3C8C93"/>
+                </a:solidFill>
+              </a:rPr>
+              <a:t>hacia</a:t>
+            </a:r>
+            <a:r>
+              <a:rPr lang="en-US" i="1" dirty="0" smtClean="0">
+                <a:solidFill>
+                  <a:srgbClr val="3C8C93"/>
+                </a:solidFill>
+              </a:rPr>
+              <a:t> </a:t>
+            </a:r>
+            <a:r>
+              <a:rPr lang="en-US" i="1" dirty="0" err="1" smtClean="0">
+                <a:solidFill>
+                  <a:srgbClr val="3C8C93"/>
+                </a:solidFill>
+              </a:rPr>
+              <a:t>abajo</a:t>
+            </a:r>
+            <a:r>
+              <a:rPr lang="en-US" i="1" dirty="0" smtClean="0">
+                <a:solidFill>
+                  <a:srgbClr val="3C8C93"/>
+                </a:solidFill>
+              </a:rPr>
+              <a:t> se </a:t>
+            </a:r>
+            <a:r>
+              <a:rPr lang="en-US" i="1" dirty="0" err="1" smtClean="0">
+                <a:solidFill>
+                  <a:srgbClr val="3C8C93"/>
+                </a:solidFill>
+              </a:rPr>
+              <a:t>apunta</a:t>
+            </a:r>
+            <a:r>
+              <a:rPr lang="en-US" i="1" dirty="0" smtClean="0">
+                <a:solidFill>
+                  <a:srgbClr val="3C8C93"/>
+                </a:solidFill>
+              </a:rPr>
+              <a:t> a </a:t>
+            </a:r>
+            <a:r>
+              <a:rPr lang="en-US" i="1" dirty="0" err="1" smtClean="0">
+                <a:solidFill>
+                  <a:srgbClr val="3C8C93"/>
+                </a:solidFill>
+              </a:rPr>
+              <a:t>los</a:t>
+            </a:r>
+            <a:r>
+              <a:rPr lang="en-US" i="1" dirty="0" smtClean="0">
+                <a:solidFill>
+                  <a:srgbClr val="3C8C93"/>
+                </a:solidFill>
+              </a:rPr>
+              <a:t> </a:t>
+            </a:r>
+            <a:r>
+              <a:rPr lang="en-US" i="1" dirty="0" err="1" smtClean="0">
+                <a:solidFill>
+                  <a:srgbClr val="3C8C93"/>
+                </a:solidFill>
+              </a:rPr>
+              <a:t>servidores</a:t>
+            </a:r>
+            <a:r>
+              <a:rPr lang="en-US" i="1" dirty="0" smtClean="0">
+                <a:solidFill>
+                  <a:srgbClr val="3C8C93"/>
+                </a:solidFill>
+              </a:rPr>
+              <a:t>  </a:t>
+            </a:r>
+            <a:r>
+              <a:rPr lang="en-US" i="1" dirty="0" err="1" smtClean="0">
+                <a:solidFill>
+                  <a:srgbClr val="3C8C93"/>
+                </a:solidFill>
+              </a:rPr>
+              <a:t>listados</a:t>
+            </a:r>
+            <a:r>
+              <a:rPr lang="en-US" i="1" dirty="0" smtClean="0">
+                <a:solidFill>
+                  <a:srgbClr val="3C8C93"/>
+                </a:solidFill>
+              </a:rPr>
+              <a:t> </a:t>
+            </a:r>
+            <a:r>
+              <a:rPr lang="en-US" i="1" dirty="0" err="1" smtClean="0">
+                <a:solidFill>
+                  <a:srgbClr val="3C8C93"/>
+                </a:solidFill>
+              </a:rPr>
+              <a:t>en</a:t>
+            </a:r>
+            <a:r>
+              <a:rPr lang="en-US" i="1" dirty="0" smtClean="0">
+                <a:solidFill>
+                  <a:srgbClr val="3C8C93"/>
+                </a:solidFill>
+              </a:rPr>
+              <a:t> </a:t>
+            </a:r>
+            <a:r>
+              <a:rPr lang="en-US" i="1" dirty="0" err="1" smtClean="0">
+                <a:solidFill>
+                  <a:srgbClr val="3C8C93"/>
+                </a:solidFill>
+              </a:rPr>
+              <a:t>los</a:t>
+            </a:r>
+            <a:r>
+              <a:rPr lang="en-US" i="1" dirty="0" smtClean="0">
+                <a:solidFill>
+                  <a:srgbClr val="3C8C93"/>
+                </a:solidFill>
+              </a:rPr>
+              <a:t> NS</a:t>
+            </a:r>
+            <a:endParaRPr lang="en-US" i="1" dirty="0" smtClean="0">
+              <a:solidFill>
+                <a:srgbClr val="3C8C93"/>
+              </a:solidFill>
+            </a:endParaRPr>
+          </a:p>
+          <a:p>
+            <a:r>
+              <a:rPr lang="en-US" dirty="0" err="1" smtClean="0"/>
+              <a:t>Ejemplo</a:t>
+            </a:r>
+            <a:r>
+              <a:rPr lang="en-US" dirty="0" smtClean="0"/>
+              <a:t>:</a:t>
+            </a:r>
+          </a:p>
+          <a:p>
+            <a:pPr lvl="1"/>
+            <a:r>
+              <a:rPr lang="es-AR" dirty="0">
+                <a:latin typeface="Monaco"/>
+                <a:cs typeface="Monaco"/>
+              </a:rPr>
+              <a:t>lacnic.net. IN </a:t>
+            </a:r>
+            <a:r>
+              <a:rPr lang="es-AR" dirty="0" smtClean="0">
+                <a:latin typeface="Monaco"/>
+                <a:cs typeface="Monaco"/>
+              </a:rPr>
+              <a:t>NS ns1.lacnic.net.</a:t>
+            </a:r>
+          </a:p>
+          <a:p>
+            <a:pPr lvl="1"/>
+            <a:r>
+              <a:rPr lang="es-AR" dirty="0" smtClean="0">
+                <a:latin typeface="Monaco"/>
+                <a:cs typeface="Monaco"/>
+              </a:rPr>
+              <a:t>ns1.lacnic.net. IN A 200.7.85.220</a:t>
+            </a:r>
+          </a:p>
+          <a:p>
+            <a:pPr lvl="2"/>
+            <a:r>
+              <a:rPr lang="es-AR" dirty="0" smtClean="0">
+                <a:latin typeface="Arial Bold"/>
+                <a:cs typeface="Arial Bold"/>
+              </a:rPr>
+              <a:t>Glue record</a:t>
+            </a:r>
+            <a:endParaRPr lang="en-US" dirty="0">
+              <a:latin typeface="Arial Bold"/>
+              <a:cs typeface="Arial Bold"/>
+            </a:endParaRPr>
+          </a:p>
+        </p:txBody>
+      </p:sp>
+    </p:spTree>
+    <p:extLst>
+      <p:ext uri="{BB962C8B-B14F-4D97-AF65-F5344CB8AC3E}">
+        <p14:creationId xmlns:p14="http://schemas.microsoft.com/office/powerpoint/2010/main" val="828933728"/>
+      </p:ext>
+    </p:extLst>
+  </p:cSld>
+  <p:clrMapOvr>
+    <a:masterClrMapping/>
+  </p:clrMapOvr>
+  <p:transition/>
+  <p:timing>
+    <p:tnLst>
+      <p:par>
+        <p:cTn id="1" dur="indefinite" restart="never" nodeType="tmRoot"/>
+      </p:par>
+    </p:tnLst>
+  </p:timing>
+</p:sld>
+</file>
+
+<file path=ppt/slides/slide29.xml><?xml version="1.0" encoding="utf-8"?>
 <p:sld xmlns:a="http://schemas.openxmlformats.org/drawingml/2006/main" xmlns:r="http://schemas.openxmlformats.org/officeDocument/2006/relationships" xmlns:p="http://schemas.openxmlformats.org/presentationml/2006/main">
   <p:cSld>
     <p:spTree>
@@ -19173,7 +20241,7 @@
             <a:fld id="{3EC16F56-31A1-8849-B716-24606A27C39E}" type="slidenum">
               <a:rPr lang="en-US" smtClean="0"/>
               <a:pPr/>
-              <a:t>27</a:t>
+              <a:t>29</a:t>
             </a:fld>
             <a:endParaRPr lang="en-US"/>
           </a:p>
@@ -19189,11 +20257,156 @@
   <p:clrMapOvr>
     <a:masterClrMapping/>
   </p:clrMapOvr>
-  <p:transition xmlns:p14="http://schemas.microsoft.com/office/powerpoint/2010/main"/>
+  <p:transition/>
 </p:sld>
 </file>
 
-<file path=ppt/slides/slide28.xml><?xml version="1.0" encoding="utf-8"?>
+<file path=ppt/slides/slide3.xml><?xml version="1.0" encoding="utf-8"?>
+<p:sld xmlns:a="http://schemas.openxmlformats.org/drawingml/2006/main" xmlns:r="http://schemas.openxmlformats.org/officeDocument/2006/relationships" xmlns:p="http://schemas.openxmlformats.org/presentationml/2006/main">
+  <p:cSld>
+    <p:spTree>
+      <p:nvGrpSpPr>
+        <p:cNvPr id="1" name=""/>
+        <p:cNvGrpSpPr/>
+        <p:nvPr/>
+      </p:nvGrpSpPr>
+      <p:grpSpPr>
+        <a:xfrm>
+          <a:off x="0" y="0"/>
+          <a:ext cx="0" cy="0"/>
+          <a:chOff x="0" y="0"/>
+          <a:chExt cx="0" cy="0"/>
+        </a:xfrm>
+      </p:grpSpPr>
+      <p:sp>
+        <p:nvSpPr>
+          <p:cNvPr id="2" name="Title 1"/>
+          <p:cNvSpPr>
+            <a:spLocks noGrp="1"/>
+          </p:cNvSpPr>
+          <p:nvPr>
+            <p:ph type="title"/>
+          </p:nvPr>
+        </p:nvSpPr>
+        <p:spPr/>
+        <p:txBody>
+          <a:bodyPr>
+            <a:normAutofit/>
+          </a:bodyPr>
+          <a:lstStyle/>
+          <a:p>
+            <a:r>
+              <a:rPr lang="es-AR" noProof="0" smtClean="0"/>
+              <a:t>Agenda (2)</a:t>
+            </a:r>
+            <a:endParaRPr lang="es-AR" noProof="0"/>
+          </a:p>
+        </p:txBody>
+      </p:sp>
+      <p:sp>
+        <p:nvSpPr>
+          <p:cNvPr id="3" name="Content Placeholder 2"/>
+          <p:cNvSpPr>
+            <a:spLocks noGrp="1"/>
+          </p:cNvSpPr>
+          <p:nvPr>
+            <p:ph idx="1"/>
+          </p:nvPr>
+        </p:nvSpPr>
+        <p:spPr/>
+        <p:txBody>
+          <a:bodyPr/>
+          <a:lstStyle/>
+          <a:p>
+            <a:r>
+              <a:rPr lang="es-AR" dirty="0"/>
+              <a:t>Herramientas</a:t>
+            </a:r>
+          </a:p>
+          <a:p>
+            <a:pPr lvl="1"/>
+            <a:r>
+              <a:rPr lang="es-AR" dirty="0"/>
+              <a:t>Algunas: dig, nslookup</a:t>
+            </a:r>
+          </a:p>
+          <a:p>
+            <a:pPr lvl="1"/>
+            <a:r>
+              <a:rPr lang="es-AR" dirty="0"/>
+              <a:t>Herramientas en </a:t>
+            </a:r>
+            <a:r>
+              <a:rPr lang="es-AR" dirty="0" smtClean="0"/>
+              <a:t>Internet</a:t>
+            </a:r>
+            <a:endParaRPr lang="es-AR" noProof="0" dirty="0" smtClean="0"/>
+          </a:p>
+          <a:p>
+            <a:r>
+              <a:rPr lang="es-AR" noProof="0" dirty="0" smtClean="0"/>
+              <a:t>Seguridad en DNS</a:t>
+            </a:r>
+          </a:p>
+          <a:p>
+            <a:pPr lvl="1"/>
+            <a:r>
+              <a:rPr lang="es-AR" noProof="0" dirty="0" smtClean="0"/>
+              <a:t>Problemas reconocidos</a:t>
+            </a:r>
+          </a:p>
+          <a:p>
+            <a:pPr lvl="1"/>
+            <a:r>
+              <a:rPr lang="es-AR" i="1" noProof="0" dirty="0" smtClean="0"/>
+              <a:t>Caché Poisoning</a:t>
+            </a:r>
+          </a:p>
+          <a:p>
+            <a:pPr lvl="1"/>
+            <a:r>
+              <a:rPr lang="es-AR" noProof="0" dirty="0" smtClean="0"/>
+              <a:t>Ataques de “DNS amplification”</a:t>
+            </a:r>
+          </a:p>
+          <a:p>
+            <a:pPr lvl="1"/>
+            <a:r>
+              <a:rPr lang="es-AR" noProof="0" dirty="0" smtClean="0"/>
+              <a:t>Confianza en los registros</a:t>
+            </a:r>
+          </a:p>
+          <a:p>
+            <a:pPr lvl="1"/>
+            <a:r>
+              <a:rPr lang="es-AR" noProof="0" dirty="0" smtClean="0"/>
+              <a:t>Aseguramiento de las transferencias de zonas</a:t>
+            </a:r>
+          </a:p>
+        </p:txBody>
+      </p:sp>
+    </p:spTree>
+    <p:extLst>
+      <p:ext uri="{BB962C8B-B14F-4D97-AF65-F5344CB8AC3E}">
+        <p14:creationId xmlns:p14="http://schemas.microsoft.com/office/powerpoint/2010/main" val="1553360516"/>
+      </p:ext>
+    </p:extLst>
+  </p:cSld>
+  <p:clrMapOvr>
+    <a:masterClrMapping/>
+  </p:clrMapOvr>
+  <p:transition/>
+  <p:timing>
+    <p:tnLst>
+      <p:par>
+        <p:cTn id="1" dur="indefinite" restart="never" nodeType="tmRoot"/>
+      </p:par>
+    </p:tnLst>
+  </p:timing>
+</p:sld>
+</file>
+
+<file path=ppt/slides/slide30.xml><?xml version="1.0" encoding="utf-8"?>
 <p:sld xmlns:a="http://schemas.openxmlformats.org/drawingml/2006/main" xmlns:r="http://schemas.openxmlformats.org/officeDocument/2006/relationships" xmlns:p="http://schemas.openxmlformats.org/presentationml/2006/main">
   <p:cSld>
     <p:spTree>
@@ -19794,18 +21007,18 @@
   <p:clrMapOvr>
     <a:masterClrMapping/>
   </p:clrMapOvr>
-  <p:transition xmlns:p14="http://schemas.microsoft.com/office/powerpoint/2010/main"/>
+  <p:transition/>
   <p:timing>
     <p:tnLst>
       <p:par>
-        <p:cTn xmlns:p14="http://schemas.microsoft.com/office/powerpoint/2010/main" id="1" dur="indefinite" restart="never" nodeType="tmRoot"/>
+        <p:cTn id="1" dur="indefinite" restart="never" nodeType="tmRoot"/>
       </p:par>
     </p:tnLst>
   </p:timing>
 </p:sld>
 </file>
 
-<file path=ppt/slides/slide29.xml><?xml version="1.0" encoding="utf-8"?>
+<file path=ppt/slides/slide31.xml><?xml version="1.0" encoding="utf-8"?>
 <p:sld xmlns:a="http://schemas.openxmlformats.org/drawingml/2006/main" xmlns:r="http://schemas.openxmlformats.org/officeDocument/2006/relationships" xmlns:p="http://schemas.openxmlformats.org/presentationml/2006/main">
   <p:cSld>
     <p:spTree>
@@ -20385,163 +21598,18 @@
   <p:clrMapOvr>
     <a:masterClrMapping/>
   </p:clrMapOvr>
-  <p:transition xmlns:p14="http://schemas.microsoft.com/office/powerpoint/2010/main"/>
+  <p:transition/>
   <p:timing>
     <p:tnLst>
       <p:par>
-        <p:cTn xmlns:p14="http://schemas.microsoft.com/office/powerpoint/2010/main" id="1" dur="indefinite" restart="never" nodeType="tmRoot"/>
+        <p:cTn id="1" dur="indefinite" restart="never" nodeType="tmRoot"/>
       </p:par>
     </p:tnLst>
   </p:timing>
 </p:sld>
 </file>
 
-<file path=ppt/slides/slide3.xml><?xml version="1.0" encoding="utf-8"?>
-<p:sld xmlns:a="http://schemas.openxmlformats.org/drawingml/2006/main" xmlns:r="http://schemas.openxmlformats.org/officeDocument/2006/relationships" xmlns:p="http://schemas.openxmlformats.org/presentationml/2006/main">
-  <p:cSld>
-    <p:spTree>
-      <p:nvGrpSpPr>
-        <p:cNvPr id="1" name=""/>
-        <p:cNvGrpSpPr/>
-        <p:nvPr/>
-      </p:nvGrpSpPr>
-      <p:grpSpPr>
-        <a:xfrm>
-          <a:off x="0" y="0"/>
-          <a:ext cx="0" cy="0"/>
-          <a:chOff x="0" y="0"/>
-          <a:chExt cx="0" cy="0"/>
-        </a:xfrm>
-      </p:grpSpPr>
-      <p:sp>
-        <p:nvSpPr>
-          <p:cNvPr id="2" name="Title 1"/>
-          <p:cNvSpPr>
-            <a:spLocks noGrp="1"/>
-          </p:cNvSpPr>
-          <p:nvPr>
-            <p:ph type="title"/>
-          </p:nvPr>
-        </p:nvSpPr>
-        <p:spPr/>
-        <p:txBody>
-          <a:bodyPr>
-            <a:normAutofit/>
-          </a:bodyPr>
-          <a:lstStyle/>
-          <a:p>
-            <a:r>
-              <a:rPr lang="es-AR" noProof="0" smtClean="0"/>
-              <a:t>Agenda (2)</a:t>
-            </a:r>
-            <a:endParaRPr lang="es-AR" noProof="0"/>
-          </a:p>
-        </p:txBody>
-      </p:sp>
-      <p:sp>
-        <p:nvSpPr>
-          <p:cNvPr id="3" name="Content Placeholder 2"/>
-          <p:cNvSpPr>
-            <a:spLocks noGrp="1"/>
-          </p:cNvSpPr>
-          <p:nvPr>
-            <p:ph idx="1"/>
-          </p:nvPr>
-        </p:nvSpPr>
-        <p:spPr/>
-        <p:txBody>
-          <a:bodyPr/>
-          <a:lstStyle/>
-          <a:p>
-            <a:r>
-              <a:rPr lang="es-AR" dirty="0"/>
-              <a:t>Herramientas</a:t>
-            </a:r>
-          </a:p>
-          <a:p>
-            <a:pPr lvl="1"/>
-            <a:r>
-              <a:rPr lang="es-AR" dirty="0"/>
-              <a:t>Algunas: dig, nslookup</a:t>
-            </a:r>
-          </a:p>
-          <a:p>
-            <a:pPr lvl="1"/>
-            <a:r>
-              <a:rPr lang="es-AR" dirty="0"/>
-              <a:t>Herramientas en </a:t>
-            </a:r>
-            <a:r>
-              <a:rPr lang="es-AR" dirty="0" smtClean="0"/>
-              <a:t>Internet</a:t>
-            </a:r>
-            <a:endParaRPr lang="es-AR" noProof="0" dirty="0" smtClean="0"/>
-          </a:p>
-          <a:p>
-            <a:r>
-              <a:rPr lang="es-AR" noProof="0" dirty="0" smtClean="0"/>
-              <a:t>Seguridad en DNS</a:t>
-            </a:r>
-          </a:p>
-          <a:p>
-            <a:pPr lvl="1"/>
-            <a:r>
-              <a:rPr lang="es-AR" noProof="0" dirty="0" smtClean="0"/>
-              <a:t>Problemas reconocidos</a:t>
-            </a:r>
-          </a:p>
-          <a:p>
-            <a:pPr lvl="1"/>
-            <a:r>
-              <a:rPr lang="es-AR" i="1" noProof="0" dirty="0" smtClean="0"/>
-              <a:t>Caché Poisoning</a:t>
-            </a:r>
-          </a:p>
-          <a:p>
-            <a:pPr lvl="1"/>
-            <a:r>
-              <a:rPr lang="es-AR" noProof="0" dirty="0" smtClean="0"/>
-              <a:t>Ataques de “DNS amplification”</a:t>
-            </a:r>
-          </a:p>
-          <a:p>
-            <a:pPr lvl="1"/>
-            <a:r>
-              <a:rPr lang="es-AR" noProof="0" dirty="0" smtClean="0"/>
-              <a:t>Confianza en los registros</a:t>
-            </a:r>
-          </a:p>
-          <a:p>
-            <a:pPr lvl="1"/>
-            <a:r>
-              <a:rPr lang="es-AR" noProof="0" dirty="0" smtClean="0"/>
-              <a:t>Aseguramiento de las transferencias de zonas</a:t>
-            </a:r>
-          </a:p>
-        </p:txBody>
-      </p:sp>
-    </p:spTree>
-    <p:extLst>
-      <p:ext uri="{BB962C8B-B14F-4D97-AF65-F5344CB8AC3E}">
-        <p14:creationId xmlns:p14="http://schemas.microsoft.com/office/powerpoint/2010/main" val="1553360516"/>
-      </p:ext>
-    </p:extLst>
-  </p:cSld>
-  <p:clrMapOvr>
-    <a:masterClrMapping/>
-  </p:clrMapOvr>
-  <p:transition xmlns:p14="http://schemas.microsoft.com/office/powerpoint/2010/main"/>
-  <p:timing>
-    <p:tnLst>
-      <p:par>
-        <p:cTn xmlns:p14="http://schemas.microsoft.com/office/powerpoint/2010/main" id="1" dur="indefinite" restart="never" nodeType="tmRoot"/>
-      </p:par>
-    </p:tnLst>
-  </p:timing>
-</p:sld>
-</file>
-
-<file path=ppt/slides/slide30.xml><?xml version="1.0" encoding="utf-8"?>
+<file path=ppt/slides/slide32.xml><?xml version="1.0" encoding="utf-8"?>
 <p:sld xmlns:a="http://schemas.openxmlformats.org/drawingml/2006/main" xmlns:r="http://schemas.openxmlformats.org/officeDocument/2006/relationships" xmlns:p="http://schemas.openxmlformats.org/presentationml/2006/main">
   <p:cSld>
     <p:spTree>
@@ -21113,18 +22181,18 @@
   <p:clrMapOvr>
     <a:masterClrMapping/>
   </p:clrMapOvr>
-  <p:transition xmlns:p14="http://schemas.microsoft.com/office/powerpoint/2010/main"/>
+  <p:transition/>
   <p:timing>
     <p:tnLst>
       <p:par>
-        <p:cTn xmlns:p14="http://schemas.microsoft.com/office/powerpoint/2010/main" id="1" dur="indefinite" restart="never" nodeType="tmRoot"/>
+        <p:cTn id="1" dur="indefinite" restart="never" nodeType="tmRoot"/>
       </p:par>
     </p:tnLst>
   </p:timing>
 </p:sld>
 </file>
 
-<file path=ppt/slides/slide31.xml><?xml version="1.0" encoding="utf-8"?>
+<file path=ppt/slides/slide33.xml><?xml version="1.0" encoding="utf-8"?>
 <p:sld xmlns:a="http://schemas.openxmlformats.org/drawingml/2006/main" xmlns:r="http://schemas.openxmlformats.org/officeDocument/2006/relationships" xmlns:p="http://schemas.openxmlformats.org/presentationml/2006/main">
   <p:cSld>
     <p:spTree>
@@ -21682,316 +22750,11 @@
   <p:clrMapOvr>
     <a:masterClrMapping/>
   </p:clrMapOvr>
-  <p:transition xmlns:p14="http://schemas.microsoft.com/office/powerpoint/2010/main"/>
+  <p:transition/>
   <p:timing>
     <p:tnLst>
       <p:par>
-        <p:cTn xmlns:p14="http://schemas.microsoft.com/office/powerpoint/2010/main" id="1" dur="indefinite" restart="never" nodeType="tmRoot"/>
-      </p:par>
-    </p:tnLst>
-  </p:timing>
-</p:sld>
-</file>
-
-<file path=ppt/slides/slide32.xml><?xml version="1.0" encoding="utf-8"?>
-<p:sld xmlns:a="http://schemas.openxmlformats.org/drawingml/2006/main" xmlns:r="http://schemas.openxmlformats.org/officeDocument/2006/relationships" xmlns:p="http://schemas.openxmlformats.org/presentationml/2006/main">
-  <p:cSld>
-    <p:spTree>
-      <p:nvGrpSpPr>
-        <p:cNvPr id="1" name=""/>
-        <p:cNvGrpSpPr/>
-        <p:nvPr/>
-      </p:nvGrpSpPr>
-      <p:grpSpPr>
-        <a:xfrm>
-          <a:off x="0" y="0"/>
-          <a:ext cx="0" cy="0"/>
-          <a:chOff x="0" y="0"/>
-          <a:chExt cx="0" cy="0"/>
-        </a:xfrm>
-      </p:grpSpPr>
-      <p:sp>
-        <p:nvSpPr>
-          <p:cNvPr id="2" name="Title 1"/>
-          <p:cNvSpPr>
-            <a:spLocks noGrp="1"/>
-          </p:cNvSpPr>
-          <p:nvPr>
-            <p:ph type="title"/>
-          </p:nvPr>
-        </p:nvSpPr>
-        <p:spPr/>
-        <p:txBody>
-          <a:bodyPr>
-            <a:normAutofit/>
-          </a:bodyPr>
-          <a:lstStyle/>
-          <a:p>
-            <a:r>
-              <a:rPr lang="es-AR" noProof="0" dirty="0" smtClean="0"/>
-              <a:t>Conceptos básicos</a:t>
-            </a:r>
-            <a:br>
-              <a:rPr lang="es-AR" noProof="0" dirty="0" smtClean="0"/>
-            </a:br>
-            <a:endParaRPr lang="es-AR" noProof="0" dirty="0"/>
-          </a:p>
-        </p:txBody>
-      </p:sp>
-      <p:sp>
-        <p:nvSpPr>
-          <p:cNvPr id="3" name="Content Placeholder 2"/>
-          <p:cNvSpPr>
-            <a:spLocks noGrp="1"/>
-          </p:cNvSpPr>
-          <p:nvPr>
-            <p:ph idx="1"/>
-          </p:nvPr>
-        </p:nvSpPr>
-        <p:spPr>
-          <a:xfrm>
-            <a:off x="504825" y="1618010"/>
-            <a:ext cx="9234488" cy="5459412"/>
-          </a:xfrm>
-        </p:spPr>
-        <p:txBody>
-          <a:bodyPr/>
-          <a:lstStyle/>
-          <a:p>
-            <a:r>
-              <a:rPr lang="es-AR" noProof="0" dirty="0" smtClean="0"/>
-              <a:t>Primarios y secundarios</a:t>
-            </a:r>
-          </a:p>
-          <a:p>
-            <a:pPr lvl="1"/>
-            <a:r>
-              <a:rPr lang="es-AR" dirty="0" smtClean="0"/>
-              <a:t>Cada zona tiene que tener </a:t>
-            </a:r>
-            <a:r>
-              <a:rPr lang="es-AR" i="1" u="sng" dirty="0" smtClean="0"/>
-              <a:t>al menos</a:t>
-            </a:r>
-            <a:r>
-              <a:rPr lang="es-AR" dirty="0" smtClean="0"/>
-              <a:t> un servidor de nombres que sea </a:t>
-            </a:r>
-            <a:r>
-              <a:rPr lang="es-AR" i="1" u="sng" dirty="0" smtClean="0"/>
-              <a:t>autoritativo</a:t>
-            </a:r>
-            <a:r>
-              <a:rPr lang="es-AR" dirty="0" smtClean="0"/>
-              <a:t> para ella</a:t>
-            </a:r>
-          </a:p>
-          <a:p>
-            <a:pPr lvl="1"/>
-            <a:r>
-              <a:rPr lang="es-AR" noProof="0" dirty="0" smtClean="0"/>
-              <a:t>Este es el </a:t>
-            </a:r>
-            <a:r>
-              <a:rPr lang="es-AR" i="1" u="sng" noProof="0" dirty="0" smtClean="0"/>
-              <a:t>primario</a:t>
-            </a:r>
-            <a:r>
-              <a:rPr lang="es-AR" noProof="0" dirty="0" smtClean="0"/>
-              <a:t> de la zona</a:t>
-            </a:r>
-          </a:p>
-          <a:p>
-            <a:pPr lvl="1"/>
-            <a:r>
-              <a:rPr lang="es-AR" dirty="0" smtClean="0"/>
-              <a:t>Por motivos de redundancia, se recomienda tener uno o más servidores </a:t>
-            </a:r>
-            <a:r>
-              <a:rPr lang="es-AR" i="1" u="sng" dirty="0" smtClean="0"/>
-              <a:t>secundarios</a:t>
-            </a:r>
-            <a:r>
-              <a:rPr lang="es-AR" dirty="0" smtClean="0"/>
-              <a:t> para la misma</a:t>
-            </a:r>
-          </a:p>
-          <a:p>
-            <a:pPr lvl="2"/>
-            <a:r>
-              <a:rPr lang="es-AR" noProof="0" dirty="0" smtClean="0"/>
-              <a:t>Los secundarios también son autoritativos</a:t>
-            </a:r>
-          </a:p>
-          <a:p>
-            <a:r>
-              <a:rPr lang="es-AR" noProof="0" dirty="0" smtClean="0"/>
-              <a:t>Transferencia de zonas</a:t>
-            </a:r>
-          </a:p>
-          <a:p>
-            <a:pPr lvl="1"/>
-            <a:r>
-              <a:rPr lang="es-AR" dirty="0" smtClean="0"/>
-              <a:t>Para no tener que configurar la misma información dos o tres veces, y para facilitar la operación, existe un protocolo de transferencia de zonas (AXFR)</a:t>
-            </a:r>
-            <a:endParaRPr lang="es-AR" noProof="0" dirty="0" smtClean="0"/>
-          </a:p>
-          <a:p>
-            <a:pPr lvl="1"/>
-            <a:endParaRPr lang="es-AR" noProof="0" dirty="0"/>
-          </a:p>
-        </p:txBody>
-      </p:sp>
-    </p:spTree>
-    <p:extLst>
-      <p:ext uri="{BB962C8B-B14F-4D97-AF65-F5344CB8AC3E}">
-        <p14:creationId xmlns:p14="http://schemas.microsoft.com/office/powerpoint/2010/main" val="3892469959"/>
-      </p:ext>
-    </p:extLst>
-  </p:cSld>
-  <p:clrMapOvr>
-    <a:masterClrMapping/>
-  </p:clrMapOvr>
-  <p:transition xmlns:p14="http://schemas.microsoft.com/office/powerpoint/2010/main"/>
-  <p:timing>
-    <p:tnLst>
-      <p:par>
-        <p:cTn xmlns:p14="http://schemas.microsoft.com/office/powerpoint/2010/main" id="1" dur="indefinite" restart="never" nodeType="tmRoot"/>
-      </p:par>
-    </p:tnLst>
-  </p:timing>
-</p:sld>
-</file>
-
-<file path=ppt/slides/slide33.xml><?xml version="1.0" encoding="utf-8"?>
-<p:sld xmlns:a="http://schemas.openxmlformats.org/drawingml/2006/main" xmlns:r="http://schemas.openxmlformats.org/officeDocument/2006/relationships" xmlns:p="http://schemas.openxmlformats.org/presentationml/2006/main">
-  <p:cSld>
-    <p:spTree>
-      <p:nvGrpSpPr>
-        <p:cNvPr id="1" name=""/>
-        <p:cNvGrpSpPr/>
-        <p:nvPr/>
-      </p:nvGrpSpPr>
-      <p:grpSpPr>
-        <a:xfrm>
-          <a:off x="0" y="0"/>
-          <a:ext cx="0" cy="0"/>
-          <a:chOff x="0" y="0"/>
-          <a:chExt cx="0" cy="0"/>
-        </a:xfrm>
-      </p:grpSpPr>
-      <p:sp>
-        <p:nvSpPr>
-          <p:cNvPr id="2" name="Title 1"/>
-          <p:cNvSpPr>
-            <a:spLocks noGrp="1"/>
-          </p:cNvSpPr>
-          <p:nvPr>
-            <p:ph type="title"/>
-          </p:nvPr>
-        </p:nvSpPr>
-        <p:spPr/>
-        <p:txBody>
-          <a:bodyPr>
-            <a:normAutofit/>
-          </a:bodyPr>
-          <a:lstStyle/>
-          <a:p>
-            <a:r>
-              <a:rPr lang="es-AR" noProof="0" smtClean="0"/>
-              <a:t>Conceptos básicos</a:t>
-            </a:r>
-            <a:endParaRPr lang="es-AR" noProof="0"/>
-          </a:p>
-        </p:txBody>
-      </p:sp>
-      <p:sp>
-        <p:nvSpPr>
-          <p:cNvPr id="3" name="Content Placeholder 2"/>
-          <p:cNvSpPr>
-            <a:spLocks noGrp="1"/>
-          </p:cNvSpPr>
-          <p:nvPr>
-            <p:ph idx="1"/>
-          </p:nvPr>
-        </p:nvSpPr>
-        <p:spPr/>
-        <p:txBody>
-          <a:bodyPr/>
-          <a:lstStyle/>
-          <a:p>
-            <a:r>
-              <a:rPr lang="es-AR" noProof="0" dirty="0" smtClean="0"/>
-              <a:t>Terminología sobre consultas</a:t>
-            </a:r>
-          </a:p>
-          <a:p>
-            <a:pPr lvl="1"/>
-            <a:r>
-              <a:rPr lang="es-AR" noProof="0" dirty="0" smtClean="0"/>
-              <a:t>Consultas directas</a:t>
-            </a:r>
-          </a:p>
-          <a:p>
-            <a:pPr lvl="2"/>
-            <a:r>
-              <a:rPr lang="es-AR" noProof="0" dirty="0" smtClean="0"/>
-              <a:t>De nombre a dirección</a:t>
-            </a:r>
-          </a:p>
-          <a:p>
-            <a:pPr lvl="3"/>
-            <a:r>
-              <a:rPr lang="es-AR" noProof="0" dirty="0" smtClean="0"/>
-              <a:t>A</a:t>
-            </a:r>
-          </a:p>
-          <a:p>
-            <a:pPr lvl="1"/>
-            <a:r>
-              <a:rPr lang="es-AR" noProof="0" dirty="0" smtClean="0"/>
-              <a:t>Consultas reversas</a:t>
-            </a:r>
-          </a:p>
-          <a:p>
-            <a:pPr lvl="2"/>
-            <a:r>
-              <a:rPr lang="es-AR" noProof="0" dirty="0" smtClean="0"/>
-              <a:t>De dirección a nombre</a:t>
-            </a:r>
-          </a:p>
-          <a:p>
-            <a:pPr lvl="3"/>
-            <a:r>
-              <a:rPr lang="es-AR" noProof="0" dirty="0" smtClean="0"/>
-              <a:t>PTR</a:t>
-            </a:r>
-          </a:p>
-          <a:p>
-            <a:pPr lvl="2"/>
-            <a:r>
-              <a:rPr lang="es-AR" dirty="0" smtClean="0"/>
-              <a:t>Cuidado con el concepto de “inversas”</a:t>
-            </a:r>
-          </a:p>
-        </p:txBody>
-      </p:sp>
-    </p:spTree>
-    <p:extLst>
-      <p:ext uri="{BB962C8B-B14F-4D97-AF65-F5344CB8AC3E}">
-        <p14:creationId xmlns:p14="http://schemas.microsoft.com/office/powerpoint/2010/main" val="1957427397"/>
-      </p:ext>
-    </p:extLst>
-  </p:cSld>
-  <p:clrMapOvr>
-    <a:masterClrMapping/>
-  </p:clrMapOvr>
-  <p:transition xmlns:p14="http://schemas.microsoft.com/office/powerpoint/2010/main"/>
-  <p:timing>
-    <p:tnLst>
-      <p:par>
-        <p:cTn xmlns:p14="http://schemas.microsoft.com/office/powerpoint/2010/main" id="1" dur="indefinite" restart="never" nodeType="tmRoot"/>
+        <p:cTn id="1" dur="indefinite" restart="never" nodeType="tmRoot"/>
       </p:par>
     </p:tnLst>
   </p:timing>
@@ -22033,6 +22796,311 @@
           <a:lstStyle/>
           <a:p>
             <a:r>
+              <a:rPr lang="es-AR" noProof="0" dirty="0" smtClean="0"/>
+              <a:t>Conceptos básicos</a:t>
+            </a:r>
+            <a:br>
+              <a:rPr lang="es-AR" noProof="0" dirty="0" smtClean="0"/>
+            </a:br>
+            <a:endParaRPr lang="es-AR" noProof="0" dirty="0"/>
+          </a:p>
+        </p:txBody>
+      </p:sp>
+      <p:sp>
+        <p:nvSpPr>
+          <p:cNvPr id="3" name="Content Placeholder 2"/>
+          <p:cNvSpPr>
+            <a:spLocks noGrp="1"/>
+          </p:cNvSpPr>
+          <p:nvPr>
+            <p:ph idx="1"/>
+          </p:nvPr>
+        </p:nvSpPr>
+        <p:spPr>
+          <a:xfrm>
+            <a:off x="504825" y="1618010"/>
+            <a:ext cx="9234488" cy="5459412"/>
+          </a:xfrm>
+        </p:spPr>
+        <p:txBody>
+          <a:bodyPr/>
+          <a:lstStyle/>
+          <a:p>
+            <a:r>
+              <a:rPr lang="es-AR" noProof="0" dirty="0" smtClean="0"/>
+              <a:t>Primarios y secundarios</a:t>
+            </a:r>
+          </a:p>
+          <a:p>
+            <a:pPr lvl="1"/>
+            <a:r>
+              <a:rPr lang="es-AR" dirty="0" smtClean="0"/>
+              <a:t>Cada zona tiene que tener </a:t>
+            </a:r>
+            <a:r>
+              <a:rPr lang="es-AR" i="1" u="sng" dirty="0" smtClean="0"/>
+              <a:t>al menos</a:t>
+            </a:r>
+            <a:r>
+              <a:rPr lang="es-AR" dirty="0" smtClean="0"/>
+              <a:t> un servidor de nombres que sea </a:t>
+            </a:r>
+            <a:r>
+              <a:rPr lang="es-AR" i="1" u="sng" dirty="0" smtClean="0"/>
+              <a:t>autoritativo</a:t>
+            </a:r>
+            <a:r>
+              <a:rPr lang="es-AR" dirty="0" smtClean="0"/>
+              <a:t> para ella</a:t>
+            </a:r>
+          </a:p>
+          <a:p>
+            <a:pPr lvl="1"/>
+            <a:r>
+              <a:rPr lang="es-AR" noProof="0" dirty="0" smtClean="0"/>
+              <a:t>Este es el </a:t>
+            </a:r>
+            <a:r>
+              <a:rPr lang="es-AR" i="1" u="sng" noProof="0" dirty="0" smtClean="0"/>
+              <a:t>primario</a:t>
+            </a:r>
+            <a:r>
+              <a:rPr lang="es-AR" noProof="0" dirty="0" smtClean="0"/>
+              <a:t> de la zona</a:t>
+            </a:r>
+          </a:p>
+          <a:p>
+            <a:pPr lvl="1"/>
+            <a:r>
+              <a:rPr lang="es-AR" dirty="0" smtClean="0"/>
+              <a:t>Por motivos de redundancia, se recomienda tener uno o más servidores </a:t>
+            </a:r>
+            <a:r>
+              <a:rPr lang="es-AR" i="1" u="sng" dirty="0" smtClean="0"/>
+              <a:t>secundarios</a:t>
+            </a:r>
+            <a:r>
+              <a:rPr lang="es-AR" dirty="0" smtClean="0"/>
+              <a:t> para la misma</a:t>
+            </a:r>
+          </a:p>
+          <a:p>
+            <a:pPr lvl="2"/>
+            <a:r>
+              <a:rPr lang="es-AR" noProof="0" dirty="0" smtClean="0"/>
+              <a:t>Los secundarios también son autoritativos</a:t>
+            </a:r>
+          </a:p>
+          <a:p>
+            <a:r>
+              <a:rPr lang="es-AR" noProof="0" dirty="0" smtClean="0"/>
+              <a:t>Transferencia de zonas</a:t>
+            </a:r>
+          </a:p>
+          <a:p>
+            <a:pPr lvl="1"/>
+            <a:r>
+              <a:rPr lang="es-AR" dirty="0" smtClean="0"/>
+              <a:t>Para no tener que configurar la misma información dos o tres veces, y para facilitar la operación, existe un protocolo de transferencia de zonas (AXFR)</a:t>
+            </a:r>
+            <a:endParaRPr lang="es-AR" noProof="0" dirty="0" smtClean="0"/>
+          </a:p>
+          <a:p>
+            <a:pPr lvl="1"/>
+            <a:endParaRPr lang="es-AR" noProof="0" dirty="0"/>
+          </a:p>
+        </p:txBody>
+      </p:sp>
+    </p:spTree>
+    <p:extLst>
+      <p:ext uri="{BB962C8B-B14F-4D97-AF65-F5344CB8AC3E}">
+        <p14:creationId xmlns:p14="http://schemas.microsoft.com/office/powerpoint/2010/main" val="3892469959"/>
+      </p:ext>
+    </p:extLst>
+  </p:cSld>
+  <p:clrMapOvr>
+    <a:masterClrMapping/>
+  </p:clrMapOvr>
+  <p:transition/>
+  <p:timing>
+    <p:tnLst>
+      <p:par>
+        <p:cTn id="1" dur="indefinite" restart="never" nodeType="tmRoot"/>
+      </p:par>
+    </p:tnLst>
+  </p:timing>
+</p:sld>
+</file>
+
+<file path=ppt/slides/slide35.xml><?xml version="1.0" encoding="utf-8"?>
+<p:sld xmlns:a="http://schemas.openxmlformats.org/drawingml/2006/main" xmlns:r="http://schemas.openxmlformats.org/officeDocument/2006/relationships" xmlns:p="http://schemas.openxmlformats.org/presentationml/2006/main">
+  <p:cSld>
+    <p:spTree>
+      <p:nvGrpSpPr>
+        <p:cNvPr id="1" name=""/>
+        <p:cNvGrpSpPr/>
+        <p:nvPr/>
+      </p:nvGrpSpPr>
+      <p:grpSpPr>
+        <a:xfrm>
+          <a:off x="0" y="0"/>
+          <a:ext cx="0" cy="0"/>
+          <a:chOff x="0" y="0"/>
+          <a:chExt cx="0" cy="0"/>
+        </a:xfrm>
+      </p:grpSpPr>
+      <p:sp>
+        <p:nvSpPr>
+          <p:cNvPr id="2" name="Title 1"/>
+          <p:cNvSpPr>
+            <a:spLocks noGrp="1"/>
+          </p:cNvSpPr>
+          <p:nvPr>
+            <p:ph type="title"/>
+          </p:nvPr>
+        </p:nvSpPr>
+        <p:spPr/>
+        <p:txBody>
+          <a:bodyPr>
+            <a:normAutofit/>
+          </a:bodyPr>
+          <a:lstStyle/>
+          <a:p>
+            <a:r>
+              <a:rPr lang="es-AR" noProof="0" smtClean="0"/>
+              <a:t>Conceptos básicos</a:t>
+            </a:r>
+            <a:endParaRPr lang="es-AR" noProof="0"/>
+          </a:p>
+        </p:txBody>
+      </p:sp>
+      <p:sp>
+        <p:nvSpPr>
+          <p:cNvPr id="3" name="Content Placeholder 2"/>
+          <p:cNvSpPr>
+            <a:spLocks noGrp="1"/>
+          </p:cNvSpPr>
+          <p:nvPr>
+            <p:ph idx="1"/>
+          </p:nvPr>
+        </p:nvSpPr>
+        <p:spPr/>
+        <p:txBody>
+          <a:bodyPr/>
+          <a:lstStyle/>
+          <a:p>
+            <a:r>
+              <a:rPr lang="es-AR" noProof="0" dirty="0" smtClean="0"/>
+              <a:t>Terminología sobre consultas</a:t>
+            </a:r>
+          </a:p>
+          <a:p>
+            <a:pPr lvl="1"/>
+            <a:r>
+              <a:rPr lang="es-AR" noProof="0" dirty="0" smtClean="0"/>
+              <a:t>Consultas directas</a:t>
+            </a:r>
+          </a:p>
+          <a:p>
+            <a:pPr lvl="2"/>
+            <a:r>
+              <a:rPr lang="es-AR" noProof="0" dirty="0" smtClean="0"/>
+              <a:t>De nombre a dirección</a:t>
+            </a:r>
+          </a:p>
+          <a:p>
+            <a:pPr lvl="3"/>
+            <a:r>
+              <a:rPr lang="es-AR" noProof="0" dirty="0" smtClean="0"/>
+              <a:t>A</a:t>
+            </a:r>
+          </a:p>
+          <a:p>
+            <a:pPr lvl="1"/>
+            <a:r>
+              <a:rPr lang="es-AR" noProof="0" dirty="0" smtClean="0"/>
+              <a:t>Consultas reversas</a:t>
+            </a:r>
+          </a:p>
+          <a:p>
+            <a:pPr lvl="2"/>
+            <a:r>
+              <a:rPr lang="es-AR" noProof="0" dirty="0" smtClean="0"/>
+              <a:t>De dirección a nombre</a:t>
+            </a:r>
+          </a:p>
+          <a:p>
+            <a:pPr lvl="3"/>
+            <a:r>
+              <a:rPr lang="es-AR" noProof="0" dirty="0" smtClean="0"/>
+              <a:t>PTR</a:t>
+            </a:r>
+          </a:p>
+          <a:p>
+            <a:pPr lvl="2"/>
+            <a:r>
+              <a:rPr lang="es-AR" dirty="0" smtClean="0"/>
+              <a:t>Cuidado con el concepto de “inversas”</a:t>
+            </a:r>
+          </a:p>
+        </p:txBody>
+      </p:sp>
+    </p:spTree>
+    <p:extLst>
+      <p:ext uri="{BB962C8B-B14F-4D97-AF65-F5344CB8AC3E}">
+        <p14:creationId xmlns:p14="http://schemas.microsoft.com/office/powerpoint/2010/main" val="1957427397"/>
+      </p:ext>
+    </p:extLst>
+  </p:cSld>
+  <p:clrMapOvr>
+    <a:masterClrMapping/>
+  </p:clrMapOvr>
+  <p:transition/>
+  <p:timing>
+    <p:tnLst>
+      <p:par>
+        <p:cTn id="1" dur="indefinite" restart="never" nodeType="tmRoot"/>
+      </p:par>
+    </p:tnLst>
+  </p:timing>
+</p:sld>
+</file>
+
+<file path=ppt/slides/slide36.xml><?xml version="1.0" encoding="utf-8"?>
+<p:sld xmlns:a="http://schemas.openxmlformats.org/drawingml/2006/main" xmlns:r="http://schemas.openxmlformats.org/officeDocument/2006/relationships" xmlns:p="http://schemas.openxmlformats.org/presentationml/2006/main">
+  <p:cSld>
+    <p:spTree>
+      <p:nvGrpSpPr>
+        <p:cNvPr id="1" name=""/>
+        <p:cNvGrpSpPr/>
+        <p:nvPr/>
+      </p:nvGrpSpPr>
+      <p:grpSpPr>
+        <a:xfrm>
+          <a:off x="0" y="0"/>
+          <a:ext cx="0" cy="0"/>
+          <a:chOff x="0" y="0"/>
+          <a:chExt cx="0" cy="0"/>
+        </a:xfrm>
+      </p:grpSpPr>
+      <p:sp>
+        <p:nvSpPr>
+          <p:cNvPr id="2" name="Title 1"/>
+          <p:cNvSpPr>
+            <a:spLocks noGrp="1"/>
+          </p:cNvSpPr>
+          <p:nvPr>
+            <p:ph type="title"/>
+          </p:nvPr>
+        </p:nvSpPr>
+        <p:spPr/>
+        <p:txBody>
+          <a:bodyPr>
+            <a:normAutofit/>
+          </a:bodyPr>
+          <a:lstStyle/>
+          <a:p>
+            <a:r>
               <a:rPr lang="en-US" dirty="0" err="1" smtClean="0"/>
               <a:t>Transporte</a:t>
             </a:r>
@@ -22336,18 +23404,18 @@
   <p:clrMapOvr>
     <a:masterClrMapping/>
   </p:clrMapOvr>
-  <p:transition xmlns:p14="http://schemas.microsoft.com/office/powerpoint/2010/main"/>
+  <p:transition/>
   <p:timing>
     <p:tnLst>
       <p:par>
-        <p:cTn xmlns:p14="http://schemas.microsoft.com/office/powerpoint/2010/main" id="1" dur="indefinite" restart="never" nodeType="tmRoot"/>
+        <p:cTn id="1" dur="indefinite" restart="never" nodeType="tmRoot"/>
       </p:par>
     </p:tnLst>
   </p:timing>
 </p:sld>
 </file>
 
-<file path=ppt/slides/slide35.xml><?xml version="1.0" encoding="utf-8"?>
+<file path=ppt/slides/slide37.xml><?xml version="1.0" encoding="utf-8"?>
 <p:sld xmlns:a="http://schemas.openxmlformats.org/drawingml/2006/main" xmlns:r="http://schemas.openxmlformats.org/officeDocument/2006/relationships" xmlns:p="http://schemas.openxmlformats.org/presentationml/2006/main">
   <p:cSld>
     <p:spTree>
@@ -22667,11 +23735,11 @@
   <p:clrMapOvr>
     <a:masterClrMapping/>
   </p:clrMapOvr>
-  <p:transition xmlns:p14="http://schemas.microsoft.com/office/powerpoint/2010/main"/>
+  <p:transition/>
   <p:timing>
     <p:tnLst>
       <p:par>
-        <p:cTn xmlns:p14="http://schemas.microsoft.com/office/powerpoint/2010/main" id="1" dur="indefinite" restart="never" nodeType="tmRoot">
+        <p:cTn id="1" dur="indefinite" restart="never" nodeType="tmRoot">
           <p:childTnLst>
             <p:seq concurrent="1" nextAc="seek">
               <p:cTn id="2" dur="indefinite" nodeType="mainSeq">
@@ -22865,604 +23933,6 @@
 </p:sld>
 </file>
 
-<file path=ppt/slides/slide36.xml><?xml version="1.0" encoding="utf-8"?>
-<p:sld xmlns:a="http://schemas.openxmlformats.org/drawingml/2006/main" xmlns:r="http://schemas.openxmlformats.org/officeDocument/2006/relationships" xmlns:p="http://schemas.openxmlformats.org/presentationml/2006/main">
-  <p:cSld>
-    <p:spTree>
-      <p:nvGrpSpPr>
-        <p:cNvPr id="1" name=""/>
-        <p:cNvGrpSpPr/>
-        <p:nvPr/>
-      </p:nvGrpSpPr>
-      <p:grpSpPr>
-        <a:xfrm>
-          <a:off x="0" y="0"/>
-          <a:ext cx="0" cy="0"/>
-          <a:chOff x="0" y="0"/>
-          <a:chExt cx="0" cy="0"/>
-        </a:xfrm>
-      </p:grpSpPr>
-      <p:sp>
-        <p:nvSpPr>
-          <p:cNvPr id="2" name="Title 1"/>
-          <p:cNvSpPr>
-            <a:spLocks noGrp="1"/>
-          </p:cNvSpPr>
-          <p:nvPr>
-            <p:ph type="title"/>
-          </p:nvPr>
-        </p:nvSpPr>
-        <p:spPr/>
-        <p:txBody>
-          <a:bodyPr>
-            <a:normAutofit/>
-          </a:bodyPr>
-          <a:lstStyle/>
-          <a:p>
-            <a:r>
-              <a:rPr lang="es-AR" noProof="0" dirty="0" smtClean="0"/>
-              <a:t>Operación</a:t>
-            </a:r>
-            <a:br>
-              <a:rPr lang="es-AR" noProof="0" dirty="0" smtClean="0"/>
-            </a:br>
-            <a:endParaRPr lang="es-AR" noProof="0" dirty="0"/>
-          </a:p>
-        </p:txBody>
-      </p:sp>
-      <p:sp>
-        <p:nvSpPr>
-          <p:cNvPr id="3" name="Content Placeholder 2"/>
-          <p:cNvSpPr>
-            <a:spLocks noGrp="1"/>
-          </p:cNvSpPr>
-          <p:nvPr>
-            <p:ph idx="1"/>
-          </p:nvPr>
-        </p:nvSpPr>
-        <p:spPr>
-          <a:xfrm>
-            <a:off x="503635" y="1585333"/>
-            <a:ext cx="9065419" cy="5793317"/>
-          </a:xfrm>
-        </p:spPr>
-        <p:txBody>
-          <a:bodyPr>
-            <a:normAutofit fontScale="92500" lnSpcReduction="10000"/>
-          </a:bodyPr>
-          <a:lstStyle/>
-          <a:p>
-            <a:r>
-              <a:rPr lang="es-AR" noProof="0" dirty="0" smtClean="0"/>
-              <a:t>Esquema de una consulta DNS (II)</a:t>
-            </a:r>
-          </a:p>
-          <a:p>
-            <a:pPr lvl="1"/>
-            <a:r>
-              <a:rPr lang="es-AR" dirty="0" smtClean="0"/>
-              <a:t>El PC final tiene un </a:t>
-            </a:r>
-            <a:r>
-              <a:rPr lang="es-AR" i="1" dirty="0" smtClean="0"/>
-              <a:t>resolver</a:t>
-            </a:r>
-            <a:r>
-              <a:rPr lang="es-AR" dirty="0" smtClean="0"/>
-              <a:t> local</a:t>
-            </a:r>
-          </a:p>
-          <a:p>
-            <a:pPr lvl="2"/>
-            <a:r>
-              <a:rPr lang="es-AR" dirty="0" smtClean="0"/>
-              <a:t>Archivo /</a:t>
-            </a:r>
-            <a:r>
-              <a:rPr lang="es-AR" dirty="0" err="1" smtClean="0"/>
-              <a:t>etc</a:t>
-            </a:r>
-            <a:r>
-              <a:rPr lang="es-AR" dirty="0" smtClean="0"/>
-              <a:t>/hosts</a:t>
-            </a:r>
-          </a:p>
-          <a:p>
-            <a:pPr lvl="3"/>
-            <a:r>
-              <a:rPr lang="es-AR" dirty="0" smtClean="0"/>
-              <a:t>Si aquí hay una entrada, se responde desde aquí</a:t>
-            </a:r>
-          </a:p>
-          <a:p>
-            <a:pPr lvl="2"/>
-            <a:r>
-              <a:rPr lang="es-AR" noProof="0" dirty="0" smtClean="0"/>
-              <a:t>Apunta a un servidor DNS</a:t>
-            </a:r>
-          </a:p>
-          <a:p>
-            <a:pPr lvl="1"/>
-            <a:r>
-              <a:rPr lang="es-AR" dirty="0" smtClean="0"/>
-              <a:t>Cada DNS trata de responder de:</a:t>
-            </a:r>
-          </a:p>
-          <a:p>
-            <a:pPr lvl="2"/>
-            <a:r>
-              <a:rPr lang="es-AR" noProof="0" dirty="0" smtClean="0"/>
-              <a:t>Sus </a:t>
-            </a:r>
-            <a:r>
-              <a:rPr lang="es-AR" i="1" noProof="0" dirty="0" err="1" smtClean="0"/>
-              <a:t>hints</a:t>
-            </a:r>
-            <a:endParaRPr lang="es-AR" noProof="0" dirty="0" smtClean="0"/>
-          </a:p>
-          <a:p>
-            <a:pPr lvl="2"/>
-            <a:r>
-              <a:rPr lang="es-AR" noProof="0" dirty="0" smtClean="0"/>
-              <a:t>Su caché</a:t>
-            </a:r>
-          </a:p>
-          <a:p>
-            <a:pPr lvl="2"/>
-            <a:r>
-              <a:rPr lang="es-AR" dirty="0" smtClean="0"/>
-              <a:t>Sus zonas autoritativas</a:t>
-            </a:r>
-          </a:p>
-          <a:p>
-            <a:pPr lvl="1"/>
-            <a:r>
-              <a:rPr lang="es-AR" noProof="0" dirty="0" smtClean="0"/>
-              <a:t>Cada DNS cachea de forma agresiva todo los </a:t>
-            </a:r>
-            <a:r>
-              <a:rPr lang="es-AR" noProof="0" dirty="0" err="1" smtClean="0"/>
-              <a:t>RRs</a:t>
-            </a:r>
-            <a:r>
-              <a:rPr lang="es-AR" noProof="0" dirty="0" smtClean="0"/>
-              <a:t> que sean posibles</a:t>
-            </a:r>
-          </a:p>
-          <a:p>
-            <a:pPr lvl="2"/>
-            <a:r>
-              <a:rPr lang="es-AR" dirty="0" smtClean="0"/>
-              <a:t>¿Hasta cuando? Se guía por los tiempos establecidos en los registros SOA y en los </a:t>
-            </a:r>
-            <a:r>
-              <a:rPr lang="es-AR" dirty="0" err="1" smtClean="0"/>
-              <a:t>TTLs</a:t>
-            </a:r>
-            <a:endParaRPr lang="es-AR" noProof="0" dirty="0"/>
-          </a:p>
-        </p:txBody>
-      </p:sp>
-    </p:spTree>
-    <p:extLst>
-      <p:ext uri="{BB962C8B-B14F-4D97-AF65-F5344CB8AC3E}">
-        <p14:creationId xmlns:p14="http://schemas.microsoft.com/office/powerpoint/2010/main" val="1609181508"/>
-      </p:ext>
-    </p:extLst>
-  </p:cSld>
-  <p:clrMapOvr>
-    <a:masterClrMapping/>
-  </p:clrMapOvr>
-  <p:transition xmlns:p14="http://schemas.microsoft.com/office/powerpoint/2010/main"/>
-  <p:timing>
-    <p:tnLst>
-      <p:par>
-        <p:cTn xmlns:p14="http://schemas.microsoft.com/office/powerpoint/2010/main" id="1" dur="indefinite" restart="never" nodeType="tmRoot"/>
-      </p:par>
-    </p:tnLst>
-  </p:timing>
-</p:sld>
-</file>
-
-<file path=ppt/slides/slide37.xml><?xml version="1.0" encoding="utf-8"?>
-<p:sld xmlns:a="http://schemas.openxmlformats.org/drawingml/2006/main" xmlns:r="http://schemas.openxmlformats.org/officeDocument/2006/relationships" xmlns:p="http://schemas.openxmlformats.org/presentationml/2006/main">
-  <p:cSld>
-    <p:spTree>
-      <p:nvGrpSpPr>
-        <p:cNvPr id="1" name=""/>
-        <p:cNvGrpSpPr/>
-        <p:nvPr/>
-      </p:nvGrpSpPr>
-      <p:grpSpPr>
-        <a:xfrm>
-          <a:off x="0" y="0"/>
-          <a:ext cx="0" cy="0"/>
-          <a:chOff x="0" y="0"/>
-          <a:chExt cx="0" cy="0"/>
-        </a:xfrm>
-      </p:grpSpPr>
-      <p:sp>
-        <p:nvSpPr>
-          <p:cNvPr id="2" name="Title 1"/>
-          <p:cNvSpPr>
-            <a:spLocks noGrp="1"/>
-          </p:cNvSpPr>
-          <p:nvPr>
-            <p:ph type="title"/>
-          </p:nvPr>
-        </p:nvSpPr>
-        <p:spPr/>
-        <p:txBody>
-          <a:bodyPr>
-            <a:normAutofit/>
-          </a:bodyPr>
-          <a:lstStyle/>
-          <a:p>
-            <a:r>
-              <a:rPr lang="en-US" dirty="0" err="1" smtClean="0"/>
-              <a:t>Operación</a:t>
-            </a:r>
-            <a:r>
-              <a:rPr lang="en-US" dirty="0" smtClean="0"/>
-              <a:t>: </a:t>
-            </a:r>
-            <a:r>
-              <a:rPr lang="en-US" dirty="0" err="1" smtClean="0"/>
-              <a:t>Consultas</a:t>
-            </a:r>
-            <a:r>
-              <a:rPr lang="en-US" dirty="0" smtClean="0"/>
-              <a:t/>
-            </a:r>
-            <a:br>
-              <a:rPr lang="en-US" dirty="0" smtClean="0"/>
-            </a:br>
-            <a:endParaRPr lang="en-US" dirty="0"/>
-          </a:p>
-        </p:txBody>
-      </p:sp>
-      <p:sp>
-        <p:nvSpPr>
-          <p:cNvPr id="3" name="Content Placeholder 2"/>
-          <p:cNvSpPr>
-            <a:spLocks noGrp="1"/>
-          </p:cNvSpPr>
-          <p:nvPr>
-            <p:ph idx="1"/>
-          </p:nvPr>
-        </p:nvSpPr>
-        <p:spPr>
-          <a:xfrm>
-            <a:off x="504825" y="1546002"/>
-            <a:ext cx="9234488" cy="5459412"/>
-          </a:xfrm>
-        </p:spPr>
-        <p:txBody>
-          <a:bodyPr/>
-          <a:lstStyle/>
-          <a:p>
-            <a:r>
-              <a:rPr lang="en-US" dirty="0" err="1" smtClean="0"/>
-              <a:t>Esquema</a:t>
-            </a:r>
-            <a:r>
-              <a:rPr lang="en-US" dirty="0" smtClean="0"/>
-              <a:t> de </a:t>
-            </a:r>
-            <a:r>
-              <a:rPr lang="en-US" dirty="0" err="1" smtClean="0"/>
-              <a:t>una</a:t>
-            </a:r>
-            <a:r>
-              <a:rPr lang="en-US" dirty="0" smtClean="0"/>
-              <a:t> </a:t>
-            </a:r>
-            <a:r>
-              <a:rPr lang="en-US" dirty="0" err="1" smtClean="0"/>
-              <a:t>consulta</a:t>
-            </a:r>
-            <a:r>
-              <a:rPr lang="en-US" dirty="0" smtClean="0"/>
-              <a:t> DNS (III)</a:t>
-            </a:r>
-          </a:p>
-          <a:p>
-            <a:pPr lvl="1"/>
-            <a:r>
-              <a:rPr lang="en-US" dirty="0" err="1" smtClean="0"/>
-              <a:t>Una</a:t>
-            </a:r>
-            <a:r>
-              <a:rPr lang="en-US" dirty="0" smtClean="0"/>
-              <a:t> </a:t>
-            </a:r>
-            <a:r>
-              <a:rPr lang="en-US" dirty="0" err="1" smtClean="0"/>
-              <a:t>consulta</a:t>
-            </a:r>
-            <a:r>
-              <a:rPr lang="en-US" dirty="0" smtClean="0"/>
-              <a:t> </a:t>
-            </a:r>
-            <a:r>
-              <a:rPr lang="en-US" dirty="0" err="1" smtClean="0"/>
-              <a:t>puede</a:t>
-            </a:r>
-            <a:r>
-              <a:rPr lang="en-US" dirty="0" smtClean="0"/>
-              <a:t> ser:</a:t>
-            </a:r>
-          </a:p>
-          <a:p>
-            <a:pPr lvl="2"/>
-            <a:r>
-              <a:rPr lang="en-US" dirty="0" smtClean="0"/>
-              <a:t>No </a:t>
-            </a:r>
-            <a:r>
-              <a:rPr lang="en-US" dirty="0" err="1" smtClean="0"/>
-              <a:t>recursiva</a:t>
-            </a:r>
-            <a:endParaRPr lang="en-US" dirty="0" smtClean="0"/>
-          </a:p>
-          <a:p>
-            <a:pPr lvl="3"/>
-            <a:r>
-              <a:rPr lang="en-US" dirty="0" err="1" smtClean="0"/>
-              <a:t>Todos</a:t>
-            </a:r>
-            <a:r>
-              <a:rPr lang="en-US" dirty="0" smtClean="0"/>
-              <a:t> los </a:t>
-            </a:r>
-            <a:r>
-              <a:rPr lang="en-US" dirty="0" err="1" smtClean="0"/>
-              <a:t>servidores</a:t>
-            </a:r>
-            <a:r>
-              <a:rPr lang="en-US" dirty="0" smtClean="0"/>
-              <a:t> DEBEN </a:t>
-            </a:r>
-            <a:r>
-              <a:rPr lang="en-US" dirty="0" err="1" smtClean="0"/>
-              <a:t>soportarlas</a:t>
-            </a:r>
-            <a:endParaRPr lang="en-US" dirty="0" smtClean="0"/>
-          </a:p>
-          <a:p>
-            <a:pPr lvl="3"/>
-            <a:r>
-              <a:rPr lang="en-US" dirty="0" smtClean="0"/>
-              <a:t>La </a:t>
-            </a:r>
-            <a:r>
-              <a:rPr lang="en-US" dirty="0" err="1" smtClean="0"/>
-              <a:t>respuesta</a:t>
-            </a:r>
-            <a:r>
-              <a:rPr lang="en-US" dirty="0" smtClean="0"/>
-              <a:t> final </a:t>
-            </a:r>
-            <a:r>
-              <a:rPr lang="en-US" dirty="0" err="1" smtClean="0"/>
-              <a:t>podrá</a:t>
-            </a:r>
-            <a:r>
-              <a:rPr lang="en-US" dirty="0" smtClean="0"/>
-              <a:t> o no </a:t>
-            </a:r>
-            <a:r>
-              <a:rPr lang="en-US" dirty="0" err="1" smtClean="0"/>
-              <a:t>llegar</a:t>
-            </a:r>
-            <a:endParaRPr lang="en-US" dirty="0" smtClean="0"/>
-          </a:p>
-          <a:p>
-            <a:pPr lvl="4"/>
-            <a:r>
-              <a:rPr lang="en-US" dirty="0" err="1" smtClean="0"/>
-              <a:t>Dependiendo</a:t>
-            </a:r>
-            <a:r>
-              <a:rPr lang="en-US" dirty="0" smtClean="0"/>
-              <a:t> de hints y </a:t>
-            </a:r>
-            <a:r>
-              <a:rPr lang="en-US" dirty="0" err="1" smtClean="0"/>
-              <a:t>cachés</a:t>
-            </a:r>
-            <a:endParaRPr lang="en-US" dirty="0" smtClean="0"/>
-          </a:p>
-          <a:p>
-            <a:pPr lvl="2"/>
-            <a:r>
-              <a:rPr lang="en-US" dirty="0" err="1" smtClean="0"/>
-              <a:t>Recursiva</a:t>
-            </a:r>
-            <a:endParaRPr lang="en-US" dirty="0" smtClean="0"/>
-          </a:p>
-          <a:p>
-            <a:pPr lvl="3"/>
-            <a:r>
-              <a:rPr lang="en-US" dirty="0" err="1" smtClean="0"/>
-              <a:t>Opcional</a:t>
-            </a:r>
-            <a:endParaRPr lang="en-US" dirty="0" smtClean="0"/>
-          </a:p>
-          <a:p>
-            <a:pPr lvl="3"/>
-            <a:r>
-              <a:rPr lang="en-US" dirty="0" smtClean="0"/>
-              <a:t>La </a:t>
-            </a:r>
-            <a:r>
-              <a:rPr lang="en-US" dirty="0" err="1" smtClean="0"/>
-              <a:t>respuesta</a:t>
-            </a:r>
-            <a:r>
-              <a:rPr lang="en-US" dirty="0" smtClean="0"/>
-              <a:t> final SIEMPRE </a:t>
-            </a:r>
-            <a:r>
-              <a:rPr lang="en-US" dirty="0" err="1" smtClean="0"/>
-              <a:t>es</a:t>
-            </a:r>
-            <a:r>
-              <a:rPr lang="en-US" dirty="0" smtClean="0"/>
-              <a:t> </a:t>
-            </a:r>
-            <a:r>
-              <a:rPr lang="en-US" dirty="0" err="1" smtClean="0"/>
-              <a:t>devuelta</a:t>
-            </a:r>
-            <a:endParaRPr lang="en-US" dirty="0" smtClean="0"/>
-          </a:p>
-          <a:p>
-            <a:pPr lvl="2"/>
-            <a:r>
-              <a:rPr lang="en-US" dirty="0" err="1" smtClean="0"/>
-              <a:t>Inversa</a:t>
-            </a:r>
-            <a:endParaRPr lang="en-US" dirty="0" smtClean="0"/>
-          </a:p>
-          <a:p>
-            <a:pPr lvl="3"/>
-            <a:r>
-              <a:rPr lang="en-US" dirty="0" smtClean="0"/>
-              <a:t>No </a:t>
-            </a:r>
-            <a:r>
-              <a:rPr lang="en-US" dirty="0" err="1" smtClean="0"/>
-              <a:t>usada</a:t>
-            </a:r>
-            <a:r>
-              <a:rPr lang="en-US" dirty="0" smtClean="0"/>
-              <a:t> en Internet, </a:t>
-            </a:r>
-            <a:r>
-              <a:rPr lang="en-US" dirty="0" err="1" smtClean="0"/>
-              <a:t>nunca</a:t>
-            </a:r>
-            <a:r>
-              <a:rPr lang="en-US" dirty="0" smtClean="0"/>
-              <a:t> se </a:t>
-            </a:r>
-            <a:r>
-              <a:rPr lang="en-US" dirty="0" err="1" smtClean="0"/>
-              <a:t>implemento</a:t>
-            </a:r>
-            <a:r>
-              <a:rPr lang="en-US" dirty="0" smtClean="0"/>
-              <a:t> </a:t>
-            </a:r>
-            <a:r>
-              <a:rPr lang="en-US" dirty="0" err="1" smtClean="0"/>
-              <a:t>completamente</a:t>
-            </a:r>
-            <a:endParaRPr lang="en-US" dirty="0" smtClean="0"/>
-          </a:p>
-          <a:p>
-            <a:pPr lvl="3"/>
-            <a:r>
-              <a:rPr lang="en-US" dirty="0" err="1" smtClean="0"/>
-              <a:t>Cuando</a:t>
-            </a:r>
-            <a:r>
-              <a:rPr lang="en-US" dirty="0" smtClean="0"/>
-              <a:t> se </a:t>
-            </a:r>
-            <a:r>
-              <a:rPr lang="en-US" dirty="0" err="1" smtClean="0"/>
-              <a:t>busca</a:t>
-            </a:r>
-            <a:r>
-              <a:rPr lang="en-US" dirty="0" smtClean="0"/>
-              <a:t> el name dado un </a:t>
-            </a:r>
-            <a:r>
-              <a:rPr lang="en-US" dirty="0" err="1" smtClean="0"/>
-              <a:t>cierto</a:t>
-            </a:r>
-            <a:r>
-              <a:rPr lang="en-US" dirty="0" smtClean="0"/>
-              <a:t> RR</a:t>
-            </a:r>
-          </a:p>
-          <a:p>
-            <a:pPr lvl="4"/>
-            <a:r>
-              <a:rPr lang="en-US" dirty="0" smtClean="0"/>
-              <a:t>NO </a:t>
-            </a:r>
-            <a:r>
-              <a:rPr lang="en-US" dirty="0" err="1" smtClean="0"/>
-              <a:t>confundir</a:t>
-            </a:r>
-            <a:r>
-              <a:rPr lang="en-US" dirty="0" smtClean="0"/>
-              <a:t> con la </a:t>
-            </a:r>
-            <a:r>
-              <a:rPr lang="en-US" dirty="0" err="1" smtClean="0"/>
-              <a:t>consulta</a:t>
-            </a:r>
-            <a:r>
-              <a:rPr lang="en-US" dirty="0" smtClean="0"/>
-              <a:t> “</a:t>
-            </a:r>
-            <a:r>
-              <a:rPr lang="en-US" dirty="0" err="1" smtClean="0"/>
-              <a:t>reversa</a:t>
-            </a:r>
-            <a:r>
-              <a:rPr lang="en-US" dirty="0" smtClean="0"/>
-              <a:t>” de </a:t>
-            </a:r>
-            <a:r>
-              <a:rPr lang="en-US" dirty="0" err="1" smtClean="0"/>
-              <a:t>numeros</a:t>
-            </a:r>
-            <a:r>
-              <a:rPr lang="en-US" dirty="0" smtClean="0"/>
-              <a:t> IP a </a:t>
-            </a:r>
-            <a:r>
-              <a:rPr lang="en-US" dirty="0" err="1" smtClean="0"/>
-              <a:t>nombres</a:t>
-            </a:r>
-            <a:endParaRPr lang="en-US" dirty="0" smtClean="0"/>
-          </a:p>
-          <a:p>
-            <a:pPr lvl="3"/>
-            <a:endParaRPr lang="en-US" dirty="0" smtClean="0"/>
-          </a:p>
-          <a:p>
-            <a:pPr lvl="2"/>
-            <a:endParaRPr lang="en-US" dirty="0"/>
-          </a:p>
-        </p:txBody>
-      </p:sp>
-    </p:spTree>
-    <p:extLst>
-      <p:ext uri="{BB962C8B-B14F-4D97-AF65-F5344CB8AC3E}">
-        <p14:creationId xmlns:p14="http://schemas.microsoft.com/office/powerpoint/2010/main" val="1810688475"/>
-      </p:ext>
-    </p:extLst>
-  </p:cSld>
-  <p:clrMapOvr>
-    <a:masterClrMapping/>
-  </p:clrMapOvr>
-  <p:transition xmlns:p14="http://schemas.microsoft.com/office/powerpoint/2010/main"/>
-  <p:timing>
-    <p:tnLst>
-      <p:par>
-        <p:cTn xmlns:p14="http://schemas.microsoft.com/office/powerpoint/2010/main" id="1" dur="indefinite" restart="never" nodeType="tmRoot"/>
-      </p:par>
-    </p:tnLst>
-  </p:timing>
-</p:sld>
-</file>
-
 <file path=ppt/slides/slide38.xml><?xml version="1.0" encoding="utf-8"?>
 <p:sld xmlns:a="http://schemas.openxmlformats.org/drawingml/2006/main" xmlns:r="http://schemas.openxmlformats.org/officeDocument/2006/relationships" xmlns:p="http://schemas.openxmlformats.org/presentationml/2006/main">
   <p:cSld>
@@ -23498,25 +23968,13 @@
           <a:lstStyle/>
           <a:p>
             <a:r>
-              <a:rPr lang="en-US" dirty="0" err="1" smtClean="0"/>
+              <a:rPr lang="es-AR" noProof="0" dirty="0" smtClean="0"/>
               <a:t>Operación</a:t>
             </a:r>
-            <a:r>
-              <a:rPr lang="en-US" dirty="0" smtClean="0"/>
-              <a:t>: </a:t>
-            </a:r>
-            <a:r>
-              <a:rPr lang="en-US" dirty="0" err="1" smtClean="0"/>
-              <a:t>Consultas</a:t>
-            </a:r>
-            <a:r>
-              <a:rPr lang="en-US" dirty="0" smtClean="0"/>
-              <a:t/>
-            </a:r>
             <a:br>
-              <a:rPr lang="en-US" dirty="0" smtClean="0"/>
+              <a:rPr lang="es-AR" noProof="0" dirty="0" smtClean="0"/>
             </a:br>
-            <a:endParaRPr lang="en-US" dirty="0"/>
+            <a:endParaRPr lang="es-AR" noProof="0" dirty="0"/>
           </a:p>
         </p:txBody>
       </p:sp>
@@ -23532,360 +23990,142 @@
         </p:nvSpPr>
         <p:spPr>
           <a:xfrm>
-            <a:off x="504825" y="1415182"/>
-            <a:ext cx="9234488" cy="5459412"/>
+            <a:off x="503635" y="1585333"/>
+            <a:ext cx="9065419" cy="5793317"/>
           </a:xfrm>
         </p:spPr>
         <p:txBody>
-          <a:bodyPr/>
+          <a:bodyPr>
+            <a:normAutofit fontScale="92500" lnSpcReduction="10000"/>
+          </a:bodyPr>
           <a:lstStyle/>
           <a:p>
             <a:r>
-              <a:rPr lang="en-US" dirty="0" err="1" smtClean="0"/>
-              <a:t>Esquema</a:t>
-            </a:r>
-            <a:r>
-              <a:rPr lang="en-US" dirty="0" smtClean="0"/>
-              <a:t> de </a:t>
-            </a:r>
-            <a:r>
-              <a:rPr lang="en-US" dirty="0" err="1" smtClean="0"/>
-              <a:t>una</a:t>
-            </a:r>
-            <a:r>
-              <a:rPr lang="en-US" dirty="0" smtClean="0"/>
-              <a:t> </a:t>
-            </a:r>
-            <a:r>
-              <a:rPr lang="en-US" dirty="0" err="1" smtClean="0"/>
-              <a:t>consulta</a:t>
-            </a:r>
-            <a:r>
-              <a:rPr lang="en-US" dirty="0" smtClean="0"/>
-              <a:t> DNS (IV):</a:t>
+              <a:rPr lang="es-AR" noProof="0" dirty="0" smtClean="0"/>
+              <a:t>Esquema de una consulta DNS (II)</a:t>
             </a:r>
           </a:p>
           <a:p>
             <a:pPr lvl="1"/>
             <a:r>
-              <a:rPr lang="en-US" dirty="0" err="1" smtClean="0"/>
-              <a:t>Recursión</a:t>
-            </a:r>
-            <a:r>
-              <a:rPr lang="en-US" dirty="0" smtClean="0"/>
-              <a:t>:</a:t>
+              <a:rPr lang="es-AR" dirty="0" smtClean="0"/>
+              <a:t>El PC final tiene un </a:t>
+            </a:r>
+            <a:r>
+              <a:rPr lang="es-AR" i="1" dirty="0" smtClean="0"/>
+              <a:t>resolver</a:t>
+            </a:r>
+            <a:r>
+              <a:rPr lang="es-AR" dirty="0" smtClean="0"/>
+              <a:t> local</a:t>
             </a:r>
           </a:p>
           <a:p>
             <a:pPr lvl="2"/>
             <a:r>
-              <a:rPr lang="en-US" dirty="0" smtClean="0"/>
-              <a:t>Este </a:t>
-            </a:r>
-            <a:r>
-              <a:rPr lang="en-US" dirty="0" err="1" smtClean="0"/>
-              <a:t>es</a:t>
-            </a:r>
-            <a:r>
-              <a:rPr lang="en-US" dirty="0" smtClean="0"/>
-              <a:t> el </a:t>
-            </a:r>
-            <a:r>
-              <a:rPr lang="en-US" dirty="0" err="1" smtClean="0"/>
-              <a:t>proceso</a:t>
-            </a:r>
-            <a:r>
-              <a:rPr lang="en-US" dirty="0" smtClean="0"/>
-              <a:t> a </a:t>
-            </a:r>
-            <a:r>
-              <a:rPr lang="en-US" dirty="0" err="1" smtClean="0"/>
-              <a:t>través</a:t>
-            </a:r>
-            <a:r>
-              <a:rPr lang="en-US" dirty="0" smtClean="0"/>
-              <a:t> del </a:t>
-            </a:r>
-            <a:r>
-              <a:rPr lang="en-US" dirty="0" err="1" smtClean="0"/>
-              <a:t>cual</a:t>
-            </a:r>
-            <a:r>
-              <a:rPr lang="en-US" dirty="0" smtClean="0"/>
-              <a:t> el </a:t>
-            </a:r>
-            <a:r>
-              <a:rPr lang="en-US" dirty="0" err="1" smtClean="0"/>
-              <a:t>árbol</a:t>
-            </a:r>
-            <a:r>
-              <a:rPr lang="en-US" dirty="0" smtClean="0"/>
-              <a:t> se forma</a:t>
+              <a:rPr lang="es-AR" dirty="0" smtClean="0"/>
+              <a:t>Archivo /</a:t>
+            </a:r>
+            <a:r>
+              <a:rPr lang="es-AR" dirty="0" err="1" smtClean="0"/>
+              <a:t>etc</a:t>
+            </a:r>
+            <a:r>
+              <a:rPr lang="es-AR" dirty="0" smtClean="0"/>
+              <a:t>/hosts</a:t>
+            </a:r>
+          </a:p>
+          <a:p>
+            <a:pPr lvl="3"/>
+            <a:r>
+              <a:rPr lang="es-AR" dirty="0" smtClean="0"/>
+              <a:t>Si aquí hay una entrada, se responde desde aquí</a:t>
             </a:r>
           </a:p>
           <a:p>
             <a:pPr lvl="2"/>
             <a:r>
-              <a:rPr lang="en-US" dirty="0" smtClean="0"/>
-              <a:t>Si un </a:t>
-            </a:r>
-            <a:r>
-              <a:rPr lang="en-US" dirty="0" err="1" smtClean="0"/>
-              <a:t>servidor</a:t>
-            </a:r>
-            <a:r>
-              <a:rPr lang="en-US" dirty="0" smtClean="0"/>
-              <a:t> </a:t>
-            </a:r>
-            <a:r>
-              <a:rPr lang="en-US" dirty="0" err="1" smtClean="0"/>
-              <a:t>recibe</a:t>
-            </a:r>
-            <a:r>
-              <a:rPr lang="en-US" dirty="0" smtClean="0"/>
-              <a:t> </a:t>
-            </a:r>
-            <a:r>
-              <a:rPr lang="en-US" dirty="0" err="1" smtClean="0"/>
-              <a:t>una</a:t>
-            </a:r>
-            <a:r>
-              <a:rPr lang="en-US" dirty="0" smtClean="0"/>
-              <a:t> </a:t>
-            </a:r>
-            <a:r>
-              <a:rPr lang="en-US" dirty="0" err="1" smtClean="0"/>
-              <a:t>consulta</a:t>
-            </a:r>
-            <a:r>
-              <a:rPr lang="en-US" dirty="0" smtClean="0"/>
-              <a:t> </a:t>
-            </a:r>
-            <a:r>
-              <a:rPr lang="en-US" dirty="0" err="1" smtClean="0"/>
-              <a:t>por</a:t>
-            </a:r>
-            <a:r>
-              <a:rPr lang="en-US" dirty="0" smtClean="0"/>
-              <a:t>:</a:t>
-            </a:r>
-          </a:p>
-          <a:p>
-            <a:pPr lvl="3"/>
-            <a:r>
-              <a:rPr lang="en-US" dirty="0" smtClean="0">
-                <a:latin typeface="Courier New" pitchFamily="49" charset="0"/>
-                <a:cs typeface="Courier New" pitchFamily="49" charset="0"/>
-              </a:rPr>
-              <a:t>(IN, A, </a:t>
-            </a:r>
-            <a:r>
-              <a:rPr lang="en-US" dirty="0" smtClean="0">
-                <a:latin typeface="Courier New" pitchFamily="49" charset="0"/>
-                <a:cs typeface="Courier New" pitchFamily="49" charset="0"/>
-                <a:hlinkClick r:id="rId2"/>
-              </a:rPr>
-              <a:t>www.adinet.com.uy</a:t>
-            </a:r>
-            <a:r>
-              <a:rPr lang="en-US" dirty="0" smtClean="0">
-                <a:latin typeface="Courier New" pitchFamily="49" charset="0"/>
-                <a:cs typeface="Courier New" pitchFamily="49" charset="0"/>
-              </a:rPr>
-              <a:t>)</a:t>
+              <a:rPr lang="es-AR" noProof="0" dirty="0" smtClean="0"/>
+              <a:t>Apunta a un servidor DNS</a:t>
+            </a:r>
+          </a:p>
+          <a:p>
+            <a:pPr lvl="1"/>
+            <a:r>
+              <a:rPr lang="es-AR" dirty="0" smtClean="0"/>
+              <a:t>Cada DNS trata de responder de:</a:t>
             </a:r>
           </a:p>
           <a:p>
             <a:pPr lvl="2"/>
             <a:r>
-              <a:rPr lang="en-US" dirty="0" err="1" smtClean="0"/>
-              <a:t>Debe</a:t>
-            </a:r>
-            <a:r>
-              <a:rPr lang="en-US" dirty="0" smtClean="0"/>
-              <a:t>:</a:t>
-            </a:r>
-          </a:p>
-          <a:p>
-            <a:pPr lvl="3"/>
-            <a:r>
-              <a:rPr lang="en-US" dirty="0" err="1" smtClean="0"/>
-              <a:t>Buscar</a:t>
-            </a:r>
-            <a:r>
-              <a:rPr lang="en-US" dirty="0" smtClean="0"/>
-              <a:t> la </a:t>
-            </a:r>
-            <a:r>
-              <a:rPr lang="en-US" dirty="0" err="1" smtClean="0"/>
-              <a:t>raíz</a:t>
-            </a:r>
-            <a:endParaRPr lang="en-US" dirty="0" smtClean="0"/>
-          </a:p>
-          <a:p>
-            <a:pPr lvl="3"/>
-            <a:r>
-              <a:rPr lang="en-US" dirty="0" err="1" smtClean="0"/>
-              <a:t>Buscar</a:t>
-            </a:r>
-            <a:r>
-              <a:rPr lang="en-US" dirty="0" smtClean="0"/>
-              <a:t> el “</a:t>
-            </a:r>
-            <a:r>
-              <a:rPr lang="en-US" dirty="0" err="1" smtClean="0">
-                <a:latin typeface="Courier New" pitchFamily="49" charset="0"/>
-                <a:cs typeface="Courier New" pitchFamily="49" charset="0"/>
-              </a:rPr>
-              <a:t>uy</a:t>
-            </a:r>
-            <a:r>
-              <a:rPr lang="en-US" dirty="0" smtClean="0"/>
-              <a:t>”</a:t>
-            </a:r>
-          </a:p>
-          <a:p>
-            <a:pPr lvl="3"/>
-            <a:r>
-              <a:rPr lang="en-US" dirty="0" err="1" smtClean="0"/>
-              <a:t>Buscar</a:t>
-            </a:r>
-            <a:r>
-              <a:rPr lang="en-US" dirty="0" smtClean="0"/>
-              <a:t> el “</a:t>
-            </a:r>
-            <a:r>
-              <a:rPr lang="en-US" dirty="0" smtClean="0">
-                <a:latin typeface="Courier New" pitchFamily="49" charset="0"/>
-                <a:cs typeface="Courier New" pitchFamily="49" charset="0"/>
-              </a:rPr>
-              <a:t>com.uy</a:t>
-            </a:r>
-            <a:r>
-              <a:rPr lang="en-US" dirty="0" smtClean="0"/>
-              <a:t>”</a:t>
-            </a:r>
-          </a:p>
-          <a:p>
-            <a:pPr lvl="3"/>
-            <a:r>
-              <a:rPr lang="en-US" dirty="0" err="1" smtClean="0"/>
-              <a:t>Buscar</a:t>
-            </a:r>
-            <a:r>
-              <a:rPr lang="en-US" dirty="0" smtClean="0"/>
-              <a:t> el “</a:t>
-            </a:r>
-            <a:r>
-              <a:rPr lang="en-US" dirty="0" smtClean="0">
-                <a:latin typeface="Courier New" pitchFamily="49" charset="0"/>
-                <a:cs typeface="Courier New" pitchFamily="49" charset="0"/>
-              </a:rPr>
-              <a:t>adinet.com.uy</a:t>
-            </a:r>
-            <a:r>
-              <a:rPr lang="en-US" dirty="0" smtClean="0"/>
-              <a:t>”</a:t>
-            </a:r>
-          </a:p>
-          <a:p>
-            <a:pPr lvl="3"/>
-            <a:r>
-              <a:rPr lang="en-US" dirty="0" err="1" smtClean="0"/>
-              <a:t>Buscar</a:t>
-            </a:r>
-            <a:r>
-              <a:rPr lang="en-US" dirty="0" smtClean="0"/>
-              <a:t> el “</a:t>
-            </a:r>
-            <a:r>
-              <a:rPr lang="en-US" dirty="0" smtClean="0">
-                <a:latin typeface="Courier New" pitchFamily="49" charset="0"/>
-                <a:cs typeface="Courier New" pitchFamily="49" charset="0"/>
-              </a:rPr>
-              <a:t>www.adinet.com.uy</a:t>
-            </a:r>
-            <a:r>
-              <a:rPr lang="en-US" dirty="0" smtClean="0"/>
-              <a:t>”</a:t>
-            </a:r>
+              <a:rPr lang="es-AR" noProof="0" dirty="0" smtClean="0"/>
+              <a:t>Sus </a:t>
+            </a:r>
+            <a:r>
+              <a:rPr lang="es-AR" i="1" noProof="0" dirty="0" err="1" smtClean="0"/>
+              <a:t>hints</a:t>
+            </a:r>
+            <a:endParaRPr lang="es-AR" noProof="0" dirty="0" smtClean="0"/>
           </a:p>
           <a:p>
             <a:pPr lvl="2"/>
             <a:r>
-              <a:rPr lang="en-US" dirty="0" err="1" smtClean="0"/>
-              <a:t>Cuando</a:t>
-            </a:r>
-            <a:r>
-              <a:rPr lang="en-US" dirty="0" smtClean="0"/>
-              <a:t> </a:t>
-            </a:r>
-            <a:r>
-              <a:rPr lang="en-US" dirty="0" err="1" smtClean="0"/>
-              <a:t>decimos</a:t>
-            </a:r>
-            <a:r>
-              <a:rPr lang="en-US" dirty="0" smtClean="0"/>
-              <a:t> </a:t>
-            </a:r>
-            <a:r>
-              <a:rPr lang="en-US" dirty="0" err="1" smtClean="0"/>
-              <a:t>buscar</a:t>
-            </a:r>
-            <a:r>
-              <a:rPr lang="en-US" dirty="0" smtClean="0"/>
-              <a:t> </a:t>
-            </a:r>
-            <a:r>
-              <a:rPr lang="en-US" dirty="0" err="1" smtClean="0"/>
-              <a:t>decimos</a:t>
-            </a:r>
-            <a:r>
-              <a:rPr lang="en-US" dirty="0" smtClean="0"/>
-              <a:t>:</a:t>
-            </a:r>
-          </a:p>
-          <a:p>
-            <a:pPr lvl="3"/>
-            <a:r>
-              <a:rPr lang="en-US" dirty="0" err="1" smtClean="0"/>
-              <a:t>Seguir</a:t>
-            </a:r>
-            <a:r>
-              <a:rPr lang="en-US" dirty="0" smtClean="0"/>
-              <a:t> la </a:t>
-            </a:r>
-            <a:r>
-              <a:rPr lang="en-US" dirty="0" err="1" smtClean="0"/>
-              <a:t>pista</a:t>
-            </a:r>
-            <a:r>
-              <a:rPr lang="en-US" dirty="0" smtClean="0"/>
-              <a:t> de la </a:t>
-            </a:r>
-            <a:r>
-              <a:rPr lang="en-US" i="1" u="sng" dirty="0" err="1" smtClean="0"/>
-              <a:t>autoridad</a:t>
-            </a:r>
-            <a:endParaRPr lang="en-US" i="1" u="sng" dirty="0" smtClean="0"/>
+              <a:rPr lang="es-AR" noProof="0" dirty="0" smtClean="0"/>
+              <a:t>Su caché</a:t>
+            </a:r>
+          </a:p>
+          <a:p>
+            <a:pPr lvl="2"/>
+            <a:r>
+              <a:rPr lang="es-AR" dirty="0" smtClean="0"/>
+              <a:t>Sus zonas autoritativas</a:t>
+            </a:r>
+          </a:p>
+          <a:p>
+            <a:pPr lvl="1"/>
+            <a:r>
+              <a:rPr lang="es-AR" noProof="0" dirty="0" smtClean="0"/>
+              <a:t>Cada DNS cachea de forma agresiva todo los </a:t>
+            </a:r>
+            <a:r>
+              <a:rPr lang="es-AR" noProof="0" dirty="0" err="1" smtClean="0"/>
+              <a:t>RRs</a:t>
+            </a:r>
+            <a:r>
+              <a:rPr lang="es-AR" noProof="0" dirty="0" smtClean="0"/>
+              <a:t> que sean posibles</a:t>
+            </a:r>
+          </a:p>
+          <a:p>
+            <a:pPr lvl="2"/>
+            <a:r>
+              <a:rPr lang="es-AR" dirty="0" smtClean="0"/>
+              <a:t>¿Hasta cuando? Se guía por los tiempos establecidos en los registros SOA y en los </a:t>
+            </a:r>
+            <a:r>
+              <a:rPr lang="es-AR" dirty="0" err="1" smtClean="0"/>
+              <a:t>TTLs</a:t>
+            </a:r>
+            <a:endParaRPr lang="es-AR" noProof="0" dirty="0"/>
           </a:p>
         </p:txBody>
       </p:sp>
     </p:spTree>
     <p:extLst>
       <p:ext uri="{BB962C8B-B14F-4D97-AF65-F5344CB8AC3E}">
-        <p14:creationId xmlns:p14="http://schemas.microsoft.com/office/powerpoint/2010/main" val="1843441176"/>
+        <p14:creationId xmlns:p14="http://schemas.microsoft.com/office/powerpoint/2010/main" val="1609181508"/>
       </p:ext>
     </p:extLst>
   </p:cSld>
   <p:clrMapOvr>
     <a:masterClrMapping/>
   </p:clrMapOvr>
-  <p:transition xmlns:p14="http://schemas.microsoft.com/office/powerpoint/2010/main"/>
+  <p:transition/>
   <p:timing>
     <p:tnLst>
       <p:par>
-        <p:cTn xmlns:p14="http://schemas.microsoft.com/office/powerpoint/2010/main" id="1" dur="indefinite" restart="never" nodeType="tmRoot"/>
+        <p:cTn id="1" dur="indefinite" restart="never" nodeType="tmRoot"/>
       </p:par>
     </p:tnLst>
   </p:timing>
@@ -23921,12 +24161,22 @@
         </p:nvSpPr>
         <p:spPr/>
         <p:txBody>
-          <a:bodyPr/>
+          <a:bodyPr>
+            <a:normAutofit/>
+          </a:bodyPr>
           <a:lstStyle/>
           <a:p>
             <a:r>
               <a:rPr lang="en-US" dirty="0" err="1" smtClean="0"/>
-              <a:t>Delegación</a:t>
+              <a:t>Operación</a:t>
+            </a:r>
+            <a:r>
+              <a:rPr lang="en-US" dirty="0" smtClean="0"/>
+              <a:t>: </a:t>
+            </a:r>
+            <a:r>
+              <a:rPr lang="en-US" dirty="0" err="1" smtClean="0"/>
+              <a:t>Consultas</a:t>
             </a:r>
             <a:r>
               <a:rPr lang="en-US" dirty="0" smtClean="0"/>
@@ -23949,18 +24199,27 @@
             <p:ph idx="1"/>
           </p:nvPr>
         </p:nvSpPr>
-        <p:spPr/>
+        <p:spPr>
+          <a:xfrm>
+            <a:off x="504825" y="1546002"/>
+            <a:ext cx="9234488" cy="5459412"/>
+          </a:xfrm>
+        </p:spPr>
         <p:txBody>
           <a:bodyPr/>
           <a:lstStyle/>
           <a:p>
             <a:r>
+              <a:rPr lang="en-US" dirty="0" err="1" smtClean="0"/>
+              <a:t>Esquema</a:t>
+            </a:r>
+            <a:r>
               <a:rPr lang="en-US" dirty="0" smtClean="0"/>
-              <a:t>Como se </a:t>
+              <a:t> de </a:t>
             </a:r>
             <a:r>
               <a:rPr lang="en-US" dirty="0" err="1" smtClean="0"/>
-              <a:t>producen</a:t>
+              <a:t>una</a:t>
             </a:r>
             <a:r>
               <a:rPr lang="en-US" dirty="0" smtClean="0"/>
@@ -23968,7 +24227,18 @@
             </a:r>
             <a:r>
               <a:rPr lang="en-US" dirty="0" err="1" smtClean="0"/>
-              <a:t>las</a:t>
+              <a:t>consulta</a:t>
+            </a:r>
+            <a:r>
+              <a:rPr lang="en-US" dirty="0" smtClean="0"/>
+              <a:t> DNS (III)</a:t>
+            </a:r>
+          </a:p>
+          <a:p>
+            <a:pPr lvl="1"/>
+            <a:r>
+              <a:rPr lang="en-US" dirty="0" err="1" smtClean="0"/>
+              <a:t>Una</a:t>
             </a:r>
             <a:r>
               <a:rPr lang="en-US" dirty="0" smtClean="0"/>
@@ -23976,82 +24246,7 @@
             </a:r>
             <a:r>
               <a:rPr lang="en-US" dirty="0" err="1" smtClean="0"/>
-              <a:t>delegaciones</a:t>
-            </a:r>
-            <a:r>
-              <a:rPr lang="en-US" dirty="0" smtClean="0"/>
-              <a:t>?</a:t>
-            </a:r>
-          </a:p>
-          <a:p>
-            <a:pPr lvl="1"/>
-            <a:r>
-              <a:rPr lang="en-US" dirty="0" smtClean="0"/>
-              <a:t>A </a:t>
-            </a:r>
-            <a:r>
-              <a:rPr lang="en-US" dirty="0" err="1" smtClean="0"/>
-              <a:t>través</a:t>
-            </a:r>
-            <a:r>
-              <a:rPr lang="en-US" dirty="0" smtClean="0"/>
-              <a:t> de los </a:t>
-            </a:r>
-            <a:r>
-              <a:rPr lang="en-US" dirty="0" err="1" smtClean="0"/>
-              <a:t>registros</a:t>
-            </a:r>
-            <a:r>
-              <a:rPr lang="en-US" dirty="0" smtClean="0"/>
-              <a:t> NS mas </a:t>
-            </a:r>
-            <a:r>
-              <a:rPr lang="en-US" dirty="0" err="1" smtClean="0"/>
-              <a:t>sus</a:t>
-            </a:r>
-            <a:r>
-              <a:rPr lang="en-US" dirty="0" smtClean="0"/>
-              <a:t> “glue records”</a:t>
-            </a:r>
-          </a:p>
-          <a:p>
-            <a:pPr lvl="1"/>
-            <a:r>
-              <a:rPr lang="en-US" dirty="0" smtClean="0"/>
-              <a:t>En </a:t>
-            </a:r>
-            <a:r>
-              <a:rPr lang="en-US" dirty="0" err="1" smtClean="0"/>
-              <a:t>zona</a:t>
-            </a:r>
-            <a:r>
-              <a:rPr lang="en-US" dirty="0" smtClean="0"/>
-              <a:t> “tld1”:</a:t>
-            </a:r>
-          </a:p>
-          <a:p>
-            <a:pPr lvl="2"/>
-            <a:r>
-              <a:rPr lang="en-US" dirty="0" smtClean="0"/>
-              <a:t>RR: “subdominio.tld1  IN  NS ns.subdominio.tld1”</a:t>
-            </a:r>
-          </a:p>
-          <a:p>
-            <a:pPr lvl="2"/>
-            <a:r>
-              <a:rPr lang="en-US" dirty="0" smtClean="0"/>
-              <a:t>GR: “ns.subdominio.tld1 IN A 200.40.30.245”</a:t>
-            </a:r>
-          </a:p>
-          <a:p>
-            <a:pPr lvl="3"/>
-            <a:r>
-              <a:rPr lang="en-US" dirty="0" smtClean="0"/>
-              <a:t>En </a:t>
-            </a:r>
-            <a:r>
-              <a:rPr lang="en-US" dirty="0" err="1" smtClean="0"/>
-              <a:t>este</a:t>
+              <a:t>consulta</a:t>
             </a:r>
             <a:r>
               <a:rPr lang="en-US" dirty="0" smtClean="0"/>
@@ -24059,7 +24254,126 @@
             </a:r>
             <a:r>
               <a:rPr lang="en-US" dirty="0" err="1" smtClean="0"/>
-              <a:t>caso</a:t>
+              <a:t>puede</a:t>
+            </a:r>
+            <a:r>
+              <a:rPr lang="en-US" dirty="0" smtClean="0"/>
+              <a:t> ser:</a:t>
+            </a:r>
+          </a:p>
+          <a:p>
+            <a:pPr lvl="2"/>
+            <a:r>
+              <a:rPr lang="en-US" dirty="0" smtClean="0"/>
+              <a:t>No </a:t>
+            </a:r>
+            <a:r>
+              <a:rPr lang="en-US" dirty="0" err="1" smtClean="0"/>
+              <a:t>recursiva</a:t>
+            </a:r>
+            <a:endParaRPr lang="en-US" dirty="0" smtClean="0"/>
+          </a:p>
+          <a:p>
+            <a:pPr lvl="3"/>
+            <a:r>
+              <a:rPr lang="en-US" dirty="0" err="1" smtClean="0"/>
+              <a:t>Todos</a:t>
+            </a:r>
+            <a:r>
+              <a:rPr lang="en-US" dirty="0" smtClean="0"/>
+              <a:t> los </a:t>
+            </a:r>
+            <a:r>
+              <a:rPr lang="en-US" dirty="0" err="1" smtClean="0"/>
+              <a:t>servidores</a:t>
+            </a:r>
+            <a:r>
+              <a:rPr lang="en-US" dirty="0" smtClean="0"/>
+              <a:t> DEBEN </a:t>
+            </a:r>
+            <a:r>
+              <a:rPr lang="en-US" dirty="0" err="1" smtClean="0"/>
+              <a:t>soportarlas</a:t>
+            </a:r>
+            <a:endParaRPr lang="en-US" dirty="0" smtClean="0"/>
+          </a:p>
+          <a:p>
+            <a:pPr lvl="3"/>
+            <a:r>
+              <a:rPr lang="en-US" dirty="0" smtClean="0"/>
+              <a:t>La </a:t>
+            </a:r>
+            <a:r>
+              <a:rPr lang="en-US" dirty="0" err="1" smtClean="0"/>
+              <a:t>respuesta</a:t>
+            </a:r>
+            <a:r>
+              <a:rPr lang="en-US" dirty="0" smtClean="0"/>
+              <a:t> final </a:t>
+            </a:r>
+            <a:r>
+              <a:rPr lang="en-US" dirty="0" err="1" smtClean="0"/>
+              <a:t>podrá</a:t>
+            </a:r>
+            <a:r>
+              <a:rPr lang="en-US" dirty="0" smtClean="0"/>
+              <a:t> o no </a:t>
+            </a:r>
+            <a:r>
+              <a:rPr lang="en-US" dirty="0" err="1" smtClean="0"/>
+              <a:t>llegar</a:t>
+            </a:r>
+            <a:endParaRPr lang="en-US" dirty="0" smtClean="0"/>
+          </a:p>
+          <a:p>
+            <a:pPr lvl="4"/>
+            <a:r>
+              <a:rPr lang="en-US" dirty="0" err="1" smtClean="0"/>
+              <a:t>Dependiendo</a:t>
+            </a:r>
+            <a:r>
+              <a:rPr lang="en-US" dirty="0" smtClean="0"/>
+              <a:t> de hints y </a:t>
+            </a:r>
+            <a:r>
+              <a:rPr lang="en-US" dirty="0" err="1" smtClean="0"/>
+              <a:t>cachés</a:t>
+            </a:r>
+            <a:endParaRPr lang="en-US" dirty="0" smtClean="0"/>
+          </a:p>
+          <a:p>
+            <a:pPr lvl="2"/>
+            <a:r>
+              <a:rPr lang="en-US" dirty="0" err="1" smtClean="0"/>
+              <a:t>Recursiva</a:t>
+            </a:r>
+            <a:endParaRPr lang="en-US" dirty="0" smtClean="0"/>
+          </a:p>
+          <a:p>
+            <a:pPr lvl="3"/>
+            <a:r>
+              <a:rPr lang="en-US" dirty="0" err="1" smtClean="0"/>
+              <a:t>Opcional</a:t>
+            </a:r>
+            <a:endParaRPr lang="en-US" dirty="0" smtClean="0"/>
+          </a:p>
+          <a:p>
+            <a:pPr lvl="3"/>
+            <a:r>
+              <a:rPr lang="en-US" dirty="0" smtClean="0"/>
+              <a:t>La </a:t>
+            </a:r>
+            <a:r>
+              <a:rPr lang="en-US" dirty="0" err="1" smtClean="0"/>
+              <a:t>respuesta</a:t>
+            </a:r>
+            <a:r>
+              <a:rPr lang="en-US" dirty="0" smtClean="0"/>
+              <a:t> final SIEMPRE </a:t>
+            </a:r>
+            <a:r>
+              <a:rPr lang="en-US" dirty="0" err="1" smtClean="0"/>
+              <a:t>es</a:t>
             </a:r>
             <a:r>
               <a:rPr lang="en-US" dirty="0" smtClean="0"/>
@@ -24067,7 +24381,43 @@
             </a:r>
             <a:r>
               <a:rPr lang="en-US" dirty="0" err="1" smtClean="0"/>
-              <a:t>este</a:t>
+              <a:t>devuelta</a:t>
+            </a:r>
+            <a:endParaRPr lang="en-US" dirty="0" smtClean="0"/>
+          </a:p>
+          <a:p>
+            <a:pPr lvl="2"/>
+            <a:r>
+              <a:rPr lang="en-US" dirty="0" err="1" smtClean="0"/>
+              <a:t>Inversa</a:t>
+            </a:r>
+            <a:endParaRPr lang="en-US" dirty="0" smtClean="0"/>
+          </a:p>
+          <a:p>
+            <a:pPr lvl="3"/>
+            <a:r>
+              <a:rPr lang="en-US" dirty="0" smtClean="0"/>
+              <a:t>No </a:t>
+            </a:r>
+            <a:r>
+              <a:rPr lang="en-US" dirty="0" err="1" smtClean="0"/>
+              <a:t>usada</a:t>
+            </a:r>
+            <a:r>
+              <a:rPr lang="en-US" dirty="0" smtClean="0"/>
+              <a:t> en Internet, </a:t>
+            </a:r>
+            <a:r>
+              <a:rPr lang="en-US" dirty="0" err="1" smtClean="0"/>
+              <a:t>nunca</a:t>
+            </a:r>
+            <a:r>
+              <a:rPr lang="en-US" dirty="0" smtClean="0"/>
+              <a:t> se </a:t>
+            </a:r>
+            <a:r>
+              <a:rPr lang="en-US" dirty="0" err="1" smtClean="0"/>
+              <a:t>implemento</a:t>
             </a:r>
             <a:r>
               <a:rPr lang="en-US" dirty="0" smtClean="0"/>
@@ -24075,152 +24425,106 @@
             </a:r>
             <a:r>
               <a:rPr lang="en-US" dirty="0" err="1" smtClean="0"/>
-              <a:t>registro</a:t>
+              <a:t>completamente</a:t>
+            </a:r>
+            <a:endParaRPr lang="en-US" dirty="0" smtClean="0"/>
+          </a:p>
+          <a:p>
+            <a:pPr lvl="3"/>
+            <a:r>
+              <a:rPr lang="en-US" dirty="0" err="1" smtClean="0"/>
+              <a:t>Cuando</a:t>
             </a:r>
             <a:r>
               <a:rPr lang="en-US" dirty="0" smtClean="0"/>
-              <a:t> NO </a:t>
+              <a:t> se </a:t>
             </a:r>
             <a:r>
               <a:rPr lang="en-US" dirty="0" err="1" smtClean="0"/>
-              <a:t>es</a:t>
+              <a:t>busca</a:t>
             </a:r>
             <a:r>
               <a:rPr lang="en-US" dirty="0" smtClean="0"/>
-              <a:t> </a:t>
+              <a:t> el name dado un </a:t>
             </a:r>
             <a:r>
               <a:rPr lang="en-US" dirty="0" err="1" smtClean="0"/>
-              <a:t>autoritativo</a:t>
+              <a:t>cierto</a:t>
             </a:r>
             <a:r>
               <a:rPr lang="en-US" dirty="0" smtClean="0"/>
-              <a:t>, ¡</a:t>
+              <a:t> RR</a:t>
+            </a:r>
+          </a:p>
+          <a:p>
+            <a:pPr lvl="4"/>
+            <a:r>
+              <a:rPr lang="en-US" dirty="0" smtClean="0"/>
+              <a:t>NO </a:t>
             </a:r>
             <a:r>
               <a:rPr lang="en-US" dirty="0" err="1" smtClean="0"/>
-              <a:t>es</a:t>
+              <a:t>confundir</a:t>
             </a:r>
             <a:r>
               <a:rPr lang="en-US" dirty="0" smtClean="0"/>
-              <a:t> de </a:t>
+              <a:t> con la </a:t>
             </a:r>
             <a:r>
               <a:rPr lang="en-US" dirty="0" err="1" smtClean="0"/>
-              <a:t>otra</a:t>
+              <a:t>consulta</a:t>
             </a:r>
             <a:r>
               <a:rPr lang="en-US" dirty="0" smtClean="0"/>
-              <a:t> </a:t>
+              <a:t> “</a:t>
             </a:r>
             <a:r>
               <a:rPr lang="en-US" dirty="0" err="1" smtClean="0"/>
-              <a:t>zona</a:t>
+              <a:t>reversa</a:t>
             </a:r>
             <a:r>
               <a:rPr lang="en-US" dirty="0" smtClean="0"/>
-              <a:t>!</a:t>
-            </a:r>
-          </a:p>
-          <a:p>
-            <a:pPr lvl="1"/>
+              <a:t>” de </a:t>
+            </a:r>
+            <a:r>
+              <a:rPr lang="en-US" dirty="0" err="1" smtClean="0"/>
+              <a:t>numeros</a:t>
+            </a:r>
             <a:r>
               <a:rPr lang="en-US" dirty="0" smtClean="0"/>
-              <a:t>En </a:t>
+              <a:t> IP a </a:t>
             </a:r>
             <a:r>
               <a:rPr lang="en-US" dirty="0" err="1" smtClean="0"/>
-              <a:t>zona</a:t>
-            </a:r>
-            <a:r>
-              <a:rPr lang="en-US" dirty="0" smtClean="0"/>
-              <a:t> “subdominio.tld1”</a:t>
-            </a:r>
+              <a:t>nombres</a:t>
+            </a:r>
+            <a:endParaRPr lang="en-US" dirty="0" smtClean="0"/>
+          </a:p>
+          <a:p>
+            <a:pPr lvl="3"/>
+            <a:endParaRPr lang="en-US" dirty="0" smtClean="0"/>
           </a:p>
           <a:p>
             <a:pPr lvl="2"/>
-            <a:r>
-              <a:rPr lang="en-US" dirty="0" smtClean="0"/>
-              <a:t>RR: “ns.subdominio.tld1 IN A 200.40.30.245” </a:t>
-            </a:r>
-          </a:p>
-          <a:p>
-            <a:pPr lvl="3"/>
-            <a:r>
-              <a:rPr lang="en-US" dirty="0" smtClean="0"/>
-              <a:t>Este </a:t>
-            </a:r>
-            <a:r>
-              <a:rPr lang="en-US" dirty="0" err="1" smtClean="0"/>
-              <a:t>registro</a:t>
-            </a:r>
-            <a:r>
-              <a:rPr lang="en-US" dirty="0" smtClean="0"/>
-              <a:t> </a:t>
-            </a:r>
-            <a:r>
-              <a:rPr lang="en-US" dirty="0" err="1" smtClean="0"/>
-              <a:t>si</a:t>
-            </a:r>
-            <a:r>
-              <a:rPr lang="en-US" dirty="0" smtClean="0"/>
-              <a:t> </a:t>
-            </a:r>
-            <a:r>
-              <a:rPr lang="en-US" dirty="0" err="1" smtClean="0"/>
-              <a:t>es</a:t>
-            </a:r>
-            <a:r>
-              <a:rPr lang="en-US" dirty="0" smtClean="0"/>
-              <a:t> </a:t>
-            </a:r>
-            <a:r>
-              <a:rPr lang="en-US" dirty="0" err="1" smtClean="0"/>
-              <a:t>autoritativo</a:t>
-            </a:r>
-            <a:endParaRPr lang="en-US" dirty="0" smtClean="0"/>
-          </a:p>
-        </p:txBody>
-      </p:sp>
-      <p:sp>
-        <p:nvSpPr>
-          <p:cNvPr id="4" name="Slide Number Placeholder 3"/>
-          <p:cNvSpPr>
-            <a:spLocks noGrp="1"/>
-          </p:cNvSpPr>
-          <p:nvPr>
-            <p:ph type="sldNum" sz="quarter" idx="10"/>
-          </p:nvPr>
-        </p:nvSpPr>
-        <p:spPr/>
-        <p:txBody>
-          <a:bodyPr/>
-          <a:lstStyle/>
-          <a:p>
-            <a:fld id="{3EC16F56-31A1-8849-B716-24606A27C39E}" type="slidenum">
-              <a:rPr lang="en-US" smtClean="0"/>
-              <a:pPr/>
-              <a:t>39</a:t>
-            </a:fld>
-            <a:endParaRPr lang="en-US"/>
+            <a:endParaRPr lang="en-US" dirty="0"/>
           </a:p>
         </p:txBody>
       </p:sp>
     </p:spTree>
     <p:extLst>
       <p:ext uri="{BB962C8B-B14F-4D97-AF65-F5344CB8AC3E}">
-        <p14:creationId xmlns:p14="http://schemas.microsoft.com/office/powerpoint/2010/main" val="2980119688"/>
+        <p14:creationId xmlns:p14="http://schemas.microsoft.com/office/powerpoint/2010/main" val="1810688475"/>
       </p:ext>
     </p:extLst>
   </p:cSld>
   <p:clrMapOvr>
     <a:masterClrMapping/>
   </p:clrMapOvr>
-  <p:transition xmlns:p14="http://schemas.microsoft.com/office/powerpoint/2010/main"/>
+  <p:transition/>
   <p:timing>
     <p:tnLst>
       <p:par>
-        <p:cTn xmlns:p14="http://schemas.microsoft.com/office/powerpoint/2010/main" id="1" dur="indefinite" restart="never" nodeType="tmRoot"/>
+        <p:cTn id="1" dur="indefinite" restart="never" nodeType="tmRoot"/>
       </p:par>
     </p:tnLst>
   </p:timing>
@@ -24308,11 +24612,11 @@
   <p:clrMapOvr>
     <a:masterClrMapping/>
   </p:clrMapOvr>
-  <p:transition xmlns:p14="http://schemas.microsoft.com/office/powerpoint/2010/main"/>
+  <p:transition/>
   <p:timing>
     <p:tnLst>
       <p:par>
-        <p:cTn xmlns:p14="http://schemas.microsoft.com/office/powerpoint/2010/main" id="1" dur="indefinite" restart="never" nodeType="tmRoot"/>
+        <p:cTn id="1" dur="indefinite" restart="never" nodeType="tmRoot"/>
       </p:par>
     </p:tnLst>
   </p:timing>
@@ -24359,6 +24663,770 @@
             </a:r>
             <a:r>
               <a:rPr lang="en-US" dirty="0" smtClean="0"/>
+              <a:t>: </a:t>
+            </a:r>
+            <a:r>
+              <a:rPr lang="en-US" dirty="0" err="1" smtClean="0"/>
+              <a:t>Consultas</a:t>
+            </a:r>
+            <a:r>
+              <a:rPr lang="en-US" dirty="0" smtClean="0"/>
+              <a:t/>
+            </a:r>
+            <a:br>
+              <a:rPr lang="en-US" dirty="0" smtClean="0"/>
+            </a:br>
+            <a:endParaRPr lang="en-US" dirty="0"/>
+          </a:p>
+        </p:txBody>
+      </p:sp>
+      <p:sp>
+        <p:nvSpPr>
+          <p:cNvPr id="3" name="Content Placeholder 2"/>
+          <p:cNvSpPr>
+            <a:spLocks noGrp="1"/>
+          </p:cNvSpPr>
+          <p:nvPr>
+            <p:ph idx="1"/>
+          </p:nvPr>
+        </p:nvSpPr>
+        <p:spPr>
+          <a:xfrm>
+            <a:off x="504825" y="1415182"/>
+            <a:ext cx="9234488" cy="5459412"/>
+          </a:xfrm>
+        </p:spPr>
+        <p:txBody>
+          <a:bodyPr/>
+          <a:lstStyle/>
+          <a:p>
+            <a:r>
+              <a:rPr lang="en-US" dirty="0" err="1" smtClean="0"/>
+              <a:t>Esquema</a:t>
+            </a:r>
+            <a:r>
+              <a:rPr lang="en-US" dirty="0" smtClean="0"/>
+              <a:t> de </a:t>
+            </a:r>
+            <a:r>
+              <a:rPr lang="en-US" dirty="0" err="1" smtClean="0"/>
+              <a:t>una</a:t>
+            </a:r>
+            <a:r>
+              <a:rPr lang="en-US" dirty="0" smtClean="0"/>
+              <a:t> </a:t>
+            </a:r>
+            <a:r>
+              <a:rPr lang="en-US" dirty="0" err="1" smtClean="0"/>
+              <a:t>consulta</a:t>
+            </a:r>
+            <a:r>
+              <a:rPr lang="en-US" dirty="0" smtClean="0"/>
+              <a:t> DNS (IV):</a:t>
+            </a:r>
+          </a:p>
+          <a:p>
+            <a:pPr lvl="1"/>
+            <a:r>
+              <a:rPr lang="en-US" dirty="0" err="1" smtClean="0"/>
+              <a:t>Recursión</a:t>
+            </a:r>
+            <a:r>
+              <a:rPr lang="en-US" dirty="0" smtClean="0"/>
+              <a:t>:</a:t>
+            </a:r>
+          </a:p>
+          <a:p>
+            <a:pPr lvl="2"/>
+            <a:r>
+              <a:rPr lang="en-US" dirty="0" smtClean="0"/>
+              <a:t>Este </a:t>
+            </a:r>
+            <a:r>
+              <a:rPr lang="en-US" dirty="0" err="1" smtClean="0"/>
+              <a:t>es</a:t>
+            </a:r>
+            <a:r>
+              <a:rPr lang="en-US" dirty="0" smtClean="0"/>
+              <a:t> el </a:t>
+            </a:r>
+            <a:r>
+              <a:rPr lang="en-US" dirty="0" err="1" smtClean="0"/>
+              <a:t>proceso</a:t>
+            </a:r>
+            <a:r>
+              <a:rPr lang="en-US" dirty="0" smtClean="0"/>
+              <a:t> a </a:t>
+            </a:r>
+            <a:r>
+              <a:rPr lang="en-US" dirty="0" err="1" smtClean="0"/>
+              <a:t>través</a:t>
+            </a:r>
+            <a:r>
+              <a:rPr lang="en-US" dirty="0" smtClean="0"/>
+              <a:t> del </a:t>
+            </a:r>
+            <a:r>
+              <a:rPr lang="en-US" dirty="0" err="1" smtClean="0"/>
+              <a:t>cual</a:t>
+            </a:r>
+            <a:r>
+              <a:rPr lang="en-US" dirty="0" smtClean="0"/>
+              <a:t> el </a:t>
+            </a:r>
+            <a:r>
+              <a:rPr lang="en-US" dirty="0" err="1" smtClean="0"/>
+              <a:t>árbol</a:t>
+            </a:r>
+            <a:r>
+              <a:rPr lang="en-US" dirty="0" smtClean="0"/>
+              <a:t> se forma</a:t>
+            </a:r>
+          </a:p>
+          <a:p>
+            <a:pPr lvl="2"/>
+            <a:r>
+              <a:rPr lang="en-US" dirty="0" smtClean="0"/>
+              <a:t>Si un </a:t>
+            </a:r>
+            <a:r>
+              <a:rPr lang="en-US" dirty="0" err="1" smtClean="0"/>
+              <a:t>servidor</a:t>
+            </a:r>
+            <a:r>
+              <a:rPr lang="en-US" dirty="0" smtClean="0"/>
+              <a:t> </a:t>
+            </a:r>
+            <a:r>
+              <a:rPr lang="en-US" dirty="0" err="1" smtClean="0"/>
+              <a:t>recibe</a:t>
+            </a:r>
+            <a:r>
+              <a:rPr lang="en-US" dirty="0" smtClean="0"/>
+              <a:t> </a:t>
+            </a:r>
+            <a:r>
+              <a:rPr lang="en-US" dirty="0" err="1" smtClean="0"/>
+              <a:t>una</a:t>
+            </a:r>
+            <a:r>
+              <a:rPr lang="en-US" dirty="0" smtClean="0"/>
+              <a:t> </a:t>
+            </a:r>
+            <a:r>
+              <a:rPr lang="en-US" dirty="0" err="1" smtClean="0"/>
+              <a:t>consulta</a:t>
+            </a:r>
+            <a:r>
+              <a:rPr lang="en-US" dirty="0" smtClean="0"/>
+              <a:t> </a:t>
+            </a:r>
+            <a:r>
+              <a:rPr lang="en-US" dirty="0" err="1" smtClean="0"/>
+              <a:t>por</a:t>
+            </a:r>
+            <a:r>
+              <a:rPr lang="en-US" dirty="0" smtClean="0"/>
+              <a:t>:</a:t>
+            </a:r>
+          </a:p>
+          <a:p>
+            <a:pPr lvl="3"/>
+            <a:r>
+              <a:rPr lang="en-US" dirty="0" smtClean="0">
+                <a:latin typeface="Courier New" pitchFamily="49" charset="0"/>
+                <a:cs typeface="Courier New" pitchFamily="49" charset="0"/>
+              </a:rPr>
+              <a:t>(IN, A, </a:t>
+            </a:r>
+            <a:r>
+              <a:rPr lang="en-US" dirty="0" smtClean="0">
+                <a:latin typeface="Courier New" pitchFamily="49" charset="0"/>
+                <a:cs typeface="Courier New" pitchFamily="49" charset="0"/>
+                <a:hlinkClick r:id="rId2"/>
+              </a:rPr>
+              <a:t>www.adinet.com.uy</a:t>
+            </a:r>
+            <a:r>
+              <a:rPr lang="en-US" dirty="0" smtClean="0">
+                <a:latin typeface="Courier New" pitchFamily="49" charset="0"/>
+                <a:cs typeface="Courier New" pitchFamily="49" charset="0"/>
+              </a:rPr>
+              <a:t>)</a:t>
+            </a:r>
+          </a:p>
+          <a:p>
+            <a:pPr lvl="2"/>
+            <a:r>
+              <a:rPr lang="en-US" dirty="0" err="1" smtClean="0"/>
+              <a:t>Debe</a:t>
+            </a:r>
+            <a:r>
+              <a:rPr lang="en-US" dirty="0" smtClean="0"/>
+              <a:t>:</a:t>
+            </a:r>
+          </a:p>
+          <a:p>
+            <a:pPr lvl="3"/>
+            <a:r>
+              <a:rPr lang="en-US" dirty="0" err="1" smtClean="0"/>
+              <a:t>Buscar</a:t>
+            </a:r>
+            <a:r>
+              <a:rPr lang="en-US" dirty="0" smtClean="0"/>
+              <a:t> la </a:t>
+            </a:r>
+            <a:r>
+              <a:rPr lang="en-US" dirty="0" err="1" smtClean="0"/>
+              <a:t>raíz</a:t>
+            </a:r>
+            <a:endParaRPr lang="en-US" dirty="0" smtClean="0"/>
+          </a:p>
+          <a:p>
+            <a:pPr lvl="3"/>
+            <a:r>
+              <a:rPr lang="en-US" dirty="0" err="1" smtClean="0"/>
+              <a:t>Buscar</a:t>
+            </a:r>
+            <a:r>
+              <a:rPr lang="en-US" dirty="0" smtClean="0"/>
+              <a:t> el “</a:t>
+            </a:r>
+            <a:r>
+              <a:rPr lang="en-US" dirty="0" err="1" smtClean="0">
+                <a:latin typeface="Courier New" pitchFamily="49" charset="0"/>
+                <a:cs typeface="Courier New" pitchFamily="49" charset="0"/>
+              </a:rPr>
+              <a:t>uy</a:t>
+            </a:r>
+            <a:r>
+              <a:rPr lang="en-US" dirty="0" smtClean="0"/>
+              <a:t>”</a:t>
+            </a:r>
+          </a:p>
+          <a:p>
+            <a:pPr lvl="3"/>
+            <a:r>
+              <a:rPr lang="en-US" dirty="0" err="1" smtClean="0"/>
+              <a:t>Buscar</a:t>
+            </a:r>
+            <a:r>
+              <a:rPr lang="en-US" dirty="0" smtClean="0"/>
+              <a:t> el “</a:t>
+            </a:r>
+            <a:r>
+              <a:rPr lang="en-US" dirty="0" smtClean="0">
+                <a:latin typeface="Courier New" pitchFamily="49" charset="0"/>
+                <a:cs typeface="Courier New" pitchFamily="49" charset="0"/>
+              </a:rPr>
+              <a:t>com.uy</a:t>
+            </a:r>
+            <a:r>
+              <a:rPr lang="en-US" dirty="0" smtClean="0"/>
+              <a:t>”</a:t>
+            </a:r>
+          </a:p>
+          <a:p>
+            <a:pPr lvl="3"/>
+            <a:r>
+              <a:rPr lang="en-US" dirty="0" err="1" smtClean="0"/>
+              <a:t>Buscar</a:t>
+            </a:r>
+            <a:r>
+              <a:rPr lang="en-US" dirty="0" smtClean="0"/>
+              <a:t> el “</a:t>
+            </a:r>
+            <a:r>
+              <a:rPr lang="en-US" dirty="0" smtClean="0">
+                <a:latin typeface="Courier New" pitchFamily="49" charset="0"/>
+                <a:cs typeface="Courier New" pitchFamily="49" charset="0"/>
+              </a:rPr>
+              <a:t>adinet.com.uy</a:t>
+            </a:r>
+            <a:r>
+              <a:rPr lang="en-US" dirty="0" smtClean="0"/>
+              <a:t>”</a:t>
+            </a:r>
+          </a:p>
+          <a:p>
+            <a:pPr lvl="3"/>
+            <a:r>
+              <a:rPr lang="en-US" dirty="0" err="1" smtClean="0"/>
+              <a:t>Buscar</a:t>
+            </a:r>
+            <a:r>
+              <a:rPr lang="en-US" dirty="0" smtClean="0"/>
+              <a:t> el “</a:t>
+            </a:r>
+            <a:r>
+              <a:rPr lang="en-US" dirty="0" smtClean="0">
+                <a:latin typeface="Courier New" pitchFamily="49" charset="0"/>
+                <a:cs typeface="Courier New" pitchFamily="49" charset="0"/>
+              </a:rPr>
+              <a:t>www.adinet.com.uy</a:t>
+            </a:r>
+            <a:r>
+              <a:rPr lang="en-US" dirty="0" smtClean="0"/>
+              <a:t>”</a:t>
+            </a:r>
+          </a:p>
+          <a:p>
+            <a:pPr lvl="2"/>
+            <a:r>
+              <a:rPr lang="en-US" dirty="0" err="1" smtClean="0"/>
+              <a:t>Cuando</a:t>
+            </a:r>
+            <a:r>
+              <a:rPr lang="en-US" dirty="0" smtClean="0"/>
+              <a:t> </a:t>
+            </a:r>
+            <a:r>
+              <a:rPr lang="en-US" dirty="0" err="1" smtClean="0"/>
+              <a:t>decimos</a:t>
+            </a:r>
+            <a:r>
+              <a:rPr lang="en-US" dirty="0" smtClean="0"/>
+              <a:t> </a:t>
+            </a:r>
+            <a:r>
+              <a:rPr lang="en-US" dirty="0" err="1" smtClean="0"/>
+              <a:t>buscar</a:t>
+            </a:r>
+            <a:r>
+              <a:rPr lang="en-US" dirty="0" smtClean="0"/>
+              <a:t> </a:t>
+            </a:r>
+            <a:r>
+              <a:rPr lang="en-US" dirty="0" err="1" smtClean="0"/>
+              <a:t>decimos</a:t>
+            </a:r>
+            <a:r>
+              <a:rPr lang="en-US" dirty="0" smtClean="0"/>
+              <a:t>:</a:t>
+            </a:r>
+          </a:p>
+          <a:p>
+            <a:pPr lvl="3"/>
+            <a:r>
+              <a:rPr lang="en-US" dirty="0" err="1" smtClean="0"/>
+              <a:t>Seguir</a:t>
+            </a:r>
+            <a:r>
+              <a:rPr lang="en-US" dirty="0" smtClean="0"/>
+              <a:t> la </a:t>
+            </a:r>
+            <a:r>
+              <a:rPr lang="en-US" dirty="0" err="1" smtClean="0"/>
+              <a:t>pista</a:t>
+            </a:r>
+            <a:r>
+              <a:rPr lang="en-US" dirty="0" smtClean="0"/>
+              <a:t> de la </a:t>
+            </a:r>
+            <a:r>
+              <a:rPr lang="en-US" i="1" u="sng" dirty="0" err="1" smtClean="0"/>
+              <a:t>autoridad</a:t>
+            </a:r>
+            <a:endParaRPr lang="en-US" i="1" u="sng" dirty="0" smtClean="0"/>
+          </a:p>
+        </p:txBody>
+      </p:sp>
+    </p:spTree>
+    <p:extLst>
+      <p:ext uri="{BB962C8B-B14F-4D97-AF65-F5344CB8AC3E}">
+        <p14:creationId xmlns:p14="http://schemas.microsoft.com/office/powerpoint/2010/main" val="1843441176"/>
+      </p:ext>
+    </p:extLst>
+  </p:cSld>
+  <p:clrMapOvr>
+    <a:masterClrMapping/>
+  </p:clrMapOvr>
+  <p:transition/>
+  <p:timing>
+    <p:tnLst>
+      <p:par>
+        <p:cTn id="1" dur="indefinite" restart="never" nodeType="tmRoot"/>
+      </p:par>
+    </p:tnLst>
+  </p:timing>
+</p:sld>
+</file>
+
+<file path=ppt/slides/slide41.xml><?xml version="1.0" encoding="utf-8"?>
+<p:sld xmlns:a="http://schemas.openxmlformats.org/drawingml/2006/main" xmlns:r="http://schemas.openxmlformats.org/officeDocument/2006/relationships" xmlns:p="http://schemas.openxmlformats.org/presentationml/2006/main">
+  <p:cSld>
+    <p:spTree>
+      <p:nvGrpSpPr>
+        <p:cNvPr id="1" name=""/>
+        <p:cNvGrpSpPr/>
+        <p:nvPr/>
+      </p:nvGrpSpPr>
+      <p:grpSpPr>
+        <a:xfrm>
+          <a:off x="0" y="0"/>
+          <a:ext cx="0" cy="0"/>
+          <a:chOff x="0" y="0"/>
+          <a:chExt cx="0" cy="0"/>
+        </a:xfrm>
+      </p:grpSpPr>
+      <p:sp>
+        <p:nvSpPr>
+          <p:cNvPr id="2" name="Title 1"/>
+          <p:cNvSpPr>
+            <a:spLocks noGrp="1"/>
+          </p:cNvSpPr>
+          <p:nvPr>
+            <p:ph type="title"/>
+          </p:nvPr>
+        </p:nvSpPr>
+        <p:spPr/>
+        <p:txBody>
+          <a:bodyPr/>
+          <a:lstStyle/>
+          <a:p>
+            <a:r>
+              <a:rPr lang="en-US" dirty="0" err="1" smtClean="0"/>
+              <a:t>Delegación</a:t>
+            </a:r>
+            <a:r>
+              <a:rPr lang="en-US" dirty="0" smtClean="0"/>
+              <a:t/>
+            </a:r>
+            <a:br>
+              <a:rPr lang="en-US" dirty="0" smtClean="0"/>
+            </a:br>
+            <a:endParaRPr lang="en-US" dirty="0"/>
+          </a:p>
+        </p:txBody>
+      </p:sp>
+      <p:sp>
+        <p:nvSpPr>
+          <p:cNvPr id="3" name="Content Placeholder 2"/>
+          <p:cNvSpPr>
+            <a:spLocks noGrp="1"/>
+          </p:cNvSpPr>
+          <p:nvPr>
+            <p:ph idx="1"/>
+          </p:nvPr>
+        </p:nvSpPr>
+        <p:spPr/>
+        <p:txBody>
+          <a:bodyPr/>
+          <a:lstStyle/>
+          <a:p>
+            <a:r>
+              <a:rPr lang="en-US" dirty="0" smtClean="0"/>
+              <a:t>Como se </a:t>
+            </a:r>
+            <a:r>
+              <a:rPr lang="en-US" dirty="0" err="1" smtClean="0"/>
+              <a:t>producen</a:t>
+            </a:r>
+            <a:r>
+              <a:rPr lang="en-US" dirty="0" smtClean="0"/>
+              <a:t> </a:t>
+            </a:r>
+            <a:r>
+              <a:rPr lang="en-US" dirty="0" err="1" smtClean="0"/>
+              <a:t>las</a:t>
+            </a:r>
+            <a:r>
+              <a:rPr lang="en-US" dirty="0" smtClean="0"/>
+              <a:t> </a:t>
+            </a:r>
+            <a:r>
+              <a:rPr lang="en-US" dirty="0" err="1" smtClean="0"/>
+              <a:t>delegaciones</a:t>
+            </a:r>
+            <a:r>
+              <a:rPr lang="en-US" dirty="0" smtClean="0"/>
+              <a:t>?</a:t>
+            </a:r>
+          </a:p>
+          <a:p>
+            <a:pPr lvl="1"/>
+            <a:r>
+              <a:rPr lang="en-US" dirty="0" smtClean="0"/>
+              <a:t>A </a:t>
+            </a:r>
+            <a:r>
+              <a:rPr lang="en-US" dirty="0" err="1" smtClean="0"/>
+              <a:t>través</a:t>
+            </a:r>
+            <a:r>
+              <a:rPr lang="en-US" dirty="0" smtClean="0"/>
+              <a:t> de los </a:t>
+            </a:r>
+            <a:r>
+              <a:rPr lang="en-US" dirty="0" err="1" smtClean="0"/>
+              <a:t>registros</a:t>
+            </a:r>
+            <a:r>
+              <a:rPr lang="en-US" dirty="0" smtClean="0"/>
+              <a:t> NS mas </a:t>
+            </a:r>
+            <a:r>
+              <a:rPr lang="en-US" dirty="0" err="1" smtClean="0"/>
+              <a:t>sus</a:t>
+            </a:r>
+            <a:r>
+              <a:rPr lang="en-US" dirty="0" smtClean="0"/>
+              <a:t> “glue records”</a:t>
+            </a:r>
+          </a:p>
+          <a:p>
+            <a:pPr lvl="1"/>
+            <a:r>
+              <a:rPr lang="en-US" dirty="0" smtClean="0"/>
+              <a:t>En </a:t>
+            </a:r>
+            <a:r>
+              <a:rPr lang="en-US" dirty="0" err="1" smtClean="0"/>
+              <a:t>zona</a:t>
+            </a:r>
+            <a:r>
+              <a:rPr lang="en-US" dirty="0" smtClean="0"/>
+              <a:t> “tld1”:</a:t>
+            </a:r>
+          </a:p>
+          <a:p>
+            <a:pPr lvl="2"/>
+            <a:r>
+              <a:rPr lang="en-US" dirty="0" smtClean="0"/>
+              <a:t>RR: “subdominio.tld1  IN  NS ns.subdominio.tld1”</a:t>
+            </a:r>
+          </a:p>
+          <a:p>
+            <a:pPr lvl="2"/>
+            <a:r>
+              <a:rPr lang="en-US" dirty="0" smtClean="0"/>
+              <a:t>GR: “ns.subdominio.tld1 IN A 200.40.30.245”</a:t>
+            </a:r>
+          </a:p>
+          <a:p>
+            <a:pPr lvl="3"/>
+            <a:r>
+              <a:rPr lang="en-US" dirty="0" smtClean="0"/>
+              <a:t>En </a:t>
+            </a:r>
+            <a:r>
+              <a:rPr lang="en-US" dirty="0" err="1" smtClean="0"/>
+              <a:t>este</a:t>
+            </a:r>
+            <a:r>
+              <a:rPr lang="en-US" dirty="0" smtClean="0"/>
+              <a:t> </a:t>
+            </a:r>
+            <a:r>
+              <a:rPr lang="en-US" dirty="0" err="1" smtClean="0"/>
+              <a:t>caso</a:t>
+            </a:r>
+            <a:r>
+              <a:rPr lang="en-US" dirty="0" smtClean="0"/>
+              <a:t> </a:t>
+            </a:r>
+            <a:r>
+              <a:rPr lang="en-US" dirty="0" err="1" smtClean="0"/>
+              <a:t>este</a:t>
+            </a:r>
+            <a:r>
+              <a:rPr lang="en-US" dirty="0" smtClean="0"/>
+              <a:t> </a:t>
+            </a:r>
+            <a:r>
+              <a:rPr lang="en-US" dirty="0" err="1" smtClean="0"/>
+              <a:t>registro</a:t>
+            </a:r>
+            <a:r>
+              <a:rPr lang="en-US" dirty="0" smtClean="0"/>
+              <a:t> NO </a:t>
+            </a:r>
+            <a:r>
+              <a:rPr lang="en-US" dirty="0" err="1" smtClean="0"/>
+              <a:t>es</a:t>
+            </a:r>
+            <a:r>
+              <a:rPr lang="en-US" dirty="0" smtClean="0"/>
+              <a:t> </a:t>
+            </a:r>
+            <a:r>
+              <a:rPr lang="en-US" dirty="0" err="1" smtClean="0"/>
+              <a:t>autoritativo</a:t>
+            </a:r>
+            <a:r>
+              <a:rPr lang="en-US" dirty="0" smtClean="0"/>
+              <a:t>, ¡</a:t>
+            </a:r>
+            <a:r>
+              <a:rPr lang="en-US" dirty="0" err="1" smtClean="0"/>
+              <a:t>es</a:t>
+            </a:r>
+            <a:r>
+              <a:rPr lang="en-US" dirty="0" smtClean="0"/>
+              <a:t> de </a:t>
+            </a:r>
+            <a:r>
+              <a:rPr lang="en-US" dirty="0" err="1" smtClean="0"/>
+              <a:t>otra</a:t>
+            </a:r>
+            <a:r>
+              <a:rPr lang="en-US" dirty="0" smtClean="0"/>
+              <a:t> </a:t>
+            </a:r>
+            <a:r>
+              <a:rPr lang="en-US" dirty="0" err="1" smtClean="0"/>
+              <a:t>zona</a:t>
+            </a:r>
+            <a:r>
+              <a:rPr lang="en-US" dirty="0" smtClean="0"/>
+              <a:t>!</a:t>
+            </a:r>
+          </a:p>
+          <a:p>
+            <a:pPr lvl="1"/>
+            <a:r>
+              <a:rPr lang="en-US" dirty="0" smtClean="0"/>
+              <a:t>En </a:t>
+            </a:r>
+            <a:r>
+              <a:rPr lang="en-US" dirty="0" err="1" smtClean="0"/>
+              <a:t>zona</a:t>
+            </a:r>
+            <a:r>
+              <a:rPr lang="en-US" dirty="0" smtClean="0"/>
+              <a:t> “subdominio.tld1”</a:t>
+            </a:r>
+          </a:p>
+          <a:p>
+            <a:pPr lvl="2"/>
+            <a:r>
+              <a:rPr lang="en-US" dirty="0" smtClean="0"/>
+              <a:t>RR: “ns.subdominio.tld1 IN A 200.40.30.245” </a:t>
+            </a:r>
+          </a:p>
+          <a:p>
+            <a:pPr lvl="3"/>
+            <a:r>
+              <a:rPr lang="en-US" dirty="0" smtClean="0"/>
+              <a:t>Este </a:t>
+            </a:r>
+            <a:r>
+              <a:rPr lang="en-US" dirty="0" err="1" smtClean="0"/>
+              <a:t>registro</a:t>
+            </a:r>
+            <a:r>
+              <a:rPr lang="en-US" dirty="0" smtClean="0"/>
+              <a:t> </a:t>
+            </a:r>
+            <a:r>
+              <a:rPr lang="en-US" dirty="0" err="1" smtClean="0"/>
+              <a:t>si</a:t>
+            </a:r>
+            <a:r>
+              <a:rPr lang="en-US" dirty="0" smtClean="0"/>
+              <a:t> </a:t>
+            </a:r>
+            <a:r>
+              <a:rPr lang="en-US" dirty="0" err="1" smtClean="0"/>
+              <a:t>es</a:t>
+            </a:r>
+            <a:r>
+              <a:rPr lang="en-US" dirty="0" smtClean="0"/>
+              <a:t> </a:t>
+            </a:r>
+            <a:r>
+              <a:rPr lang="en-US" dirty="0" err="1" smtClean="0"/>
+              <a:t>autoritativo</a:t>
+            </a:r>
+            <a:endParaRPr lang="en-US" dirty="0" smtClean="0"/>
+          </a:p>
+        </p:txBody>
+      </p:sp>
+      <p:sp>
+        <p:nvSpPr>
+          <p:cNvPr id="4" name="Slide Number Placeholder 3"/>
+          <p:cNvSpPr>
+            <a:spLocks noGrp="1"/>
+          </p:cNvSpPr>
+          <p:nvPr>
+            <p:ph type="sldNum" sz="quarter" idx="10"/>
+          </p:nvPr>
+        </p:nvSpPr>
+        <p:spPr/>
+        <p:txBody>
+          <a:bodyPr/>
+          <a:lstStyle/>
+          <a:p>
+            <a:fld id="{3EC16F56-31A1-8849-B716-24606A27C39E}" type="slidenum">
+              <a:rPr lang="en-US" smtClean="0"/>
+              <a:pPr/>
+              <a:t>41</a:t>
+            </a:fld>
+            <a:endParaRPr lang="en-US"/>
+          </a:p>
+        </p:txBody>
+      </p:sp>
+    </p:spTree>
+    <p:extLst>
+      <p:ext uri="{BB962C8B-B14F-4D97-AF65-F5344CB8AC3E}">
+        <p14:creationId xmlns:p14="http://schemas.microsoft.com/office/powerpoint/2010/main" val="2980119688"/>
+      </p:ext>
+    </p:extLst>
+  </p:cSld>
+  <p:clrMapOvr>
+    <a:masterClrMapping/>
+  </p:clrMapOvr>
+  <p:transition/>
+  <p:timing>
+    <p:tnLst>
+      <p:par>
+        <p:cTn id="1" dur="indefinite" restart="never" nodeType="tmRoot"/>
+      </p:par>
+    </p:tnLst>
+  </p:timing>
+</p:sld>
+</file>
+
+<file path=ppt/slides/slide42.xml><?xml version="1.0" encoding="utf-8"?>
+<p:sld xmlns:a="http://schemas.openxmlformats.org/drawingml/2006/main" xmlns:r="http://schemas.openxmlformats.org/officeDocument/2006/relationships" xmlns:p="http://schemas.openxmlformats.org/presentationml/2006/main">
+  <p:cSld>
+    <p:spTree>
+      <p:nvGrpSpPr>
+        <p:cNvPr id="1" name=""/>
+        <p:cNvGrpSpPr/>
+        <p:nvPr/>
+      </p:nvGrpSpPr>
+      <p:grpSpPr>
+        <a:xfrm>
+          <a:off x="0" y="0"/>
+          <a:ext cx="0" cy="0"/>
+          <a:chOff x="0" y="0"/>
+          <a:chExt cx="0" cy="0"/>
+        </a:xfrm>
+      </p:grpSpPr>
+      <p:sp>
+        <p:nvSpPr>
+          <p:cNvPr id="2" name="Title 1"/>
+          <p:cNvSpPr>
+            <a:spLocks noGrp="1"/>
+          </p:cNvSpPr>
+          <p:nvPr>
+            <p:ph type="title"/>
+          </p:nvPr>
+        </p:nvSpPr>
+        <p:spPr/>
+        <p:txBody>
+          <a:bodyPr>
+            <a:normAutofit/>
+          </a:bodyPr>
+          <a:lstStyle/>
+          <a:p>
+            <a:r>
+              <a:rPr lang="en-US" dirty="0" err="1" smtClean="0"/>
+              <a:t>Operación</a:t>
+            </a:r>
+            <a:r>
+              <a:rPr lang="en-US" dirty="0" smtClean="0"/>
               <a:t>: Root Servers</a:t>
             </a:r>
             <a:br>
@@ -24729,18 +25797,18 @@
   <p:clrMapOvr>
     <a:masterClrMapping/>
   </p:clrMapOvr>
-  <p:transition xmlns:p14="http://schemas.microsoft.com/office/powerpoint/2010/main"/>
+  <p:transition/>
   <p:timing>
     <p:tnLst>
       <p:par>
-        <p:cTn xmlns:p14="http://schemas.microsoft.com/office/powerpoint/2010/main" id="1" dur="indefinite" restart="never" nodeType="tmRoot"/>
+        <p:cTn id="1" dur="indefinite" restart="never" nodeType="tmRoot"/>
       </p:par>
     </p:tnLst>
   </p:timing>
 </p:sld>
 </file>
 
-<file path=ppt/slides/slide41.xml><?xml version="1.0" encoding="utf-8"?>
+<file path=ppt/slides/slide43.xml><?xml version="1.0" encoding="utf-8"?>
 <p:sld xmlns:a="http://schemas.openxmlformats.org/drawingml/2006/main" xmlns:r="http://schemas.openxmlformats.org/officeDocument/2006/relationships" xmlns:p="http://schemas.openxmlformats.org/presentationml/2006/main">
   <p:cSld>
     <p:spTree>
@@ -24979,18 +26047,18 @@
   <p:clrMapOvr>
     <a:masterClrMapping/>
   </p:clrMapOvr>
-  <p:transition xmlns:p14="http://schemas.microsoft.com/office/powerpoint/2010/main"/>
+  <p:transition/>
   <p:timing>
     <p:tnLst>
       <p:par>
-        <p:cTn xmlns:p14="http://schemas.microsoft.com/office/powerpoint/2010/main" id="1" dur="indefinite" restart="never" nodeType="tmRoot"/>
+        <p:cTn id="1" dur="indefinite" restart="never" nodeType="tmRoot"/>
       </p:par>
     </p:tnLst>
   </p:timing>
 </p:sld>
 </file>
 
-<file path=ppt/slides/slide42.xml><?xml version="1.0" encoding="utf-8"?>
+<file path=ppt/slides/slide44.xml><?xml version="1.0" encoding="utf-8"?>
 <p:sld xmlns:a="http://schemas.openxmlformats.org/drawingml/2006/main" xmlns:r="http://schemas.openxmlformats.org/officeDocument/2006/relationships" xmlns:p="http://schemas.openxmlformats.org/presentationml/2006/main">
   <p:cSld>
     <p:spTree>
@@ -25121,18 +26189,18 @@
   <p:clrMapOvr>
     <a:masterClrMapping/>
   </p:clrMapOvr>
-  <p:transition xmlns:p14="http://schemas.microsoft.com/office/powerpoint/2010/main"/>
+  <p:transition/>
   <p:timing>
     <p:tnLst>
       <p:par>
-        <p:cTn xmlns:p14="http://schemas.microsoft.com/office/powerpoint/2010/main" id="1" dur="indefinite" restart="never" nodeType="tmRoot"/>
+        <p:cTn id="1" dur="indefinite" restart="never" nodeType="tmRoot"/>
       </p:par>
     </p:tnLst>
   </p:timing>
 </p:sld>
 </file>
 
-<file path=ppt/slides/slide43.xml><?xml version="1.0" encoding="utf-8"?>
+<file path=ppt/slides/slide45.xml><?xml version="1.0" encoding="utf-8"?>
 <p:sld xmlns:a="http://schemas.openxmlformats.org/drawingml/2006/main" xmlns:r="http://schemas.openxmlformats.org/officeDocument/2006/relationships" xmlns:p="http://schemas.openxmlformats.org/presentationml/2006/main">
   <p:cSld>
     <p:spTree>
@@ -25213,18 +26281,18 @@
   <p:clrMapOvr>
     <a:masterClrMapping/>
   </p:clrMapOvr>
-  <p:transition xmlns:p14="http://schemas.microsoft.com/office/powerpoint/2010/main"/>
+  <p:transition/>
   <p:timing>
     <p:tnLst>
       <p:par>
-        <p:cTn xmlns:p14="http://schemas.microsoft.com/office/powerpoint/2010/main" id="1" dur="indefinite" restart="never" nodeType="tmRoot"/>
+        <p:cTn id="1" dur="indefinite" restart="never" nodeType="tmRoot"/>
       </p:par>
     </p:tnLst>
   </p:timing>
 </p:sld>
 </file>
 
-<file path=ppt/slides/slide44.xml><?xml version="1.0" encoding="utf-8"?>
+<file path=ppt/slides/slide46.xml><?xml version="1.0" encoding="utf-8"?>
 <p:sld xmlns:a="http://schemas.openxmlformats.org/drawingml/2006/main" xmlns:r="http://schemas.openxmlformats.org/officeDocument/2006/relationships" xmlns:p="http://schemas.openxmlformats.org/presentationml/2006/main">
   <p:cSld>
     <p:spTree>
@@ -25558,11 +26626,11 @@
   <p:clrMapOvr>
     <a:masterClrMapping/>
   </p:clrMapOvr>
-  <p:transition xmlns:p14="http://schemas.microsoft.com/office/powerpoint/2010/main"/>
+  <p:transition/>
   <p:timing>
     <p:tnLst>
       <p:par>
-        <p:cTn xmlns:p14="http://schemas.microsoft.com/office/powerpoint/2010/main" id="1" dur="indefinite" restart="never" nodeType="tmRoot">
+        <p:cTn id="1" dur="indefinite" restart="never" nodeType="tmRoot">
           <p:childTnLst>
             <p:seq concurrent="1" nextAc="seek">
               <p:cTn id="2" dur="indefinite" nodeType="mainSeq">
@@ -25920,7 +26988,7 @@
 </p:sld>
 </file>
 
-<file path=ppt/slides/slide45.xml><?xml version="1.0" encoding="utf-8"?>
+<file path=ppt/slides/slide47.xml><?xml version="1.0" encoding="utf-8"?>
 <p:sld xmlns:a="http://schemas.openxmlformats.org/drawingml/2006/main" xmlns:r="http://schemas.openxmlformats.org/officeDocument/2006/relationships" xmlns:p="http://schemas.openxmlformats.org/presentationml/2006/main">
   <p:cSld>
     <p:spTree>
@@ -26095,11 +27163,11 @@
   <p:clrMapOvr>
     <a:masterClrMapping/>
   </p:clrMapOvr>
-  <p:transition xmlns:p14="http://schemas.microsoft.com/office/powerpoint/2010/main"/>
+  <p:transition/>
   <p:timing>
     <p:tnLst>
       <p:par>
-        <p:cTn xmlns:p14="http://schemas.microsoft.com/office/powerpoint/2010/main" id="1" dur="indefinite" restart="never" nodeType="tmRoot">
+        <p:cTn id="1" dur="indefinite" restart="never" nodeType="tmRoot">
           <p:childTnLst>
             <p:seq concurrent="1" nextAc="seek">
               <p:cTn id="2" dur="indefinite" nodeType="mainSeq">
@@ -26185,7 +27253,7 @@
 </p:sld>
 </file>
 
-<file path=ppt/slides/slide46.xml><?xml version="1.0" encoding="utf-8"?>
+<file path=ppt/slides/slide48.xml><?xml version="1.0" encoding="utf-8"?>
 <p:sld xmlns:a="http://schemas.openxmlformats.org/drawingml/2006/main" xmlns:r="http://schemas.openxmlformats.org/officeDocument/2006/relationships" xmlns:p="http://schemas.openxmlformats.org/presentationml/2006/main">
   <p:cSld>
     <p:spTree>
@@ -26314,18 +27382,18 @@
   <p:clrMapOvr>
     <a:masterClrMapping/>
   </p:clrMapOvr>
-  <p:transition xmlns:p14="http://schemas.microsoft.com/office/powerpoint/2010/main"/>
+  <p:transition/>
   <p:timing>
     <p:tnLst>
       <p:par>
-        <p:cTn xmlns:p14="http://schemas.microsoft.com/office/powerpoint/2010/main" id="1" dur="indefinite" restart="never" nodeType="tmRoot"/>
+        <p:cTn id="1" dur="indefinite" restart="never" nodeType="tmRoot"/>
       </p:par>
     </p:tnLst>
   </p:timing>
 </p:sld>
 </file>
 
-<file path=ppt/slides/slide47.xml><?xml version="1.0" encoding="utf-8"?>
+<file path=ppt/slides/slide49.xml><?xml version="1.0" encoding="utf-8"?>
 <p:sld xmlns:a="http://schemas.openxmlformats.org/drawingml/2006/main" xmlns:r="http://schemas.openxmlformats.org/officeDocument/2006/relationships" xmlns:p="http://schemas.openxmlformats.org/presentationml/2006/main">
   <p:cSld>
     <p:spTree>
@@ -26541,11 +27609,117 @@
   <p:clrMapOvr>
     <a:masterClrMapping/>
   </p:clrMapOvr>
-  <p:transition xmlns:p14="http://schemas.microsoft.com/office/powerpoint/2010/main"/>
+  <p:transition/>
 </p:sld>
 </file>
 
-<file path=ppt/slides/slide48.xml><?xml version="1.0" encoding="utf-8"?>
+<file path=ppt/slides/slide5.xml><?xml version="1.0" encoding="utf-8"?>
+<p:sld xmlns:a="http://schemas.openxmlformats.org/drawingml/2006/main" xmlns:r="http://schemas.openxmlformats.org/officeDocument/2006/relationships" xmlns:p="http://schemas.openxmlformats.org/presentationml/2006/main">
+  <p:cSld>
+    <p:spTree>
+      <p:nvGrpSpPr>
+        <p:cNvPr id="1" name=""/>
+        <p:cNvGrpSpPr/>
+        <p:nvPr/>
+      </p:nvGrpSpPr>
+      <p:grpSpPr>
+        <a:xfrm>
+          <a:off x="0" y="0"/>
+          <a:ext cx="0" cy="0"/>
+          <a:chOff x="0" y="0"/>
+          <a:chExt cx="0" cy="0"/>
+        </a:xfrm>
+      </p:grpSpPr>
+      <p:sp>
+        <p:nvSpPr>
+          <p:cNvPr id="4" name="Title 3"/>
+          <p:cNvSpPr>
+            <a:spLocks noGrp="1"/>
+          </p:cNvSpPr>
+          <p:nvPr>
+            <p:ph type="title"/>
+          </p:nvPr>
+        </p:nvSpPr>
+        <p:spPr/>
+        <p:txBody>
+          <a:bodyPr>
+            <a:normAutofit/>
+          </a:bodyPr>
+          <a:lstStyle/>
+          <a:p>
+            <a:r>
+              <a:rPr lang="es-AR" noProof="0" smtClean="0"/>
+              <a:t>Introducción (1)</a:t>
+            </a:r>
+            <a:endParaRPr lang="es-AR" noProof="0"/>
+          </a:p>
+        </p:txBody>
+      </p:sp>
+      <p:sp>
+        <p:nvSpPr>
+          <p:cNvPr id="5" name="Content Placeholder 4"/>
+          <p:cNvSpPr>
+            <a:spLocks noGrp="1"/>
+          </p:cNvSpPr>
+          <p:nvPr>
+            <p:ph idx="1"/>
+          </p:nvPr>
+        </p:nvSpPr>
+        <p:spPr/>
+        <p:txBody>
+          <a:bodyPr>
+            <a:normAutofit/>
+          </a:bodyPr>
+          <a:lstStyle/>
+          <a:p>
+            <a:r>
+              <a:rPr lang="es-AR" noProof="0" dirty="0" smtClean="0"/>
+              <a:t>El protocolo IP asigna direcciones individuales a todos los hosts en una cierta red</a:t>
+            </a:r>
+          </a:p>
+          <a:p>
+            <a:r>
+              <a:rPr lang="es-AR" noProof="0" dirty="0" smtClean="0"/>
+              <a:t>Estas direcciones son simplemente números binarios sin mayor estructura</a:t>
+            </a:r>
+          </a:p>
+          <a:p>
+            <a:r>
+              <a:rPr lang="es-AR" noProof="0" dirty="0" smtClean="0"/>
+              <a:t>Para enviar tráfico IP de un host a otro esto es técnicamente lo único que hace falta</a:t>
+            </a:r>
+          </a:p>
+          <a:p>
+            <a:r>
+              <a:rPr lang="es-AR" noProof="0" dirty="0" smtClean="0"/>
+              <a:t>Sin embargo, para los usuarios de la red es prácticamente imposible recordar o manejar estos números, es preferible contar con identificadores textuales</a:t>
+            </a:r>
+            <a:endParaRPr lang="es-AR" noProof="0" dirty="0"/>
+          </a:p>
+        </p:txBody>
+      </p:sp>
+    </p:spTree>
+    <p:extLst>
+      <p:ext uri="{BB962C8B-B14F-4D97-AF65-F5344CB8AC3E}">
+        <p14:creationId xmlns:p14="http://schemas.microsoft.com/office/powerpoint/2010/main" val="195310048"/>
+      </p:ext>
+    </p:extLst>
+  </p:cSld>
+  <p:clrMapOvr>
+    <a:masterClrMapping/>
+  </p:clrMapOvr>
+  <p:transition/>
+  <p:timing>
+    <p:tnLst>
+      <p:par>
+        <p:cTn id="1" dur="indefinite" restart="never" nodeType="tmRoot"/>
+      </p:par>
+    </p:tnLst>
+  </p:timing>
+</p:sld>
+</file>
+
+<file path=ppt/slides/slide50.xml><?xml version="1.0" encoding="utf-8"?>
 <p:sld xmlns:a="http://schemas.openxmlformats.org/drawingml/2006/main" xmlns:r="http://schemas.openxmlformats.org/officeDocument/2006/relationships" xmlns:p="http://schemas.openxmlformats.org/presentationml/2006/main">
   <p:cSld>
     <p:spTree>
@@ -26704,14 +27878,14 @@
           </a:ln>
           <a:extLst>
             <a:ext uri="{909E8E84-426E-40dd-AFC4-6F175D3DCCD1}">
-              <a14:hiddenFill xmlns:a14="http://schemas.microsoft.com/office/drawing/2010/main">
+              <a14:hiddenFill xmlns:a14="http://schemas.microsoft.com/office/drawing/2010/main" xmlns="">
                 <a:solidFill>
                   <a:srgbClr val="FFFFFF"/>
                 </a:solidFill>
               </a14:hiddenFill>
             </a:ext>
             <a:ext uri="{91240B29-F687-4f45-9708-019B960494DF}">
-              <a14:hiddenLine xmlns:a14="http://schemas.microsoft.com/office/drawing/2010/main" w="12700">
+              <a14:hiddenLine xmlns:a14="http://schemas.microsoft.com/office/drawing/2010/main" xmlns="" w="12700">
                 <a:solidFill>
                   <a:srgbClr val="000000"/>
                 </a:solidFill>
@@ -26801,14 +27975,14 @@
           </a:ln>
           <a:extLst>
             <a:ext uri="{909E8E84-426E-40dd-AFC4-6F175D3DCCD1}">
-              <a14:hiddenFill xmlns:a14="http://schemas.microsoft.com/office/drawing/2010/main">
+              <a14:hiddenFill xmlns:a14="http://schemas.microsoft.com/office/drawing/2010/main" xmlns="">
                 <a:solidFill>
                   <a:srgbClr val="FFFFFF"/>
                 </a:solidFill>
               </a14:hiddenFill>
             </a:ext>
             <a:ext uri="{91240B29-F687-4f45-9708-019B960494DF}">
-              <a14:hiddenLine xmlns:a14="http://schemas.microsoft.com/office/drawing/2010/main" w="12700">
+              <a14:hiddenLine xmlns:a14="http://schemas.microsoft.com/office/drawing/2010/main" xmlns="" w="12700">
                 <a:solidFill>
                   <a:srgbClr val="000000"/>
                 </a:solidFill>
@@ -26978,7 +28152,7 @@
                   <a:spcPct val="100000"/>
                 </a:lnSpc>
               </a:pPr>
-              <a:t>48</a:t>
+              <a:t>50</a:t>
             </a:fld>
             <a:endParaRPr lang="en-US" sz="800">
               <a:solidFill>
@@ -27001,113 +28175,7 @@
   <p:clrMapOvr>
     <a:masterClrMapping/>
   </p:clrMapOvr>
-  <p:transition xmlns:p14="http://schemas.microsoft.com/office/powerpoint/2010/main"/>
-</p:sld>
-</file>
-
-<file path=ppt/slides/slide5.xml><?xml version="1.0" encoding="utf-8"?>
-<p:sld xmlns:a="http://schemas.openxmlformats.org/drawingml/2006/main" xmlns:r="http://schemas.openxmlformats.org/officeDocument/2006/relationships" xmlns:p="http://schemas.openxmlformats.org/presentationml/2006/main">
-  <p:cSld>
-    <p:spTree>
-      <p:nvGrpSpPr>
-        <p:cNvPr id="1" name=""/>
-        <p:cNvGrpSpPr/>
-        <p:nvPr/>
-      </p:nvGrpSpPr>
-      <p:grpSpPr>
-        <a:xfrm>
-          <a:off x="0" y="0"/>
-          <a:ext cx="0" cy="0"/>
-          <a:chOff x="0" y="0"/>
-          <a:chExt cx="0" cy="0"/>
-        </a:xfrm>
-      </p:grpSpPr>
-      <p:sp>
-        <p:nvSpPr>
-          <p:cNvPr id="4" name="Title 3"/>
-          <p:cNvSpPr>
-            <a:spLocks noGrp="1"/>
-          </p:cNvSpPr>
-          <p:nvPr>
-            <p:ph type="title"/>
-          </p:nvPr>
-        </p:nvSpPr>
-        <p:spPr/>
-        <p:txBody>
-          <a:bodyPr>
-            <a:normAutofit/>
-          </a:bodyPr>
-          <a:lstStyle/>
-          <a:p>
-            <a:r>
-              <a:rPr lang="es-AR" noProof="0" smtClean="0"/>
-              <a:t>Introducción (1)</a:t>
-            </a:r>
-            <a:endParaRPr lang="es-AR" noProof="0"/>
-          </a:p>
-        </p:txBody>
-      </p:sp>
-      <p:sp>
-        <p:nvSpPr>
-          <p:cNvPr id="5" name="Content Placeholder 4"/>
-          <p:cNvSpPr>
-            <a:spLocks noGrp="1"/>
-          </p:cNvSpPr>
-          <p:nvPr>
-            <p:ph idx="1"/>
-          </p:nvPr>
-        </p:nvSpPr>
-        <p:spPr/>
-        <p:txBody>
-          <a:bodyPr>
-            <a:normAutofit/>
-          </a:bodyPr>
-          <a:lstStyle/>
-          <a:p>
-            <a:r>
-              <a:rPr lang="es-AR" noProof="0" dirty="0" smtClean="0"/>
-              <a:t>El protocolo IP asigna direcciones individuales a todos los hosts en una cierta red</a:t>
-            </a:r>
-          </a:p>
-          <a:p>
-            <a:r>
-              <a:rPr lang="es-AR" noProof="0" dirty="0" smtClean="0"/>
-              <a:t>Estas direcciones son simplemente números binarios sin mayor estructura</a:t>
-            </a:r>
-          </a:p>
-          <a:p>
-            <a:r>
-              <a:rPr lang="es-AR" noProof="0" dirty="0" smtClean="0"/>
-              <a:t>Para enviar tráfico IP de un host a otro esto es técnicamente lo único que hace falta</a:t>
-            </a:r>
-          </a:p>
-          <a:p>
-            <a:r>
-              <a:rPr lang="es-AR" noProof="0" dirty="0" smtClean="0"/>
-              <a:t>Sin embargo, para los usuarios de la red es prácticamente imposible recordar o manejar estos números, es preferible contar con identificadores textuales</a:t>
-            </a:r>
-            <a:endParaRPr lang="es-AR" noProof="0" dirty="0"/>
-          </a:p>
-        </p:txBody>
-      </p:sp>
-    </p:spTree>
-    <p:extLst>
-      <p:ext uri="{BB962C8B-B14F-4D97-AF65-F5344CB8AC3E}">
-        <p14:creationId xmlns:p14="http://schemas.microsoft.com/office/powerpoint/2010/main" val="195310048"/>
-      </p:ext>
-    </p:extLst>
-  </p:cSld>
-  <p:clrMapOvr>
-    <a:masterClrMapping/>
-  </p:clrMapOvr>
-  <p:transition xmlns:p14="http://schemas.microsoft.com/office/powerpoint/2010/main"/>
-  <p:timing>
-    <p:tnLst>
-      <p:par>
-        <p:cTn xmlns:p14="http://schemas.microsoft.com/office/powerpoint/2010/main" id="1" dur="indefinite" restart="never" nodeType="tmRoot"/>
-      </p:par>
-    </p:tnLst>
-  </p:timing>
+  <p:transition/>
 </p:sld>
 </file>
 
@@ -27245,11 +28313,11 @@
   <p:clrMapOvr>
     <a:masterClrMapping/>
   </p:clrMapOvr>
-  <p:transition xmlns:p14="http://schemas.microsoft.com/office/powerpoint/2010/main"/>
+  <p:transition/>
   <p:timing>
     <p:tnLst>
       <p:par>
-        <p:cTn xmlns:p14="http://schemas.microsoft.com/office/powerpoint/2010/main" id="1" dur="indefinite" restart="never" nodeType="tmRoot"/>
+        <p:cTn id="1" dur="indefinite" restart="never" nodeType="tmRoot"/>
       </p:par>
     </p:tnLst>
   </p:timing>
@@ -27384,11 +28452,11 @@
   <p:clrMapOvr>
     <a:masterClrMapping/>
   </p:clrMapOvr>
-  <p:transition xmlns:p14="http://schemas.microsoft.com/office/powerpoint/2010/main"/>
+  <p:transition/>
   <p:timing>
     <p:tnLst>
       <p:par>
-        <p:cTn xmlns:p14="http://schemas.microsoft.com/office/powerpoint/2010/main" id="1" dur="indefinite" restart="never" nodeType="tmRoot"/>
+        <p:cTn id="1" dur="indefinite" restart="never" nodeType="tmRoot"/>
       </p:par>
     </p:tnLst>
   </p:timing>
@@ -27493,11 +28561,11 @@
   <p:clrMapOvr>
     <a:masterClrMapping/>
   </p:clrMapOvr>
-  <p:transition xmlns:p14="http://schemas.microsoft.com/office/powerpoint/2010/main"/>
+  <p:transition/>
   <p:timing>
     <p:tnLst>
       <p:par>
-        <p:cTn xmlns:p14="http://schemas.microsoft.com/office/powerpoint/2010/main" id="1" dur="indefinite" restart="never" nodeType="tmRoot"/>
+        <p:cTn id="1" dur="indefinite" restart="never" nodeType="tmRoot"/>
       </p:par>
     </p:tnLst>
   </p:timing>
@@ -27615,11 +28683,11 @@
   <p:clrMapOvr>
     <a:masterClrMapping/>
   </p:clrMapOvr>
-  <p:transition xmlns:p14="http://schemas.microsoft.com/office/powerpoint/2010/main"/>
+  <p:transition/>
   <p:timing>
     <p:tnLst>
       <p:par>
-        <p:cTn xmlns:p14="http://schemas.microsoft.com/office/powerpoint/2010/main" id="1" dur="indefinite" restart="never" nodeType="tmRoot"/>
+        <p:cTn id="1" dur="indefinite" restart="never" nodeType="tmRoot"/>
       </p:par>
     </p:tnLst>
   </p:timing>
